--- a/src/figures/graph-japan.pptx
+++ b/src/figures/graph-japan.pptx
@@ -2,13 +2,19 @@
 <file path=ppt/presentation.xml><?xml version="1.0" encoding="utf-8"?>
 <p:presentation xmlns:a="http://schemas.openxmlformats.org/drawingml/2006/main" xmlns:r="http://schemas.openxmlformats.org/officeDocument/2006/relationships" xmlns:p="http://schemas.openxmlformats.org/presentationml/2006/main" saveSubsetFonts="1">
   <p:sldMasterIdLst>
-    <p:sldMasterId id="2147483780" r:id="rId1"/>
+    <p:sldMasterId id="2147483792" r:id="rId1"/>
   </p:sldMasterIdLst>
+  <p:notesMasterIdLst>
+    <p:notesMasterId r:id="rId7"/>
+  </p:notesMasterIdLst>
   <p:sldIdLst>
     <p:sldId id="256" r:id="rId2"/>
-    <p:sldId id="257" r:id="rId3"/>
+    <p:sldId id="291" r:id="rId3"/>
+    <p:sldId id="294" r:id="rId4"/>
+    <p:sldId id="298" r:id="rId5"/>
+    <p:sldId id="297" r:id="rId6"/>
   </p:sldIdLst>
-  <p:sldSz cx="5400675" cy="2160588"/>
+  <p:sldSz cx="5400675" cy="5400675"/>
   <p:notesSz cx="6858000" cy="9144000"/>
   <p:defaultTextStyle>
     <a:defPPr>
@@ -1189,7 +1195,2339 @@
 </c:chartSpace>
 </file>
 
+<file path=ppt/charts/chart2.xml><?xml version="1.0" encoding="utf-8"?>
+<c:chartSpace xmlns:c="http://schemas.openxmlformats.org/drawingml/2006/chart" xmlns:a="http://schemas.openxmlformats.org/drawingml/2006/main" xmlns:r="http://schemas.openxmlformats.org/officeDocument/2006/relationships" xmlns:c16r2="http://schemas.microsoft.com/office/drawing/2015/06/chart">
+  <c:date1904 val="0"/>
+  <c:lang val="ja-JP"/>
+  <c:roundedCorners val="0"/>
+  <mc:AlternateContent xmlns:mc="http://schemas.openxmlformats.org/markup-compatibility/2006">
+    <mc:Choice xmlns:c14="http://schemas.microsoft.com/office/drawing/2007/8/2/chart" Requires="c14">
+      <c14:style val="102"/>
+    </mc:Choice>
+    <mc:Fallback>
+      <c:style val="2"/>
+    </mc:Fallback>
+  </mc:AlternateContent>
+  <c:chart>
+    <c:autoTitleDeleted val="0"/>
+    <c:plotArea>
+      <c:layout>
+        <c:manualLayout>
+          <c:layoutTarget val="inner"/>
+          <c:xMode val="edge"/>
+          <c:yMode val="edge"/>
+          <c:x val="0.11625041711541959"/>
+          <c:y val="0.18456301910502854"/>
+          <c:w val="0.77245623514579154"/>
+          <c:h val="0.71997997211804665"/>
+        </c:manualLayout>
+      </c:layout>
+      <c:scatterChart>
+        <c:scatterStyle val="lineMarker"/>
+        <c:varyColors val="0"/>
+        <c:ser>
+          <c:idx val="0"/>
+          <c:order val="0"/>
+          <c:tx>
+            <c:strRef>
+              <c:f>Sheet1!$B$1</c:f>
+              <c:strCache>
+                <c:ptCount val="1"/>
+                <c:pt idx="0">
+                  <c:v>uart（改善）</c:v>
+                </c:pt>
+              </c:strCache>
+            </c:strRef>
+          </c:tx>
+          <c:spPr>
+            <a:ln w="38100" cap="rnd">
+              <a:solidFill>
+                <a:schemeClr val="accent5">
+                  <a:lumMod val="75000"/>
+                  <a:alpha val="99000"/>
+                </a:schemeClr>
+              </a:solidFill>
+              <a:round/>
+            </a:ln>
+            <a:effectLst/>
+          </c:spPr>
+          <c:marker>
+            <c:symbol val="circle"/>
+            <c:size val="10"/>
+            <c:spPr>
+              <a:solidFill>
+                <a:schemeClr val="accent1">
+                  <a:lumMod val="60000"/>
+                  <a:lumOff val="40000"/>
+                </a:schemeClr>
+              </a:solidFill>
+              <a:ln w="25400">
+                <a:solidFill>
+                  <a:schemeClr val="accent1">
+                    <a:lumMod val="75000"/>
+                  </a:schemeClr>
+                </a:solidFill>
+              </a:ln>
+              <a:effectLst/>
+            </c:spPr>
+          </c:marker>
+          <c:xVal>
+            <c:numRef>
+              <c:f>Sheet1!$A$2:$A$4</c:f>
+              <c:numCache>
+                <c:formatCode>General</c:formatCode>
+                <c:ptCount val="3"/>
+                <c:pt idx="0">
+                  <c:v>10000</c:v>
+                </c:pt>
+                <c:pt idx="1">
+                  <c:v>100000</c:v>
+                </c:pt>
+                <c:pt idx="2">
+                  <c:v>1000000</c:v>
+                </c:pt>
+              </c:numCache>
+            </c:numRef>
+          </c:xVal>
+          <c:yVal>
+            <c:numRef>
+              <c:f>Sheet1!$B$2:$B$4</c:f>
+              <c:numCache>
+                <c:formatCode>General</c:formatCode>
+                <c:ptCount val="3"/>
+                <c:pt idx="0">
+                  <c:v>4.3348800000000001</c:v>
+                </c:pt>
+                <c:pt idx="1">
+                  <c:v>11.188700000000001</c:v>
+                </c:pt>
+                <c:pt idx="2">
+                  <c:v>49.324800000000003</c:v>
+                </c:pt>
+              </c:numCache>
+            </c:numRef>
+          </c:yVal>
+          <c:smooth val="0"/>
+          <c:extLst>
+            <c:ext xmlns:c16="http://schemas.microsoft.com/office/drawing/2014/chart" uri="{C3380CC4-5D6E-409C-BE32-E72D297353CC}">
+              <c16:uniqueId val="{00000000-EBB9-4250-B558-4984050C9752}"/>
+            </c:ext>
+          </c:extLst>
+        </c:ser>
+        <c:ser>
+          <c:idx val="1"/>
+          <c:order val="1"/>
+          <c:tx>
+            <c:strRef>
+              <c:f>Sheet1!$C$1</c:f>
+              <c:strCache>
+                <c:ptCount val="1"/>
+                <c:pt idx="0">
+                  <c:v>uart</c:v>
+                </c:pt>
+              </c:strCache>
+            </c:strRef>
+          </c:tx>
+          <c:spPr>
+            <a:ln w="38100" cap="rnd">
+              <a:solidFill>
+                <a:schemeClr val="accent2"/>
+              </a:solidFill>
+              <a:round/>
+            </a:ln>
+            <a:effectLst/>
+          </c:spPr>
+          <c:marker>
+            <c:symbol val="square"/>
+            <c:size val="10"/>
+            <c:spPr>
+              <a:solidFill>
+                <a:schemeClr val="accent2">
+                  <a:lumMod val="60000"/>
+                  <a:lumOff val="40000"/>
+                </a:schemeClr>
+              </a:solidFill>
+              <a:ln w="25400">
+                <a:solidFill>
+                  <a:schemeClr val="accent2">
+                    <a:lumMod val="75000"/>
+                  </a:schemeClr>
+                </a:solidFill>
+              </a:ln>
+              <a:effectLst/>
+            </c:spPr>
+          </c:marker>
+          <c:xVal>
+            <c:numRef>
+              <c:f>Sheet1!$A$2:$A$4</c:f>
+              <c:numCache>
+                <c:formatCode>General</c:formatCode>
+                <c:ptCount val="3"/>
+                <c:pt idx="0">
+                  <c:v>10000</c:v>
+                </c:pt>
+                <c:pt idx="1">
+                  <c:v>100000</c:v>
+                </c:pt>
+                <c:pt idx="2">
+                  <c:v>1000000</c:v>
+                </c:pt>
+              </c:numCache>
+            </c:numRef>
+          </c:xVal>
+          <c:yVal>
+            <c:numRef>
+              <c:f>Sheet1!$C$2:$C$4</c:f>
+              <c:numCache>
+                <c:formatCode>General</c:formatCode>
+                <c:ptCount val="3"/>
+                <c:pt idx="0">
+                  <c:v>4.6847099999999999</c:v>
+                </c:pt>
+                <c:pt idx="1">
+                  <c:v>11.033099999999999</c:v>
+                </c:pt>
+                <c:pt idx="2">
+                  <c:v>18.700299999999999</c:v>
+                </c:pt>
+              </c:numCache>
+            </c:numRef>
+          </c:yVal>
+          <c:smooth val="0"/>
+          <c:extLst>
+            <c:ext xmlns:c16="http://schemas.microsoft.com/office/drawing/2014/chart" uri="{C3380CC4-5D6E-409C-BE32-E72D297353CC}">
+              <c16:uniqueId val="{00000001-EBB9-4250-B558-4984050C9752}"/>
+            </c:ext>
+          </c:extLst>
+        </c:ser>
+        <c:ser>
+          <c:idx val="2"/>
+          <c:order val="2"/>
+          <c:tx>
+            <c:strRef>
+              <c:f>Sheet1!$D$1</c:f>
+              <c:strCache>
+                <c:ptCount val="1"/>
+                <c:pt idx="0">
+                  <c:v>ub</c:v>
+                </c:pt>
+              </c:strCache>
+            </c:strRef>
+          </c:tx>
+          <c:spPr>
+            <a:ln w="38100" cap="rnd">
+              <a:solidFill>
+                <a:schemeClr val="accent4">
+                  <a:lumMod val="75000"/>
+                </a:schemeClr>
+              </a:solidFill>
+              <a:round/>
+            </a:ln>
+            <a:effectLst/>
+          </c:spPr>
+          <c:marker>
+            <c:symbol val="triangle"/>
+            <c:size val="10"/>
+            <c:spPr>
+              <a:solidFill>
+                <a:schemeClr val="accent4">
+                  <a:lumMod val="60000"/>
+                  <a:lumOff val="40000"/>
+                </a:schemeClr>
+              </a:solidFill>
+              <a:ln w="25400">
+                <a:solidFill>
+                  <a:schemeClr val="accent4">
+                    <a:lumMod val="75000"/>
+                  </a:schemeClr>
+                </a:solidFill>
+              </a:ln>
+              <a:effectLst/>
+            </c:spPr>
+          </c:marker>
+          <c:xVal>
+            <c:numRef>
+              <c:f>Sheet1!$A$2:$A$4</c:f>
+              <c:numCache>
+                <c:formatCode>General</c:formatCode>
+                <c:ptCount val="3"/>
+                <c:pt idx="0">
+                  <c:v>10000</c:v>
+                </c:pt>
+                <c:pt idx="1">
+                  <c:v>100000</c:v>
+                </c:pt>
+                <c:pt idx="2">
+                  <c:v>1000000</c:v>
+                </c:pt>
+              </c:numCache>
+            </c:numRef>
+          </c:xVal>
+          <c:yVal>
+            <c:numRef>
+              <c:f>Sheet1!$D$2:$D$4</c:f>
+              <c:numCache>
+                <c:formatCode>General</c:formatCode>
+                <c:ptCount val="3"/>
+                <c:pt idx="0">
+                  <c:v>2.02386</c:v>
+                </c:pt>
+                <c:pt idx="1">
+                  <c:v>3.8028400000000002</c:v>
+                </c:pt>
+                <c:pt idx="2">
+                  <c:v>1.48285</c:v>
+                </c:pt>
+              </c:numCache>
+            </c:numRef>
+          </c:yVal>
+          <c:smooth val="0"/>
+          <c:extLst>
+            <c:ext xmlns:c16="http://schemas.microsoft.com/office/drawing/2014/chart" uri="{C3380CC4-5D6E-409C-BE32-E72D297353CC}">
+              <c16:uniqueId val="{00000002-EBB9-4250-B558-4984050C9752}"/>
+            </c:ext>
+          </c:extLst>
+        </c:ser>
+        <c:ser>
+          <c:idx val="3"/>
+          <c:order val="3"/>
+          <c:tx>
+            <c:strRef>
+              <c:f>Sheet1!$E$1</c:f>
+              <c:strCache>
+                <c:ptCount val="1"/>
+                <c:pt idx="0">
+                  <c:v>sidx-r</c:v>
+                </c:pt>
+              </c:strCache>
+            </c:strRef>
+          </c:tx>
+          <c:spPr>
+            <a:ln w="38100" cap="rnd">
+              <a:solidFill>
+                <a:schemeClr val="accent6">
+                  <a:lumMod val="75000"/>
+                </a:schemeClr>
+              </a:solidFill>
+              <a:round/>
+            </a:ln>
+            <a:effectLst/>
+          </c:spPr>
+          <c:marker>
+            <c:symbol val="diamond"/>
+            <c:size val="10"/>
+            <c:spPr>
+              <a:solidFill>
+                <a:schemeClr val="accent6">
+                  <a:lumMod val="60000"/>
+                  <a:lumOff val="40000"/>
+                </a:schemeClr>
+              </a:solidFill>
+              <a:ln w="25400">
+                <a:solidFill>
+                  <a:schemeClr val="accent6">
+                    <a:lumMod val="75000"/>
+                    <a:alpha val="95000"/>
+                  </a:schemeClr>
+                </a:solidFill>
+              </a:ln>
+              <a:effectLst/>
+            </c:spPr>
+          </c:marker>
+          <c:xVal>
+            <c:numRef>
+              <c:f>Sheet1!$A$2:$A$4</c:f>
+              <c:numCache>
+                <c:formatCode>General</c:formatCode>
+                <c:ptCount val="3"/>
+                <c:pt idx="0">
+                  <c:v>10000</c:v>
+                </c:pt>
+                <c:pt idx="1">
+                  <c:v>100000</c:v>
+                </c:pt>
+                <c:pt idx="2">
+                  <c:v>1000000</c:v>
+                </c:pt>
+              </c:numCache>
+            </c:numRef>
+          </c:xVal>
+          <c:yVal>
+            <c:numRef>
+              <c:f>Sheet1!$E$2:$E$4</c:f>
+              <c:numCache>
+                <c:formatCode>General</c:formatCode>
+                <c:ptCount val="3"/>
+                <c:pt idx="0">
+                  <c:v>0.29261700000000002</c:v>
+                </c:pt>
+                <c:pt idx="1">
+                  <c:v>1.22</c:v>
+                </c:pt>
+                <c:pt idx="2">
+                  <c:v>3.01</c:v>
+                </c:pt>
+              </c:numCache>
+            </c:numRef>
+          </c:yVal>
+          <c:smooth val="0"/>
+          <c:extLst>
+            <c:ext xmlns:c16="http://schemas.microsoft.com/office/drawing/2014/chart" uri="{C3380CC4-5D6E-409C-BE32-E72D297353CC}">
+              <c16:uniqueId val="{00000003-EBB9-4250-B558-4984050C9752}"/>
+            </c:ext>
+          </c:extLst>
+        </c:ser>
+        <c:ser>
+          <c:idx val="4"/>
+          <c:order val="4"/>
+          <c:tx>
+            <c:strRef>
+              <c:f>Sheet1!$F$1</c:f>
+              <c:strCache>
+                <c:ptCount val="1"/>
+                <c:pt idx="0">
+                  <c:v>boost-r</c:v>
+                </c:pt>
+              </c:strCache>
+            </c:strRef>
+          </c:tx>
+          <c:spPr>
+            <a:ln w="38100" cap="rnd">
+              <a:solidFill>
+                <a:srgbClr val="7030A0"/>
+              </a:solidFill>
+              <a:round/>
+            </a:ln>
+            <a:effectLst/>
+          </c:spPr>
+          <c:marker>
+            <c:symbol val="x"/>
+            <c:size val="10"/>
+            <c:spPr>
+              <a:noFill/>
+              <a:ln w="25400">
+                <a:solidFill>
+                  <a:srgbClr val="7030A0"/>
+                </a:solidFill>
+              </a:ln>
+              <a:effectLst/>
+            </c:spPr>
+          </c:marker>
+          <c:xVal>
+            <c:numRef>
+              <c:f>Sheet1!$A$2:$A$4</c:f>
+              <c:numCache>
+                <c:formatCode>General</c:formatCode>
+                <c:ptCount val="3"/>
+                <c:pt idx="0">
+                  <c:v>10000</c:v>
+                </c:pt>
+                <c:pt idx="1">
+                  <c:v>100000</c:v>
+                </c:pt>
+                <c:pt idx="2">
+                  <c:v>1000000</c:v>
+                </c:pt>
+              </c:numCache>
+            </c:numRef>
+          </c:xVal>
+          <c:yVal>
+            <c:numRef>
+              <c:f>Sheet1!$F$2:$F$4</c:f>
+              <c:numCache>
+                <c:formatCode>General</c:formatCode>
+                <c:ptCount val="3"/>
+                <c:pt idx="0">
+                  <c:v>7.4944699999999997</c:v>
+                </c:pt>
+                <c:pt idx="1">
+                  <c:v>24.566099999999999</c:v>
+                </c:pt>
+                <c:pt idx="2">
+                  <c:v>60.264400000000002</c:v>
+                </c:pt>
+              </c:numCache>
+            </c:numRef>
+          </c:yVal>
+          <c:smooth val="0"/>
+          <c:extLst>
+            <c:ext xmlns:c16="http://schemas.microsoft.com/office/drawing/2014/chart" uri="{C3380CC4-5D6E-409C-BE32-E72D297353CC}">
+              <c16:uniqueId val="{00000004-EBB9-4250-B558-4984050C9752}"/>
+            </c:ext>
+          </c:extLst>
+        </c:ser>
+        <c:dLbls>
+          <c:showLegendKey val="0"/>
+          <c:showVal val="0"/>
+          <c:showCatName val="0"/>
+          <c:showSerName val="0"/>
+          <c:showPercent val="0"/>
+          <c:showBubbleSize val="0"/>
+        </c:dLbls>
+        <c:axId val="538621999"/>
+        <c:axId val="773771647"/>
+      </c:scatterChart>
+      <c:valAx>
+        <c:axId val="538621999"/>
+        <c:scaling>
+          <c:logBase val="10"/>
+          <c:orientation val="minMax"/>
+          <c:min val="10000"/>
+        </c:scaling>
+        <c:delete val="0"/>
+        <c:axPos val="b"/>
+        <c:numFmt formatCode="General" sourceLinked="1"/>
+        <c:majorTickMark val="in"/>
+        <c:minorTickMark val="none"/>
+        <c:tickLblPos val="nextTo"/>
+        <c:spPr>
+          <a:noFill/>
+          <a:ln w="9525" cap="flat" cmpd="sng" algn="ctr">
+            <a:solidFill>
+              <a:schemeClr val="tx1"/>
+            </a:solidFill>
+            <a:round/>
+          </a:ln>
+          <a:effectLst/>
+        </c:spPr>
+        <c:txPr>
+          <a:bodyPr rot="-60000000" spcFirstLastPara="1" vertOverflow="ellipsis" vert="horz" wrap="square" anchor="ctr" anchorCtr="1"/>
+          <a:lstStyle/>
+          <a:p>
+            <a:pPr>
+              <a:defRPr sz="2000" b="0" i="0" u="none" strike="noStrike" kern="1200" baseline="0">
+                <a:solidFill>
+                  <a:sysClr val="windowText" lastClr="000000"/>
+                </a:solidFill>
+                <a:latin typeface="Cambria Math" panose="02040503050406030204" pitchFamily="18" charset="0"/>
+                <a:ea typeface="Cambria Math" panose="02040503050406030204" pitchFamily="18" charset="0"/>
+                <a:cs typeface="+mn-cs"/>
+              </a:defRPr>
+            </a:pPr>
+            <a:endParaRPr lang="ja-JP"/>
+          </a:p>
+        </c:txPr>
+        <c:crossAx val="773771647"/>
+        <c:crosses val="autoZero"/>
+        <c:crossBetween val="midCat"/>
+      </c:valAx>
+      <c:valAx>
+        <c:axId val="773771647"/>
+        <c:scaling>
+          <c:orientation val="minMax"/>
+        </c:scaling>
+        <c:delete val="0"/>
+        <c:axPos val="l"/>
+        <c:majorGridlines>
+          <c:spPr>
+            <a:ln w="9525" cap="flat" cmpd="sng" algn="ctr">
+              <a:solidFill>
+                <a:schemeClr val="tx1">
+                  <a:lumMod val="15000"/>
+                  <a:lumOff val="85000"/>
+                </a:schemeClr>
+              </a:solidFill>
+              <a:round/>
+            </a:ln>
+            <a:effectLst/>
+          </c:spPr>
+        </c:majorGridlines>
+        <c:numFmt formatCode="General" sourceLinked="1"/>
+        <c:majorTickMark val="in"/>
+        <c:minorTickMark val="none"/>
+        <c:tickLblPos val="nextTo"/>
+        <c:spPr>
+          <a:noFill/>
+          <a:ln w="9525" cap="flat" cmpd="sng" algn="ctr">
+            <a:solidFill>
+              <a:schemeClr val="tx1"/>
+            </a:solidFill>
+            <a:round/>
+          </a:ln>
+          <a:effectLst/>
+        </c:spPr>
+        <c:txPr>
+          <a:bodyPr rot="-60000000" spcFirstLastPara="1" vertOverflow="ellipsis" vert="horz" wrap="square" anchor="ctr" anchorCtr="1"/>
+          <a:lstStyle/>
+          <a:p>
+            <a:pPr>
+              <a:defRPr sz="2000" b="0" i="0" u="none" strike="noStrike" kern="1200" baseline="0">
+                <a:solidFill>
+                  <a:sysClr val="windowText" lastClr="000000"/>
+                </a:solidFill>
+                <a:latin typeface="Cambria Math" panose="02040503050406030204" pitchFamily="18" charset="0"/>
+                <a:ea typeface="Cambria Math" panose="02040503050406030204" pitchFamily="18" charset="0"/>
+                <a:cs typeface="+mn-cs"/>
+              </a:defRPr>
+            </a:pPr>
+            <a:endParaRPr lang="ja-JP"/>
+          </a:p>
+        </c:txPr>
+        <c:crossAx val="538621999"/>
+        <c:crosses val="autoZero"/>
+        <c:crossBetween val="midCat"/>
+      </c:valAx>
+      <c:spPr>
+        <a:noFill/>
+        <a:ln w="9525">
+          <a:solidFill>
+            <a:schemeClr val="tx1"/>
+          </a:solidFill>
+        </a:ln>
+        <a:effectLst/>
+      </c:spPr>
+    </c:plotArea>
+    <c:legend>
+      <c:legendPos val="t"/>
+      <c:layout>
+        <c:manualLayout>
+          <c:xMode val="edge"/>
+          <c:yMode val="edge"/>
+          <c:x val="0"/>
+          <c:y val="1.1747727228101866E-3"/>
+          <c:w val="1"/>
+          <c:h val="0.15629582359755739"/>
+        </c:manualLayout>
+      </c:layout>
+      <c:overlay val="0"/>
+      <c:spPr>
+        <a:noFill/>
+        <a:ln>
+          <a:noFill/>
+        </a:ln>
+        <a:effectLst/>
+      </c:spPr>
+      <c:txPr>
+        <a:bodyPr rot="0" spcFirstLastPara="1" vertOverflow="ellipsis" vert="horz" wrap="square" anchor="ctr" anchorCtr="1"/>
+        <a:lstStyle/>
+        <a:p>
+          <a:pPr>
+            <a:defRPr sz="2000" b="0" i="0" u="none" strike="noStrike" kern="1200" baseline="0">
+              <a:solidFill>
+                <a:sysClr val="windowText" lastClr="000000"/>
+              </a:solidFill>
+              <a:latin typeface="Cambria Math" panose="02040503050406030204" pitchFamily="18" charset="0"/>
+              <a:ea typeface="Cambria Math" panose="02040503050406030204" pitchFamily="18" charset="0"/>
+              <a:cs typeface="+mn-cs"/>
+            </a:defRPr>
+          </a:pPr>
+          <a:endParaRPr lang="ja-JP"/>
+        </a:p>
+      </c:txPr>
+    </c:legend>
+    <c:plotVisOnly val="1"/>
+    <c:dispBlanksAs val="gap"/>
+    <c:extLst>
+      <c:ext xmlns:c16r3="http://schemas.microsoft.com/office/drawing/2017/03/chart" uri="{56B9EC1D-385E-4148-901F-78D8002777C0}">
+        <c16r3:dataDisplayOptions16>
+          <c16r3:dispNaAsBlank val="1"/>
+        </c16r3:dataDisplayOptions16>
+      </c:ext>
+    </c:extLst>
+    <c:showDLblsOverMax val="0"/>
+  </c:chart>
+  <c:spPr>
+    <a:noFill/>
+    <a:ln>
+      <a:noFill/>
+    </a:ln>
+    <a:effectLst/>
+  </c:spPr>
+  <c:txPr>
+    <a:bodyPr/>
+    <a:lstStyle/>
+    <a:p>
+      <a:pPr>
+        <a:defRPr sz="2000" baseline="0">
+          <a:solidFill>
+            <a:sysClr val="windowText" lastClr="000000"/>
+          </a:solidFill>
+          <a:latin typeface="Cambria Math" panose="02040503050406030204" pitchFamily="18" charset="0"/>
+          <a:ea typeface="Cambria Math" panose="02040503050406030204" pitchFamily="18" charset="0"/>
+        </a:defRPr>
+      </a:pPr>
+      <a:endParaRPr lang="ja-JP"/>
+    </a:p>
+  </c:txPr>
+  <c:externalData r:id="rId3">
+    <c:autoUpdate val="0"/>
+  </c:externalData>
+</c:chartSpace>
+</file>
+
+<file path=ppt/charts/chart3.xml><?xml version="1.0" encoding="utf-8"?>
+<c:chartSpace xmlns:c="http://schemas.openxmlformats.org/drawingml/2006/chart" xmlns:a="http://schemas.openxmlformats.org/drawingml/2006/main" xmlns:r="http://schemas.openxmlformats.org/officeDocument/2006/relationships" xmlns:c16r2="http://schemas.microsoft.com/office/drawing/2015/06/chart">
+  <c:date1904 val="0"/>
+  <c:lang val="ja-JP"/>
+  <c:roundedCorners val="0"/>
+  <mc:AlternateContent xmlns:mc="http://schemas.openxmlformats.org/markup-compatibility/2006">
+    <mc:Choice xmlns:c14="http://schemas.microsoft.com/office/drawing/2007/8/2/chart" Requires="c14">
+      <c14:style val="102"/>
+    </mc:Choice>
+    <mc:Fallback>
+      <c:style val="2"/>
+    </mc:Fallback>
+  </mc:AlternateContent>
+  <c:chart>
+    <c:autoTitleDeleted val="0"/>
+    <c:plotArea>
+      <c:layout>
+        <c:manualLayout>
+          <c:layoutTarget val="inner"/>
+          <c:xMode val="edge"/>
+          <c:yMode val="edge"/>
+          <c:x val="0.11625041711541959"/>
+          <c:y val="8.7309980561173395E-2"/>
+          <c:w val="0.77245623514579154"/>
+          <c:h val="0.8172330106619019"/>
+        </c:manualLayout>
+      </c:layout>
+      <c:barChart>
+        <c:barDir val="col"/>
+        <c:grouping val="clustered"/>
+        <c:varyColors val="0"/>
+        <c:ser>
+          <c:idx val="0"/>
+          <c:order val="0"/>
+          <c:tx>
+            <c:strRef>
+              <c:f>Sheet1!$B$1</c:f>
+              <c:strCache>
+                <c:ptCount val="1"/>
+                <c:pt idx="0">
+                  <c:v>uart（改善）</c:v>
+                </c:pt>
+              </c:strCache>
+            </c:strRef>
+          </c:tx>
+          <c:spPr>
+            <a:solidFill>
+              <a:schemeClr val="accent1">
+                <a:lumMod val="60000"/>
+                <a:lumOff val="40000"/>
+              </a:schemeClr>
+            </a:solidFill>
+            <a:ln w="38100">
+              <a:solidFill>
+                <a:schemeClr val="accent1">
+                  <a:alpha val="99000"/>
+                </a:schemeClr>
+              </a:solidFill>
+            </a:ln>
+            <a:effectLst/>
+          </c:spPr>
+          <c:invertIfNegative val="0"/>
+          <c:cat>
+            <c:strRef>
+              <c:f>Sheet1!$A$2:$A$4</c:f>
+              <c:strCache>
+                <c:ptCount val="3"/>
+                <c:pt idx="0">
+                  <c:v>update</c:v>
+                </c:pt>
+                <c:pt idx="1">
+                  <c:v>insert</c:v>
+                </c:pt>
+                <c:pt idx="2">
+                  <c:v>delete</c:v>
+                </c:pt>
+              </c:strCache>
+            </c:strRef>
+          </c:cat>
+          <c:val>
+            <c:numRef>
+              <c:f>Sheet1!$B$2:$B$4</c:f>
+              <c:numCache>
+                <c:formatCode>General</c:formatCode>
+                <c:ptCount val="3"/>
+                <c:pt idx="0">
+                  <c:v>1.1100000000000001</c:v>
+                </c:pt>
+                <c:pt idx="1">
+                  <c:v>3.29</c:v>
+                </c:pt>
+                <c:pt idx="2">
+                  <c:v>5.0599999999999996</c:v>
+                </c:pt>
+              </c:numCache>
+            </c:numRef>
+          </c:val>
+          <c:extLst>
+            <c:ext xmlns:c16="http://schemas.microsoft.com/office/drawing/2014/chart" uri="{C3380CC4-5D6E-409C-BE32-E72D297353CC}">
+              <c16:uniqueId val="{00000000-EBB9-4250-B558-4984050C9752}"/>
+            </c:ext>
+          </c:extLst>
+        </c:ser>
+        <c:ser>
+          <c:idx val="1"/>
+          <c:order val="1"/>
+          <c:tx>
+            <c:strRef>
+              <c:f>Sheet1!$C$1</c:f>
+              <c:strCache>
+                <c:ptCount val="1"/>
+                <c:pt idx="0">
+                  <c:v>uart</c:v>
+                </c:pt>
+              </c:strCache>
+            </c:strRef>
+          </c:tx>
+          <c:spPr>
+            <a:solidFill>
+              <a:schemeClr val="accent2"/>
+            </a:solidFill>
+            <a:ln w="38100">
+              <a:solidFill>
+                <a:schemeClr val="accent2">
+                  <a:lumMod val="75000"/>
+                </a:schemeClr>
+              </a:solidFill>
+            </a:ln>
+            <a:effectLst/>
+          </c:spPr>
+          <c:invertIfNegative val="0"/>
+          <c:cat>
+            <c:strRef>
+              <c:f>Sheet1!$A$2:$A$4</c:f>
+              <c:strCache>
+                <c:ptCount val="3"/>
+                <c:pt idx="0">
+                  <c:v>update</c:v>
+                </c:pt>
+                <c:pt idx="1">
+                  <c:v>insert</c:v>
+                </c:pt>
+                <c:pt idx="2">
+                  <c:v>delete</c:v>
+                </c:pt>
+              </c:strCache>
+            </c:strRef>
+          </c:cat>
+          <c:val>
+            <c:numRef>
+              <c:f>Sheet1!$C$2:$C$4</c:f>
+              <c:numCache>
+                <c:formatCode>General</c:formatCode>
+                <c:ptCount val="3"/>
+                <c:pt idx="0">
+                  <c:v>1.1200000000000001</c:v>
+                </c:pt>
+                <c:pt idx="1">
+                  <c:v>2.25</c:v>
+                </c:pt>
+                <c:pt idx="2">
+                  <c:v>4.47</c:v>
+                </c:pt>
+              </c:numCache>
+            </c:numRef>
+          </c:val>
+          <c:extLst>
+            <c:ext xmlns:c16="http://schemas.microsoft.com/office/drawing/2014/chart" uri="{C3380CC4-5D6E-409C-BE32-E72D297353CC}">
+              <c16:uniqueId val="{00000001-EBB9-4250-B558-4984050C9752}"/>
+            </c:ext>
+          </c:extLst>
+        </c:ser>
+        <c:ser>
+          <c:idx val="2"/>
+          <c:order val="2"/>
+          <c:tx>
+            <c:strRef>
+              <c:f>Sheet1!$D$1</c:f>
+              <c:strCache>
+                <c:ptCount val="1"/>
+                <c:pt idx="0">
+                  <c:v>ub</c:v>
+                </c:pt>
+              </c:strCache>
+            </c:strRef>
+          </c:tx>
+          <c:spPr>
+            <a:solidFill>
+              <a:schemeClr val="accent4">
+                <a:lumMod val="60000"/>
+                <a:lumOff val="40000"/>
+              </a:schemeClr>
+            </a:solidFill>
+            <a:ln w="38100">
+              <a:solidFill>
+                <a:schemeClr val="accent4">
+                  <a:lumMod val="75000"/>
+                </a:schemeClr>
+              </a:solidFill>
+            </a:ln>
+            <a:effectLst/>
+          </c:spPr>
+          <c:invertIfNegative val="0"/>
+          <c:cat>
+            <c:strRef>
+              <c:f>Sheet1!$A$2:$A$4</c:f>
+              <c:strCache>
+                <c:ptCount val="3"/>
+                <c:pt idx="0">
+                  <c:v>update</c:v>
+                </c:pt>
+                <c:pt idx="1">
+                  <c:v>insert</c:v>
+                </c:pt>
+                <c:pt idx="2">
+                  <c:v>delete</c:v>
+                </c:pt>
+              </c:strCache>
+            </c:strRef>
+          </c:cat>
+          <c:val>
+            <c:numRef>
+              <c:f>Sheet1!$D$2:$D$4</c:f>
+              <c:numCache>
+                <c:formatCode>General</c:formatCode>
+                <c:ptCount val="3"/>
+                <c:pt idx="0">
+                  <c:v>0.89838700000000005</c:v>
+                </c:pt>
+                <c:pt idx="1">
+                  <c:v>3.8</c:v>
+                </c:pt>
+                <c:pt idx="2">
+                  <c:v>6.06</c:v>
+                </c:pt>
+              </c:numCache>
+            </c:numRef>
+          </c:val>
+          <c:extLst>
+            <c:ext xmlns:c16="http://schemas.microsoft.com/office/drawing/2014/chart" uri="{C3380CC4-5D6E-409C-BE32-E72D297353CC}">
+              <c16:uniqueId val="{00000002-EBB9-4250-B558-4984050C9752}"/>
+            </c:ext>
+          </c:extLst>
+        </c:ser>
+        <c:ser>
+          <c:idx val="3"/>
+          <c:order val="3"/>
+          <c:tx>
+            <c:strRef>
+              <c:f>Sheet1!$E$1</c:f>
+              <c:strCache>
+                <c:ptCount val="1"/>
+                <c:pt idx="0">
+                  <c:v>boost-r</c:v>
+                </c:pt>
+              </c:strCache>
+            </c:strRef>
+          </c:tx>
+          <c:spPr>
+            <a:solidFill>
+              <a:srgbClr val="B686DA"/>
+            </a:solidFill>
+            <a:ln w="38100">
+              <a:solidFill>
+                <a:srgbClr val="7030A0"/>
+              </a:solidFill>
+            </a:ln>
+            <a:effectLst/>
+          </c:spPr>
+          <c:invertIfNegative val="0"/>
+          <c:cat>
+            <c:strRef>
+              <c:f>Sheet1!$A$2:$A$4</c:f>
+              <c:strCache>
+                <c:ptCount val="3"/>
+                <c:pt idx="0">
+                  <c:v>update</c:v>
+                </c:pt>
+                <c:pt idx="1">
+                  <c:v>insert</c:v>
+                </c:pt>
+                <c:pt idx="2">
+                  <c:v>delete</c:v>
+                </c:pt>
+              </c:strCache>
+            </c:strRef>
+          </c:cat>
+          <c:val>
+            <c:numRef>
+              <c:f>Sheet1!$E$2:$E$4</c:f>
+              <c:numCache>
+                <c:formatCode>General</c:formatCode>
+                <c:ptCount val="3"/>
+                <c:pt idx="0">
+                  <c:v>0.23471900000000001</c:v>
+                </c:pt>
+                <c:pt idx="1">
+                  <c:v>0.26698499999999997</c:v>
+                </c:pt>
+                <c:pt idx="2">
+                  <c:v>0.787717</c:v>
+                </c:pt>
+              </c:numCache>
+            </c:numRef>
+          </c:val>
+          <c:extLst>
+            <c:ext xmlns:c16="http://schemas.microsoft.com/office/drawing/2014/chart" uri="{C3380CC4-5D6E-409C-BE32-E72D297353CC}">
+              <c16:uniqueId val="{00000003-EBB9-4250-B558-4984050C9752}"/>
+            </c:ext>
+          </c:extLst>
+        </c:ser>
+        <c:dLbls>
+          <c:showLegendKey val="0"/>
+          <c:showVal val="0"/>
+          <c:showCatName val="0"/>
+          <c:showSerName val="0"/>
+          <c:showPercent val="0"/>
+          <c:showBubbleSize val="0"/>
+        </c:dLbls>
+        <c:gapWidth val="150"/>
+        <c:axId val="538621999"/>
+        <c:axId val="773771647"/>
+      </c:barChart>
+      <c:catAx>
+        <c:axId val="538621999"/>
+        <c:scaling>
+          <c:orientation val="minMax"/>
+        </c:scaling>
+        <c:delete val="0"/>
+        <c:axPos val="b"/>
+        <c:numFmt formatCode="General" sourceLinked="1"/>
+        <c:majorTickMark val="in"/>
+        <c:minorTickMark val="none"/>
+        <c:tickLblPos val="nextTo"/>
+        <c:spPr>
+          <a:noFill/>
+          <a:ln w="9525" cap="flat" cmpd="sng" algn="ctr">
+            <a:solidFill>
+              <a:schemeClr val="tx1"/>
+            </a:solidFill>
+            <a:round/>
+          </a:ln>
+          <a:effectLst/>
+        </c:spPr>
+        <c:txPr>
+          <a:bodyPr rot="-60000000" spcFirstLastPara="1" vertOverflow="ellipsis" vert="horz" wrap="square" anchor="ctr" anchorCtr="1"/>
+          <a:lstStyle/>
+          <a:p>
+            <a:pPr>
+              <a:defRPr sz="2000" b="0" i="0" u="none" strike="noStrike" kern="1200" baseline="0">
+                <a:solidFill>
+                  <a:sysClr val="windowText" lastClr="000000"/>
+                </a:solidFill>
+                <a:latin typeface="Cambria Math" panose="02040503050406030204" pitchFamily="18" charset="0"/>
+                <a:ea typeface="Cambria Math" panose="02040503050406030204" pitchFamily="18" charset="0"/>
+                <a:cs typeface="+mn-cs"/>
+              </a:defRPr>
+            </a:pPr>
+            <a:endParaRPr lang="ja-JP"/>
+          </a:p>
+        </c:txPr>
+        <c:crossAx val="773771647"/>
+        <c:crosses val="autoZero"/>
+        <c:auto val="1"/>
+        <c:lblAlgn val="ctr"/>
+        <c:lblOffset val="100"/>
+        <c:noMultiLvlLbl val="1"/>
+      </c:catAx>
+      <c:valAx>
+        <c:axId val="773771647"/>
+        <c:scaling>
+          <c:orientation val="minMax"/>
+        </c:scaling>
+        <c:delete val="0"/>
+        <c:axPos val="l"/>
+        <c:majorGridlines>
+          <c:spPr>
+            <a:ln w="9525" cap="flat" cmpd="sng" algn="ctr">
+              <a:solidFill>
+                <a:schemeClr val="tx1">
+                  <a:lumMod val="15000"/>
+                  <a:lumOff val="85000"/>
+                </a:schemeClr>
+              </a:solidFill>
+              <a:round/>
+            </a:ln>
+            <a:effectLst/>
+          </c:spPr>
+        </c:majorGridlines>
+        <c:numFmt formatCode="General" sourceLinked="1"/>
+        <c:majorTickMark val="in"/>
+        <c:minorTickMark val="none"/>
+        <c:tickLblPos val="low"/>
+        <c:spPr>
+          <a:noFill/>
+          <a:ln w="9525" cap="flat" cmpd="sng" algn="ctr">
+            <a:solidFill>
+              <a:schemeClr val="tx1"/>
+            </a:solidFill>
+            <a:round/>
+          </a:ln>
+          <a:effectLst/>
+        </c:spPr>
+        <c:txPr>
+          <a:bodyPr rot="-60000000" spcFirstLastPara="1" vertOverflow="ellipsis" vert="horz" wrap="square" anchor="ctr" anchorCtr="1"/>
+          <a:lstStyle/>
+          <a:p>
+            <a:pPr>
+              <a:defRPr sz="2000" b="0" i="0" u="none" strike="noStrike" kern="1200" baseline="0">
+                <a:solidFill>
+                  <a:sysClr val="windowText" lastClr="000000"/>
+                </a:solidFill>
+                <a:latin typeface="Cambria Math" panose="02040503050406030204" pitchFamily="18" charset="0"/>
+                <a:ea typeface="Cambria Math" panose="02040503050406030204" pitchFamily="18" charset="0"/>
+                <a:cs typeface="+mn-cs"/>
+              </a:defRPr>
+            </a:pPr>
+            <a:endParaRPr lang="ja-JP"/>
+          </a:p>
+        </c:txPr>
+        <c:crossAx val="538621999"/>
+        <c:crosses val="autoZero"/>
+        <c:crossBetween val="between"/>
+      </c:valAx>
+      <c:spPr>
+        <a:noFill/>
+        <a:ln w="9525">
+          <a:solidFill>
+            <a:schemeClr val="tx1"/>
+          </a:solidFill>
+        </a:ln>
+        <a:effectLst/>
+      </c:spPr>
+    </c:plotArea>
+    <c:legend>
+      <c:legendPos val="t"/>
+      <c:layout>
+        <c:manualLayout>
+          <c:xMode val="edge"/>
+          <c:yMode val="edge"/>
+          <c:x val="0"/>
+          <c:y val="1.1747727228101866E-3"/>
+          <c:w val="0.99927133622292963"/>
+          <c:h val="6.0213434389051426E-2"/>
+        </c:manualLayout>
+      </c:layout>
+      <c:overlay val="0"/>
+      <c:spPr>
+        <a:noFill/>
+        <a:ln>
+          <a:noFill/>
+        </a:ln>
+        <a:effectLst/>
+      </c:spPr>
+      <c:txPr>
+        <a:bodyPr rot="0" spcFirstLastPara="1" vertOverflow="ellipsis" vert="horz" wrap="square" anchor="ctr" anchorCtr="1"/>
+        <a:lstStyle/>
+        <a:p>
+          <a:pPr>
+            <a:defRPr sz="2000" b="0" i="0" u="none" strike="noStrike" kern="1200" baseline="0">
+              <a:solidFill>
+                <a:sysClr val="windowText" lastClr="000000"/>
+              </a:solidFill>
+              <a:latin typeface="Cambria Math" panose="02040503050406030204" pitchFamily="18" charset="0"/>
+              <a:ea typeface="Cambria Math" panose="02040503050406030204" pitchFamily="18" charset="0"/>
+              <a:cs typeface="+mn-cs"/>
+            </a:defRPr>
+          </a:pPr>
+          <a:endParaRPr lang="ja-JP"/>
+        </a:p>
+      </c:txPr>
+    </c:legend>
+    <c:plotVisOnly val="1"/>
+    <c:dispBlanksAs val="gap"/>
+    <c:extLst>
+      <c:ext xmlns:c16r3="http://schemas.microsoft.com/office/drawing/2017/03/chart" uri="{56B9EC1D-385E-4148-901F-78D8002777C0}">
+        <c16r3:dataDisplayOptions16>
+          <c16r3:dispNaAsBlank val="1"/>
+        </c16r3:dataDisplayOptions16>
+      </c:ext>
+    </c:extLst>
+    <c:showDLblsOverMax val="0"/>
+  </c:chart>
+  <c:spPr>
+    <a:noFill/>
+    <a:ln>
+      <a:noFill/>
+    </a:ln>
+    <a:effectLst/>
+  </c:spPr>
+  <c:txPr>
+    <a:bodyPr/>
+    <a:lstStyle/>
+    <a:p>
+      <a:pPr>
+        <a:defRPr sz="2000" baseline="0">
+          <a:solidFill>
+            <a:sysClr val="windowText" lastClr="000000"/>
+          </a:solidFill>
+          <a:latin typeface="Cambria Math" panose="02040503050406030204" pitchFamily="18" charset="0"/>
+          <a:ea typeface="Cambria Math" panose="02040503050406030204" pitchFamily="18" charset="0"/>
+        </a:defRPr>
+      </a:pPr>
+      <a:endParaRPr lang="ja-JP"/>
+    </a:p>
+  </c:txPr>
+  <c:externalData r:id="rId3">
+    <c:autoUpdate val="0"/>
+  </c:externalData>
+</c:chartSpace>
+</file>
+
+<file path=ppt/charts/chart4.xml><?xml version="1.0" encoding="utf-8"?>
+<c:chartSpace xmlns:c="http://schemas.openxmlformats.org/drawingml/2006/chart" xmlns:a="http://schemas.openxmlformats.org/drawingml/2006/main" xmlns:r="http://schemas.openxmlformats.org/officeDocument/2006/relationships" xmlns:c16r2="http://schemas.microsoft.com/office/drawing/2015/06/chart">
+  <c:date1904 val="0"/>
+  <c:lang val="ja-JP"/>
+  <c:roundedCorners val="0"/>
+  <mc:AlternateContent xmlns:mc="http://schemas.openxmlformats.org/markup-compatibility/2006">
+    <mc:Choice xmlns:c14="http://schemas.microsoft.com/office/drawing/2007/8/2/chart" Requires="c14">
+      <c14:style val="102"/>
+    </mc:Choice>
+    <mc:Fallback>
+      <c:style val="2"/>
+    </mc:Fallback>
+  </mc:AlternateContent>
+  <c:chart>
+    <c:autoTitleDeleted val="0"/>
+    <c:plotArea>
+      <c:layout>
+        <c:manualLayout>
+          <c:layoutTarget val="inner"/>
+          <c:xMode val="edge"/>
+          <c:yMode val="edge"/>
+          <c:x val="0.11625041711541959"/>
+          <c:y val="8.7309980561173395E-2"/>
+          <c:w val="0.77245623514579154"/>
+          <c:h val="0.8172330106619019"/>
+        </c:manualLayout>
+      </c:layout>
+      <c:barChart>
+        <c:barDir val="col"/>
+        <c:grouping val="clustered"/>
+        <c:varyColors val="0"/>
+        <c:ser>
+          <c:idx val="0"/>
+          <c:order val="0"/>
+          <c:tx>
+            <c:strRef>
+              <c:f>Sheet1!$B$1</c:f>
+              <c:strCache>
+                <c:ptCount val="1"/>
+                <c:pt idx="0">
+                  <c:v>uart（改善）</c:v>
+                </c:pt>
+              </c:strCache>
+            </c:strRef>
+          </c:tx>
+          <c:spPr>
+            <a:solidFill>
+              <a:schemeClr val="accent1">
+                <a:lumMod val="60000"/>
+                <a:lumOff val="40000"/>
+              </a:schemeClr>
+            </a:solidFill>
+            <a:ln w="38100">
+              <a:solidFill>
+                <a:schemeClr val="accent1">
+                  <a:alpha val="99000"/>
+                </a:schemeClr>
+              </a:solidFill>
+            </a:ln>
+            <a:effectLst/>
+          </c:spPr>
+          <c:invertIfNegative val="0"/>
+          <c:cat>
+            <c:strRef>
+              <c:f>Sheet1!$A$2</c:f>
+              <c:strCache>
+                <c:ptCount val="1"/>
+                <c:pt idx="0">
+                  <c:v>scan</c:v>
+                </c:pt>
+              </c:strCache>
+            </c:strRef>
+          </c:cat>
+          <c:val>
+            <c:numRef>
+              <c:f>Sheet1!$B$2</c:f>
+              <c:numCache>
+                <c:formatCode>General</c:formatCode>
+                <c:ptCount val="1"/>
+                <c:pt idx="0">
+                  <c:v>84.6</c:v>
+                </c:pt>
+              </c:numCache>
+            </c:numRef>
+          </c:val>
+          <c:extLst>
+            <c:ext xmlns:c16="http://schemas.microsoft.com/office/drawing/2014/chart" uri="{C3380CC4-5D6E-409C-BE32-E72D297353CC}">
+              <c16:uniqueId val="{00000000-EBB9-4250-B558-4984050C9752}"/>
+            </c:ext>
+          </c:extLst>
+        </c:ser>
+        <c:ser>
+          <c:idx val="1"/>
+          <c:order val="1"/>
+          <c:tx>
+            <c:strRef>
+              <c:f>Sheet1!$C$1</c:f>
+              <c:strCache>
+                <c:ptCount val="1"/>
+                <c:pt idx="0">
+                  <c:v>uart</c:v>
+                </c:pt>
+              </c:strCache>
+            </c:strRef>
+          </c:tx>
+          <c:spPr>
+            <a:solidFill>
+              <a:schemeClr val="accent2"/>
+            </a:solidFill>
+            <a:ln w="38100">
+              <a:solidFill>
+                <a:schemeClr val="accent2">
+                  <a:lumMod val="75000"/>
+                </a:schemeClr>
+              </a:solidFill>
+            </a:ln>
+            <a:effectLst/>
+          </c:spPr>
+          <c:invertIfNegative val="0"/>
+          <c:cat>
+            <c:strRef>
+              <c:f>Sheet1!$A$2</c:f>
+              <c:strCache>
+                <c:ptCount val="1"/>
+                <c:pt idx="0">
+                  <c:v>scan</c:v>
+                </c:pt>
+              </c:strCache>
+            </c:strRef>
+          </c:cat>
+          <c:val>
+            <c:numRef>
+              <c:f>Sheet1!$C$2</c:f>
+              <c:numCache>
+                <c:formatCode>General</c:formatCode>
+                <c:ptCount val="1"/>
+                <c:pt idx="0">
+                  <c:v>60.3</c:v>
+                </c:pt>
+              </c:numCache>
+            </c:numRef>
+          </c:val>
+          <c:extLst>
+            <c:ext xmlns:c16="http://schemas.microsoft.com/office/drawing/2014/chart" uri="{C3380CC4-5D6E-409C-BE32-E72D297353CC}">
+              <c16:uniqueId val="{00000001-EBB9-4250-B558-4984050C9752}"/>
+            </c:ext>
+          </c:extLst>
+        </c:ser>
+        <c:ser>
+          <c:idx val="2"/>
+          <c:order val="2"/>
+          <c:tx>
+            <c:strRef>
+              <c:f>Sheet1!$D$1</c:f>
+              <c:strCache>
+                <c:ptCount val="1"/>
+                <c:pt idx="0">
+                  <c:v>ub</c:v>
+                </c:pt>
+              </c:strCache>
+            </c:strRef>
+          </c:tx>
+          <c:spPr>
+            <a:solidFill>
+              <a:schemeClr val="accent4">
+                <a:lumMod val="60000"/>
+                <a:lumOff val="40000"/>
+              </a:schemeClr>
+            </a:solidFill>
+            <a:ln w="38100">
+              <a:solidFill>
+                <a:schemeClr val="accent4">
+                  <a:lumMod val="75000"/>
+                </a:schemeClr>
+              </a:solidFill>
+            </a:ln>
+            <a:effectLst/>
+          </c:spPr>
+          <c:invertIfNegative val="0"/>
+          <c:cat>
+            <c:strRef>
+              <c:f>Sheet1!$A$2</c:f>
+              <c:strCache>
+                <c:ptCount val="1"/>
+                <c:pt idx="0">
+                  <c:v>scan</c:v>
+                </c:pt>
+              </c:strCache>
+            </c:strRef>
+          </c:cat>
+          <c:val>
+            <c:numRef>
+              <c:f>Sheet1!$D$2</c:f>
+              <c:numCache>
+                <c:formatCode>General</c:formatCode>
+                <c:ptCount val="1"/>
+                <c:pt idx="0">
+                  <c:v>4.51</c:v>
+                </c:pt>
+              </c:numCache>
+            </c:numRef>
+          </c:val>
+          <c:extLst>
+            <c:ext xmlns:c16="http://schemas.microsoft.com/office/drawing/2014/chart" uri="{C3380CC4-5D6E-409C-BE32-E72D297353CC}">
+              <c16:uniqueId val="{00000002-EBB9-4250-B558-4984050C9752}"/>
+            </c:ext>
+          </c:extLst>
+        </c:ser>
+        <c:ser>
+          <c:idx val="3"/>
+          <c:order val="3"/>
+          <c:tx>
+            <c:strRef>
+              <c:f>Sheet1!$E$1</c:f>
+              <c:strCache>
+                <c:ptCount val="1"/>
+                <c:pt idx="0">
+                  <c:v>boost-r</c:v>
+                </c:pt>
+              </c:strCache>
+            </c:strRef>
+          </c:tx>
+          <c:spPr>
+            <a:solidFill>
+              <a:srgbClr val="B686DA"/>
+            </a:solidFill>
+            <a:ln w="38100">
+              <a:solidFill>
+                <a:srgbClr val="7030A0"/>
+              </a:solidFill>
+            </a:ln>
+            <a:effectLst/>
+          </c:spPr>
+          <c:invertIfNegative val="0"/>
+          <c:cat>
+            <c:strRef>
+              <c:f>Sheet1!$A$2</c:f>
+              <c:strCache>
+                <c:ptCount val="1"/>
+                <c:pt idx="0">
+                  <c:v>scan</c:v>
+                </c:pt>
+              </c:strCache>
+            </c:strRef>
+          </c:cat>
+          <c:val>
+            <c:numRef>
+              <c:f>Sheet1!$E$2</c:f>
+              <c:numCache>
+                <c:formatCode>General</c:formatCode>
+                <c:ptCount val="1"/>
+                <c:pt idx="0">
+                  <c:v>102</c:v>
+                </c:pt>
+              </c:numCache>
+            </c:numRef>
+          </c:val>
+          <c:extLst>
+            <c:ext xmlns:c16="http://schemas.microsoft.com/office/drawing/2014/chart" uri="{C3380CC4-5D6E-409C-BE32-E72D297353CC}">
+              <c16:uniqueId val="{00000003-EBB9-4250-B558-4984050C9752}"/>
+            </c:ext>
+          </c:extLst>
+        </c:ser>
+        <c:dLbls>
+          <c:showLegendKey val="0"/>
+          <c:showVal val="0"/>
+          <c:showCatName val="0"/>
+          <c:showSerName val="0"/>
+          <c:showPercent val="0"/>
+          <c:showBubbleSize val="0"/>
+        </c:dLbls>
+        <c:gapWidth val="150"/>
+        <c:axId val="538621999"/>
+        <c:axId val="773771647"/>
+      </c:barChart>
+      <c:catAx>
+        <c:axId val="538621999"/>
+        <c:scaling>
+          <c:orientation val="minMax"/>
+        </c:scaling>
+        <c:delete val="0"/>
+        <c:axPos val="b"/>
+        <c:numFmt formatCode="General" sourceLinked="1"/>
+        <c:majorTickMark val="in"/>
+        <c:minorTickMark val="none"/>
+        <c:tickLblPos val="nextTo"/>
+        <c:spPr>
+          <a:noFill/>
+          <a:ln w="9525" cap="flat" cmpd="sng" algn="ctr">
+            <a:solidFill>
+              <a:schemeClr val="tx1"/>
+            </a:solidFill>
+            <a:round/>
+          </a:ln>
+          <a:effectLst/>
+        </c:spPr>
+        <c:txPr>
+          <a:bodyPr rot="-60000000" spcFirstLastPara="1" vertOverflow="ellipsis" vert="horz" wrap="square" anchor="ctr" anchorCtr="1"/>
+          <a:lstStyle/>
+          <a:p>
+            <a:pPr>
+              <a:defRPr sz="2000" b="0" i="0" u="none" strike="noStrike" kern="1200" baseline="0">
+                <a:solidFill>
+                  <a:sysClr val="windowText" lastClr="000000"/>
+                </a:solidFill>
+                <a:latin typeface="Cambria Math" panose="02040503050406030204" pitchFamily="18" charset="0"/>
+                <a:ea typeface="Cambria Math" panose="02040503050406030204" pitchFamily="18" charset="0"/>
+                <a:cs typeface="+mn-cs"/>
+              </a:defRPr>
+            </a:pPr>
+            <a:endParaRPr lang="ja-JP"/>
+          </a:p>
+        </c:txPr>
+        <c:crossAx val="773771647"/>
+        <c:crosses val="autoZero"/>
+        <c:auto val="1"/>
+        <c:lblAlgn val="ctr"/>
+        <c:lblOffset val="100"/>
+        <c:noMultiLvlLbl val="1"/>
+      </c:catAx>
+      <c:valAx>
+        <c:axId val="773771647"/>
+        <c:scaling>
+          <c:orientation val="minMax"/>
+        </c:scaling>
+        <c:delete val="0"/>
+        <c:axPos val="l"/>
+        <c:majorGridlines>
+          <c:spPr>
+            <a:ln w="9525" cap="flat" cmpd="sng" algn="ctr">
+              <a:solidFill>
+                <a:schemeClr val="tx1">
+                  <a:lumMod val="15000"/>
+                  <a:lumOff val="85000"/>
+                </a:schemeClr>
+              </a:solidFill>
+              <a:round/>
+            </a:ln>
+            <a:effectLst/>
+          </c:spPr>
+        </c:majorGridlines>
+        <c:numFmt formatCode="General" sourceLinked="1"/>
+        <c:majorTickMark val="in"/>
+        <c:minorTickMark val="none"/>
+        <c:tickLblPos val="low"/>
+        <c:spPr>
+          <a:noFill/>
+          <a:ln w="9525" cap="flat" cmpd="sng" algn="ctr">
+            <a:solidFill>
+              <a:schemeClr val="tx1"/>
+            </a:solidFill>
+            <a:round/>
+          </a:ln>
+          <a:effectLst/>
+        </c:spPr>
+        <c:txPr>
+          <a:bodyPr rot="-60000000" spcFirstLastPara="1" vertOverflow="ellipsis" vert="horz" wrap="square" anchor="ctr" anchorCtr="1"/>
+          <a:lstStyle/>
+          <a:p>
+            <a:pPr>
+              <a:defRPr sz="2000" b="0" i="0" u="none" strike="noStrike" kern="1200" baseline="0">
+                <a:solidFill>
+                  <a:sysClr val="windowText" lastClr="000000"/>
+                </a:solidFill>
+                <a:latin typeface="Cambria Math" panose="02040503050406030204" pitchFamily="18" charset="0"/>
+                <a:ea typeface="Cambria Math" panose="02040503050406030204" pitchFamily="18" charset="0"/>
+                <a:cs typeface="+mn-cs"/>
+              </a:defRPr>
+            </a:pPr>
+            <a:endParaRPr lang="ja-JP"/>
+          </a:p>
+        </c:txPr>
+        <c:crossAx val="538621999"/>
+        <c:crosses val="autoZero"/>
+        <c:crossBetween val="between"/>
+      </c:valAx>
+      <c:spPr>
+        <a:noFill/>
+        <a:ln w="9525">
+          <a:solidFill>
+            <a:schemeClr val="tx1"/>
+          </a:solidFill>
+        </a:ln>
+        <a:effectLst/>
+      </c:spPr>
+    </c:plotArea>
+    <c:legend>
+      <c:legendPos val="t"/>
+      <c:layout>
+        <c:manualLayout>
+          <c:xMode val="edge"/>
+          <c:yMode val="edge"/>
+          <c:x val="0"/>
+          <c:y val="1.1747727228101866E-3"/>
+          <c:w val="0.99927133622292963"/>
+          <c:h val="6.0213434389051426E-2"/>
+        </c:manualLayout>
+      </c:layout>
+      <c:overlay val="0"/>
+      <c:spPr>
+        <a:noFill/>
+        <a:ln>
+          <a:noFill/>
+        </a:ln>
+        <a:effectLst/>
+      </c:spPr>
+      <c:txPr>
+        <a:bodyPr rot="0" spcFirstLastPara="1" vertOverflow="ellipsis" vert="horz" wrap="square" anchor="ctr" anchorCtr="1"/>
+        <a:lstStyle/>
+        <a:p>
+          <a:pPr>
+            <a:defRPr sz="2000" b="0" i="0" u="none" strike="noStrike" kern="1200" baseline="0">
+              <a:solidFill>
+                <a:sysClr val="windowText" lastClr="000000"/>
+              </a:solidFill>
+              <a:latin typeface="Cambria Math" panose="02040503050406030204" pitchFamily="18" charset="0"/>
+              <a:ea typeface="Cambria Math" panose="02040503050406030204" pitchFamily="18" charset="0"/>
+              <a:cs typeface="+mn-cs"/>
+            </a:defRPr>
+          </a:pPr>
+          <a:endParaRPr lang="ja-JP"/>
+        </a:p>
+      </c:txPr>
+    </c:legend>
+    <c:plotVisOnly val="1"/>
+    <c:dispBlanksAs val="gap"/>
+    <c:extLst>
+      <c:ext xmlns:c16r3="http://schemas.microsoft.com/office/drawing/2017/03/chart" uri="{56B9EC1D-385E-4148-901F-78D8002777C0}">
+        <c16r3:dataDisplayOptions16>
+          <c16r3:dispNaAsBlank val="1"/>
+        </c16r3:dataDisplayOptions16>
+      </c:ext>
+    </c:extLst>
+    <c:showDLblsOverMax val="0"/>
+  </c:chart>
+  <c:spPr>
+    <a:noFill/>
+    <a:ln>
+      <a:noFill/>
+    </a:ln>
+    <a:effectLst/>
+  </c:spPr>
+  <c:txPr>
+    <a:bodyPr/>
+    <a:lstStyle/>
+    <a:p>
+      <a:pPr>
+        <a:defRPr sz="2000" baseline="0">
+          <a:solidFill>
+            <a:sysClr val="windowText" lastClr="000000"/>
+          </a:solidFill>
+          <a:latin typeface="Cambria Math" panose="02040503050406030204" pitchFamily="18" charset="0"/>
+          <a:ea typeface="Cambria Math" panose="02040503050406030204" pitchFamily="18" charset="0"/>
+        </a:defRPr>
+      </a:pPr>
+      <a:endParaRPr lang="ja-JP"/>
+    </a:p>
+  </c:txPr>
+  <c:externalData r:id="rId3">
+    <c:autoUpdate val="0"/>
+  </c:externalData>
+</c:chartSpace>
+</file>
+
+<file path=ppt/charts/chart5.xml><?xml version="1.0" encoding="utf-8"?>
+<c:chartSpace xmlns:c="http://schemas.openxmlformats.org/drawingml/2006/chart" xmlns:a="http://schemas.openxmlformats.org/drawingml/2006/main" xmlns:r="http://schemas.openxmlformats.org/officeDocument/2006/relationships" xmlns:c16r2="http://schemas.microsoft.com/office/drawing/2015/06/chart">
+  <c:date1904 val="0"/>
+  <c:lang val="ja-JP"/>
+  <c:roundedCorners val="0"/>
+  <mc:AlternateContent xmlns:mc="http://schemas.openxmlformats.org/markup-compatibility/2006">
+    <mc:Choice xmlns:c14="http://schemas.microsoft.com/office/drawing/2007/8/2/chart" Requires="c14">
+      <c14:style val="102"/>
+    </mc:Choice>
+    <mc:Fallback>
+      <c:style val="2"/>
+    </mc:Fallback>
+  </mc:AlternateContent>
+  <c:chart>
+    <c:autoTitleDeleted val="0"/>
+    <c:plotArea>
+      <c:layout>
+        <c:manualLayout>
+          <c:layoutTarget val="inner"/>
+          <c:xMode val="edge"/>
+          <c:yMode val="edge"/>
+          <c:x val="0.11625041711541959"/>
+          <c:y val="8.7309980561173395E-2"/>
+          <c:w val="0.77245623514579154"/>
+          <c:h val="0.8172330106619019"/>
+        </c:manualLayout>
+      </c:layout>
+      <c:barChart>
+        <c:barDir val="col"/>
+        <c:grouping val="clustered"/>
+        <c:varyColors val="0"/>
+        <c:ser>
+          <c:idx val="0"/>
+          <c:order val="0"/>
+          <c:tx>
+            <c:strRef>
+              <c:f>Sheet1!$B$1</c:f>
+              <c:strCache>
+                <c:ptCount val="1"/>
+                <c:pt idx="0">
+                  <c:v>uart（改善）</c:v>
+                </c:pt>
+              </c:strCache>
+            </c:strRef>
+          </c:tx>
+          <c:spPr>
+            <a:solidFill>
+              <a:schemeClr val="accent1">
+                <a:lumMod val="60000"/>
+                <a:lumOff val="40000"/>
+              </a:schemeClr>
+            </a:solidFill>
+            <a:ln w="38100">
+              <a:solidFill>
+                <a:schemeClr val="accent1">
+                  <a:alpha val="99000"/>
+                </a:schemeClr>
+              </a:solidFill>
+            </a:ln>
+            <a:effectLst/>
+          </c:spPr>
+          <c:invertIfNegative val="0"/>
+          <c:cat>
+            <c:strRef>
+              <c:f>Sheet1!$A$2:$A$5</c:f>
+              <c:strCache>
+                <c:ptCount val="4"/>
+                <c:pt idx="0">
+                  <c:v>update</c:v>
+                </c:pt>
+                <c:pt idx="1">
+                  <c:v>insert</c:v>
+                </c:pt>
+                <c:pt idx="2">
+                  <c:v>delete</c:v>
+                </c:pt>
+                <c:pt idx="3">
+                  <c:v>scan</c:v>
+                </c:pt>
+              </c:strCache>
+            </c:strRef>
+          </c:cat>
+          <c:val>
+            <c:numRef>
+              <c:f>Sheet1!$B$2:$B$5</c:f>
+              <c:numCache>
+                <c:formatCode>General</c:formatCode>
+                <c:ptCount val="4"/>
+                <c:pt idx="0">
+                  <c:v>1.1100000000000001</c:v>
+                </c:pt>
+                <c:pt idx="1">
+                  <c:v>3.29</c:v>
+                </c:pt>
+                <c:pt idx="2">
+                  <c:v>5.0599999999999996</c:v>
+                </c:pt>
+                <c:pt idx="3">
+                  <c:v>84.6</c:v>
+                </c:pt>
+              </c:numCache>
+            </c:numRef>
+          </c:val>
+          <c:extLst>
+            <c:ext xmlns:c16="http://schemas.microsoft.com/office/drawing/2014/chart" uri="{C3380CC4-5D6E-409C-BE32-E72D297353CC}">
+              <c16:uniqueId val="{00000000-EBB9-4250-B558-4984050C9752}"/>
+            </c:ext>
+          </c:extLst>
+        </c:ser>
+        <c:ser>
+          <c:idx val="1"/>
+          <c:order val="1"/>
+          <c:tx>
+            <c:strRef>
+              <c:f>Sheet1!$C$1</c:f>
+              <c:strCache>
+                <c:ptCount val="1"/>
+                <c:pt idx="0">
+                  <c:v>uart</c:v>
+                </c:pt>
+              </c:strCache>
+            </c:strRef>
+          </c:tx>
+          <c:spPr>
+            <a:solidFill>
+              <a:schemeClr val="accent2"/>
+            </a:solidFill>
+            <a:ln w="38100">
+              <a:solidFill>
+                <a:schemeClr val="accent2">
+                  <a:lumMod val="75000"/>
+                </a:schemeClr>
+              </a:solidFill>
+            </a:ln>
+            <a:effectLst/>
+          </c:spPr>
+          <c:invertIfNegative val="0"/>
+          <c:cat>
+            <c:strRef>
+              <c:f>Sheet1!$A$2:$A$5</c:f>
+              <c:strCache>
+                <c:ptCount val="4"/>
+                <c:pt idx="0">
+                  <c:v>update</c:v>
+                </c:pt>
+                <c:pt idx="1">
+                  <c:v>insert</c:v>
+                </c:pt>
+                <c:pt idx="2">
+                  <c:v>delete</c:v>
+                </c:pt>
+                <c:pt idx="3">
+                  <c:v>scan</c:v>
+                </c:pt>
+              </c:strCache>
+            </c:strRef>
+          </c:cat>
+          <c:val>
+            <c:numRef>
+              <c:f>Sheet1!$C$2:$C$5</c:f>
+              <c:numCache>
+                <c:formatCode>General</c:formatCode>
+                <c:ptCount val="4"/>
+                <c:pt idx="0">
+                  <c:v>1.1200000000000001</c:v>
+                </c:pt>
+                <c:pt idx="1">
+                  <c:v>2.25</c:v>
+                </c:pt>
+                <c:pt idx="2">
+                  <c:v>4.47</c:v>
+                </c:pt>
+                <c:pt idx="3">
+                  <c:v>60.3</c:v>
+                </c:pt>
+              </c:numCache>
+            </c:numRef>
+          </c:val>
+          <c:extLst>
+            <c:ext xmlns:c16="http://schemas.microsoft.com/office/drawing/2014/chart" uri="{C3380CC4-5D6E-409C-BE32-E72D297353CC}">
+              <c16:uniqueId val="{00000001-EBB9-4250-B558-4984050C9752}"/>
+            </c:ext>
+          </c:extLst>
+        </c:ser>
+        <c:ser>
+          <c:idx val="2"/>
+          <c:order val="2"/>
+          <c:tx>
+            <c:strRef>
+              <c:f>Sheet1!$D$1</c:f>
+              <c:strCache>
+                <c:ptCount val="1"/>
+                <c:pt idx="0">
+                  <c:v>ub</c:v>
+                </c:pt>
+              </c:strCache>
+            </c:strRef>
+          </c:tx>
+          <c:spPr>
+            <a:solidFill>
+              <a:schemeClr val="accent4">
+                <a:lumMod val="60000"/>
+                <a:lumOff val="40000"/>
+              </a:schemeClr>
+            </a:solidFill>
+            <a:ln w="38100">
+              <a:solidFill>
+                <a:schemeClr val="accent4">
+                  <a:lumMod val="75000"/>
+                </a:schemeClr>
+              </a:solidFill>
+            </a:ln>
+            <a:effectLst/>
+          </c:spPr>
+          <c:invertIfNegative val="0"/>
+          <c:cat>
+            <c:strRef>
+              <c:f>Sheet1!$A$2:$A$5</c:f>
+              <c:strCache>
+                <c:ptCount val="4"/>
+                <c:pt idx="0">
+                  <c:v>update</c:v>
+                </c:pt>
+                <c:pt idx="1">
+                  <c:v>insert</c:v>
+                </c:pt>
+                <c:pt idx="2">
+                  <c:v>delete</c:v>
+                </c:pt>
+                <c:pt idx="3">
+                  <c:v>scan</c:v>
+                </c:pt>
+              </c:strCache>
+            </c:strRef>
+          </c:cat>
+          <c:val>
+            <c:numRef>
+              <c:f>Sheet1!$D$2:$D$5</c:f>
+              <c:numCache>
+                <c:formatCode>General</c:formatCode>
+                <c:ptCount val="4"/>
+                <c:pt idx="0">
+                  <c:v>0.89838700000000005</c:v>
+                </c:pt>
+                <c:pt idx="1">
+                  <c:v>3.8</c:v>
+                </c:pt>
+                <c:pt idx="2">
+                  <c:v>6.06</c:v>
+                </c:pt>
+                <c:pt idx="3">
+                  <c:v>4.51</c:v>
+                </c:pt>
+              </c:numCache>
+            </c:numRef>
+          </c:val>
+          <c:extLst>
+            <c:ext xmlns:c16="http://schemas.microsoft.com/office/drawing/2014/chart" uri="{C3380CC4-5D6E-409C-BE32-E72D297353CC}">
+              <c16:uniqueId val="{00000002-EBB9-4250-B558-4984050C9752}"/>
+            </c:ext>
+          </c:extLst>
+        </c:ser>
+        <c:ser>
+          <c:idx val="3"/>
+          <c:order val="3"/>
+          <c:tx>
+            <c:strRef>
+              <c:f>Sheet1!$E$1</c:f>
+              <c:strCache>
+                <c:ptCount val="1"/>
+                <c:pt idx="0">
+                  <c:v>boost-r</c:v>
+                </c:pt>
+              </c:strCache>
+            </c:strRef>
+          </c:tx>
+          <c:spPr>
+            <a:solidFill>
+              <a:srgbClr val="B686DA"/>
+            </a:solidFill>
+            <a:ln w="38100">
+              <a:solidFill>
+                <a:srgbClr val="7030A0"/>
+              </a:solidFill>
+            </a:ln>
+            <a:effectLst/>
+          </c:spPr>
+          <c:invertIfNegative val="0"/>
+          <c:cat>
+            <c:strRef>
+              <c:f>Sheet1!$A$2:$A$5</c:f>
+              <c:strCache>
+                <c:ptCount val="4"/>
+                <c:pt idx="0">
+                  <c:v>update</c:v>
+                </c:pt>
+                <c:pt idx="1">
+                  <c:v>insert</c:v>
+                </c:pt>
+                <c:pt idx="2">
+                  <c:v>delete</c:v>
+                </c:pt>
+                <c:pt idx="3">
+                  <c:v>scan</c:v>
+                </c:pt>
+              </c:strCache>
+            </c:strRef>
+          </c:cat>
+          <c:val>
+            <c:numRef>
+              <c:f>Sheet1!$E$2:$E$5</c:f>
+              <c:numCache>
+                <c:formatCode>General</c:formatCode>
+                <c:ptCount val="4"/>
+                <c:pt idx="0">
+                  <c:v>0.23471900000000001</c:v>
+                </c:pt>
+                <c:pt idx="1">
+                  <c:v>0.26698499999999997</c:v>
+                </c:pt>
+                <c:pt idx="2">
+                  <c:v>0.787717</c:v>
+                </c:pt>
+                <c:pt idx="3">
+                  <c:v>102</c:v>
+                </c:pt>
+              </c:numCache>
+            </c:numRef>
+          </c:val>
+          <c:extLst>
+            <c:ext xmlns:c16="http://schemas.microsoft.com/office/drawing/2014/chart" uri="{C3380CC4-5D6E-409C-BE32-E72D297353CC}">
+              <c16:uniqueId val="{00000003-EBB9-4250-B558-4984050C9752}"/>
+            </c:ext>
+          </c:extLst>
+        </c:ser>
+        <c:dLbls>
+          <c:showLegendKey val="0"/>
+          <c:showVal val="0"/>
+          <c:showCatName val="0"/>
+          <c:showSerName val="0"/>
+          <c:showPercent val="0"/>
+          <c:showBubbleSize val="0"/>
+        </c:dLbls>
+        <c:gapWidth val="150"/>
+        <c:axId val="538621999"/>
+        <c:axId val="773771647"/>
+      </c:barChart>
+      <c:catAx>
+        <c:axId val="538621999"/>
+        <c:scaling>
+          <c:orientation val="minMax"/>
+        </c:scaling>
+        <c:delete val="0"/>
+        <c:axPos val="b"/>
+        <c:numFmt formatCode="General" sourceLinked="1"/>
+        <c:majorTickMark val="in"/>
+        <c:minorTickMark val="none"/>
+        <c:tickLblPos val="nextTo"/>
+        <c:spPr>
+          <a:noFill/>
+          <a:ln w="9525" cap="flat" cmpd="sng" algn="ctr">
+            <a:solidFill>
+              <a:schemeClr val="tx1"/>
+            </a:solidFill>
+            <a:round/>
+          </a:ln>
+          <a:effectLst/>
+        </c:spPr>
+        <c:txPr>
+          <a:bodyPr rot="-60000000" spcFirstLastPara="1" vertOverflow="ellipsis" vert="horz" wrap="square" anchor="ctr" anchorCtr="1"/>
+          <a:lstStyle/>
+          <a:p>
+            <a:pPr>
+              <a:defRPr sz="2000" b="0" i="0" u="none" strike="noStrike" kern="1200" baseline="0">
+                <a:solidFill>
+                  <a:sysClr val="windowText" lastClr="000000"/>
+                </a:solidFill>
+                <a:latin typeface="Cambria Math" panose="02040503050406030204" pitchFamily="18" charset="0"/>
+                <a:ea typeface="Cambria Math" panose="02040503050406030204" pitchFamily="18" charset="0"/>
+                <a:cs typeface="+mn-cs"/>
+              </a:defRPr>
+            </a:pPr>
+            <a:endParaRPr lang="ja-JP"/>
+          </a:p>
+        </c:txPr>
+        <c:crossAx val="773771647"/>
+        <c:crosses val="autoZero"/>
+        <c:auto val="1"/>
+        <c:lblAlgn val="ctr"/>
+        <c:lblOffset val="100"/>
+        <c:noMultiLvlLbl val="1"/>
+      </c:catAx>
+      <c:valAx>
+        <c:axId val="773771647"/>
+        <c:scaling>
+          <c:orientation val="minMax"/>
+        </c:scaling>
+        <c:delete val="0"/>
+        <c:axPos val="l"/>
+        <c:majorGridlines>
+          <c:spPr>
+            <a:ln w="9525" cap="flat" cmpd="sng" algn="ctr">
+              <a:solidFill>
+                <a:schemeClr val="tx1">
+                  <a:lumMod val="15000"/>
+                  <a:lumOff val="85000"/>
+                </a:schemeClr>
+              </a:solidFill>
+              <a:round/>
+            </a:ln>
+            <a:effectLst/>
+          </c:spPr>
+        </c:majorGridlines>
+        <c:numFmt formatCode="General" sourceLinked="1"/>
+        <c:majorTickMark val="in"/>
+        <c:minorTickMark val="none"/>
+        <c:tickLblPos val="low"/>
+        <c:spPr>
+          <a:noFill/>
+          <a:ln w="9525" cap="flat" cmpd="sng" algn="ctr">
+            <a:solidFill>
+              <a:schemeClr val="tx1"/>
+            </a:solidFill>
+            <a:round/>
+          </a:ln>
+          <a:effectLst/>
+        </c:spPr>
+        <c:txPr>
+          <a:bodyPr rot="-60000000" spcFirstLastPara="1" vertOverflow="ellipsis" vert="horz" wrap="square" anchor="ctr" anchorCtr="1"/>
+          <a:lstStyle/>
+          <a:p>
+            <a:pPr>
+              <a:defRPr sz="2000" b="0" i="0" u="none" strike="noStrike" kern="1200" baseline="0">
+                <a:solidFill>
+                  <a:sysClr val="windowText" lastClr="000000"/>
+                </a:solidFill>
+                <a:latin typeface="Cambria Math" panose="02040503050406030204" pitchFamily="18" charset="0"/>
+                <a:ea typeface="Cambria Math" panose="02040503050406030204" pitchFamily="18" charset="0"/>
+                <a:cs typeface="+mn-cs"/>
+              </a:defRPr>
+            </a:pPr>
+            <a:endParaRPr lang="ja-JP"/>
+          </a:p>
+        </c:txPr>
+        <c:crossAx val="538621999"/>
+        <c:crosses val="autoZero"/>
+        <c:crossBetween val="between"/>
+      </c:valAx>
+      <c:spPr>
+        <a:noFill/>
+        <a:ln w="9525">
+          <a:solidFill>
+            <a:schemeClr val="tx1"/>
+          </a:solidFill>
+        </a:ln>
+        <a:effectLst/>
+      </c:spPr>
+    </c:plotArea>
+    <c:legend>
+      <c:legendPos val="t"/>
+      <c:layout>
+        <c:manualLayout>
+          <c:xMode val="edge"/>
+          <c:yMode val="edge"/>
+          <c:x val="0"/>
+          <c:y val="1.1747727228101866E-3"/>
+          <c:w val="0.99927133622292963"/>
+          <c:h val="6.0213434389051426E-2"/>
+        </c:manualLayout>
+      </c:layout>
+      <c:overlay val="0"/>
+      <c:spPr>
+        <a:noFill/>
+        <a:ln>
+          <a:noFill/>
+        </a:ln>
+        <a:effectLst/>
+      </c:spPr>
+      <c:txPr>
+        <a:bodyPr rot="0" spcFirstLastPara="1" vertOverflow="ellipsis" vert="horz" wrap="square" anchor="ctr" anchorCtr="1"/>
+        <a:lstStyle/>
+        <a:p>
+          <a:pPr>
+            <a:defRPr sz="2000" b="0" i="0" u="none" strike="noStrike" kern="1200" baseline="0">
+              <a:solidFill>
+                <a:sysClr val="windowText" lastClr="000000"/>
+              </a:solidFill>
+              <a:latin typeface="Cambria Math" panose="02040503050406030204" pitchFamily="18" charset="0"/>
+              <a:ea typeface="Cambria Math" panose="02040503050406030204" pitchFamily="18" charset="0"/>
+              <a:cs typeface="+mn-cs"/>
+            </a:defRPr>
+          </a:pPr>
+          <a:endParaRPr lang="ja-JP"/>
+        </a:p>
+      </c:txPr>
+    </c:legend>
+    <c:plotVisOnly val="1"/>
+    <c:dispBlanksAs val="gap"/>
+    <c:extLst>
+      <c:ext xmlns:c16r3="http://schemas.microsoft.com/office/drawing/2017/03/chart" uri="{56B9EC1D-385E-4148-901F-78D8002777C0}">
+        <c16r3:dataDisplayOptions16>
+          <c16r3:dispNaAsBlank val="1"/>
+        </c16r3:dataDisplayOptions16>
+      </c:ext>
+    </c:extLst>
+    <c:showDLblsOverMax val="0"/>
+  </c:chart>
+  <c:spPr>
+    <a:noFill/>
+    <a:ln>
+      <a:noFill/>
+    </a:ln>
+    <a:effectLst/>
+  </c:spPr>
+  <c:txPr>
+    <a:bodyPr/>
+    <a:lstStyle/>
+    <a:p>
+      <a:pPr>
+        <a:defRPr sz="2000" baseline="0">
+          <a:solidFill>
+            <a:sysClr val="windowText" lastClr="000000"/>
+          </a:solidFill>
+          <a:latin typeface="Cambria Math" panose="02040503050406030204" pitchFamily="18" charset="0"/>
+          <a:ea typeface="Cambria Math" panose="02040503050406030204" pitchFamily="18" charset="0"/>
+        </a:defRPr>
+      </a:pPr>
+      <a:endParaRPr lang="ja-JP"/>
+    </a:p>
+  </c:txPr>
+  <c:externalData r:id="rId3">
+    <c:autoUpdate val="0"/>
+  </c:externalData>
+</c:chartSpace>
+</file>
+
 <file path=ppt/charts/colors1.xml><?xml version="1.0" encoding="utf-8"?>
+<cs:colorStyle xmlns:cs="http://schemas.microsoft.com/office/drawing/2012/chartStyle" xmlns:a="http://schemas.openxmlformats.org/drawingml/2006/main" meth="cycle" id="10">
+  <a:schemeClr val="accent1"/>
+  <a:schemeClr val="accent2"/>
+  <a:schemeClr val="accent3"/>
+  <a:schemeClr val="accent4"/>
+  <a:schemeClr val="accent5"/>
+  <a:schemeClr val="accent6"/>
+  <cs:variation/>
+  <cs:variation>
+    <a:lumMod val="60000"/>
+  </cs:variation>
+  <cs:variation>
+    <a:lumMod val="80000"/>
+    <a:lumOff val="20000"/>
+  </cs:variation>
+  <cs:variation>
+    <a:lumMod val="80000"/>
+  </cs:variation>
+  <cs:variation>
+    <a:lumMod val="60000"/>
+    <a:lumOff val="40000"/>
+  </cs:variation>
+  <cs:variation>
+    <a:lumMod val="50000"/>
+  </cs:variation>
+  <cs:variation>
+    <a:lumMod val="70000"/>
+    <a:lumOff val="30000"/>
+  </cs:variation>
+  <cs:variation>
+    <a:lumMod val="70000"/>
+  </cs:variation>
+  <cs:variation>
+    <a:lumMod val="50000"/>
+    <a:lumOff val="50000"/>
+  </cs:variation>
+</cs:colorStyle>
+</file>
+
+<file path=ppt/charts/colors2.xml><?xml version="1.0" encoding="utf-8"?>
+<cs:colorStyle xmlns:cs="http://schemas.microsoft.com/office/drawing/2012/chartStyle" xmlns:a="http://schemas.openxmlformats.org/drawingml/2006/main" meth="cycle" id="10">
+  <a:schemeClr val="accent1"/>
+  <a:schemeClr val="accent2"/>
+  <a:schemeClr val="accent3"/>
+  <a:schemeClr val="accent4"/>
+  <a:schemeClr val="accent5"/>
+  <a:schemeClr val="accent6"/>
+  <cs:variation/>
+  <cs:variation>
+    <a:lumMod val="60000"/>
+  </cs:variation>
+  <cs:variation>
+    <a:lumMod val="80000"/>
+    <a:lumOff val="20000"/>
+  </cs:variation>
+  <cs:variation>
+    <a:lumMod val="80000"/>
+  </cs:variation>
+  <cs:variation>
+    <a:lumMod val="60000"/>
+    <a:lumOff val="40000"/>
+  </cs:variation>
+  <cs:variation>
+    <a:lumMod val="50000"/>
+  </cs:variation>
+  <cs:variation>
+    <a:lumMod val="70000"/>
+    <a:lumOff val="30000"/>
+  </cs:variation>
+  <cs:variation>
+    <a:lumMod val="70000"/>
+  </cs:variation>
+  <cs:variation>
+    <a:lumMod val="50000"/>
+    <a:lumOff val="50000"/>
+  </cs:variation>
+</cs:colorStyle>
+</file>
+
+<file path=ppt/charts/colors3.xml><?xml version="1.0" encoding="utf-8"?>
+<cs:colorStyle xmlns:cs="http://schemas.microsoft.com/office/drawing/2012/chartStyle" xmlns:a="http://schemas.openxmlformats.org/drawingml/2006/main" meth="cycle" id="10">
+  <a:schemeClr val="accent1"/>
+  <a:schemeClr val="accent2"/>
+  <a:schemeClr val="accent3"/>
+  <a:schemeClr val="accent4"/>
+  <a:schemeClr val="accent5"/>
+  <a:schemeClr val="accent6"/>
+  <cs:variation/>
+  <cs:variation>
+    <a:lumMod val="60000"/>
+  </cs:variation>
+  <cs:variation>
+    <a:lumMod val="80000"/>
+    <a:lumOff val="20000"/>
+  </cs:variation>
+  <cs:variation>
+    <a:lumMod val="80000"/>
+  </cs:variation>
+  <cs:variation>
+    <a:lumMod val="60000"/>
+    <a:lumOff val="40000"/>
+  </cs:variation>
+  <cs:variation>
+    <a:lumMod val="50000"/>
+  </cs:variation>
+  <cs:variation>
+    <a:lumMod val="70000"/>
+    <a:lumOff val="30000"/>
+  </cs:variation>
+  <cs:variation>
+    <a:lumMod val="70000"/>
+  </cs:variation>
+  <cs:variation>
+    <a:lumMod val="50000"/>
+    <a:lumOff val="50000"/>
+  </cs:variation>
+</cs:colorStyle>
+</file>
+
+<file path=ppt/charts/colors4.xml><?xml version="1.0" encoding="utf-8"?>
+<cs:colorStyle xmlns:cs="http://schemas.microsoft.com/office/drawing/2012/chartStyle" xmlns:a="http://schemas.openxmlformats.org/drawingml/2006/main" meth="cycle" id="10">
+  <a:schemeClr val="accent1"/>
+  <a:schemeClr val="accent2"/>
+  <a:schemeClr val="accent3"/>
+  <a:schemeClr val="accent4"/>
+  <a:schemeClr val="accent5"/>
+  <a:schemeClr val="accent6"/>
+  <cs:variation/>
+  <cs:variation>
+    <a:lumMod val="60000"/>
+  </cs:variation>
+  <cs:variation>
+    <a:lumMod val="80000"/>
+    <a:lumOff val="20000"/>
+  </cs:variation>
+  <cs:variation>
+    <a:lumMod val="80000"/>
+  </cs:variation>
+  <cs:variation>
+    <a:lumMod val="60000"/>
+    <a:lumOff val="40000"/>
+  </cs:variation>
+  <cs:variation>
+    <a:lumMod val="50000"/>
+  </cs:variation>
+  <cs:variation>
+    <a:lumMod val="70000"/>
+    <a:lumOff val="30000"/>
+  </cs:variation>
+  <cs:variation>
+    <a:lumMod val="70000"/>
+  </cs:variation>
+  <cs:variation>
+    <a:lumMod val="50000"/>
+    <a:lumOff val="50000"/>
+  </cs:variation>
+</cs:colorStyle>
+</file>
+
+<file path=ppt/charts/colors5.xml><?xml version="1.0" encoding="utf-8"?>
 <cs:colorStyle xmlns:cs="http://schemas.microsoft.com/office/drawing/2012/chartStyle" xmlns:a="http://schemas.openxmlformats.org/drawingml/2006/main" meth="cycle" id="10">
   <a:schemeClr val="accent1"/>
   <a:schemeClr val="accent2"/>
@@ -1745,6 +4083,2919 @@
 </cs:chartStyle>
 </file>
 
+<file path=ppt/charts/style2.xml><?xml version="1.0" encoding="utf-8"?>
+<cs:chartStyle xmlns:cs="http://schemas.microsoft.com/office/drawing/2012/chartStyle" xmlns:a="http://schemas.openxmlformats.org/drawingml/2006/main" id="240">
+  <cs:axisTitle>
+    <cs:lnRef idx="0"/>
+    <cs:fillRef idx="0"/>
+    <cs:effectRef idx="0"/>
+    <cs:fontRef idx="minor">
+      <a:schemeClr val="tx1">
+        <a:lumMod val="65000"/>
+        <a:lumOff val="35000"/>
+      </a:schemeClr>
+    </cs:fontRef>
+    <cs:defRPr sz="1330" kern="1200"/>
+  </cs:axisTitle>
+  <cs:categoryAxis>
+    <cs:lnRef idx="0"/>
+    <cs:fillRef idx="0"/>
+    <cs:effectRef idx="0"/>
+    <cs:fontRef idx="minor">
+      <a:schemeClr val="tx1">
+        <a:lumMod val="65000"/>
+        <a:lumOff val="35000"/>
+      </a:schemeClr>
+    </cs:fontRef>
+    <cs:spPr>
+      <a:ln w="9525" cap="flat" cmpd="sng" algn="ctr">
+        <a:solidFill>
+          <a:schemeClr val="tx1">
+            <a:lumMod val="25000"/>
+            <a:lumOff val="75000"/>
+          </a:schemeClr>
+        </a:solidFill>
+        <a:round/>
+      </a:ln>
+    </cs:spPr>
+    <cs:defRPr sz="1197" kern="1200"/>
+  </cs:categoryAxis>
+  <cs:chartArea mods="allowNoFillOverride allowNoLineOverride">
+    <cs:lnRef idx="0"/>
+    <cs:fillRef idx="0"/>
+    <cs:effectRef idx="0"/>
+    <cs:fontRef idx="minor">
+      <a:schemeClr val="tx1"/>
+    </cs:fontRef>
+    <cs:spPr>
+      <a:solidFill>
+        <a:schemeClr val="bg1"/>
+      </a:solidFill>
+      <a:ln w="9525" cap="flat" cmpd="sng" algn="ctr">
+        <a:solidFill>
+          <a:schemeClr val="tx1">
+            <a:lumMod val="15000"/>
+            <a:lumOff val="85000"/>
+          </a:schemeClr>
+        </a:solidFill>
+        <a:round/>
+      </a:ln>
+    </cs:spPr>
+    <cs:defRPr sz="1330" kern="1200"/>
+  </cs:chartArea>
+  <cs:dataLabel>
+    <cs:lnRef idx="0"/>
+    <cs:fillRef idx="0"/>
+    <cs:effectRef idx="0"/>
+    <cs:fontRef idx="minor">
+      <a:schemeClr val="tx1">
+        <a:lumMod val="75000"/>
+        <a:lumOff val="25000"/>
+      </a:schemeClr>
+    </cs:fontRef>
+    <cs:defRPr sz="1197" kern="1200"/>
+  </cs:dataLabel>
+  <cs:dataLabelCallout>
+    <cs:lnRef idx="0"/>
+    <cs:fillRef idx="0"/>
+    <cs:effectRef idx="0"/>
+    <cs:fontRef idx="minor">
+      <a:schemeClr val="dk1">
+        <a:lumMod val="65000"/>
+        <a:lumOff val="35000"/>
+      </a:schemeClr>
+    </cs:fontRef>
+    <cs:spPr>
+      <a:solidFill>
+        <a:schemeClr val="lt1"/>
+      </a:solidFill>
+      <a:ln>
+        <a:solidFill>
+          <a:schemeClr val="dk1">
+            <a:lumMod val="25000"/>
+            <a:lumOff val="75000"/>
+          </a:schemeClr>
+        </a:solidFill>
+      </a:ln>
+    </cs:spPr>
+    <cs:defRPr sz="1197" kern="1200"/>
+    <cs:bodyPr rot="0" spcFirstLastPara="1" vertOverflow="clip" horzOverflow="clip" vert="horz" wrap="square" lIns="36576" tIns="18288" rIns="36576" bIns="18288" anchor="ctr" anchorCtr="1">
+      <a:spAutoFit/>
+    </cs:bodyPr>
+  </cs:dataLabelCallout>
+  <cs:dataPoint>
+    <cs:lnRef idx="0"/>
+    <cs:fillRef idx="1">
+      <cs:styleClr val="auto"/>
+    </cs:fillRef>
+    <cs:effectRef idx="0"/>
+    <cs:fontRef idx="minor">
+      <a:schemeClr val="tx1"/>
+    </cs:fontRef>
+  </cs:dataPoint>
+  <cs:dataPoint3D>
+    <cs:lnRef idx="0"/>
+    <cs:fillRef idx="1">
+      <cs:styleClr val="auto"/>
+    </cs:fillRef>
+    <cs:effectRef idx="0"/>
+    <cs:fontRef idx="minor">
+      <a:schemeClr val="tx1"/>
+    </cs:fontRef>
+  </cs:dataPoint3D>
+  <cs:dataPointLine>
+    <cs:lnRef idx="0">
+      <cs:styleClr val="auto"/>
+    </cs:lnRef>
+    <cs:fillRef idx="1"/>
+    <cs:effectRef idx="0"/>
+    <cs:fontRef idx="minor">
+      <a:schemeClr val="tx1"/>
+    </cs:fontRef>
+    <cs:spPr>
+      <a:ln w="19050" cap="rnd">
+        <a:solidFill>
+          <a:schemeClr val="phClr"/>
+        </a:solidFill>
+        <a:round/>
+      </a:ln>
+    </cs:spPr>
+  </cs:dataPointLine>
+  <cs:dataPointMarker>
+    <cs:lnRef idx="0">
+      <cs:styleClr val="auto"/>
+    </cs:lnRef>
+    <cs:fillRef idx="1">
+      <cs:styleClr val="auto"/>
+    </cs:fillRef>
+    <cs:effectRef idx="0"/>
+    <cs:fontRef idx="minor">
+      <a:schemeClr val="tx1"/>
+    </cs:fontRef>
+    <cs:spPr>
+      <a:ln w="9525">
+        <a:solidFill>
+          <a:schemeClr val="phClr"/>
+        </a:solidFill>
+      </a:ln>
+    </cs:spPr>
+  </cs:dataPointMarker>
+  <cs:dataPointMarkerLayout symbol="circle" size="5"/>
+  <cs:dataPointWireframe>
+    <cs:lnRef idx="0">
+      <cs:styleClr val="auto"/>
+    </cs:lnRef>
+    <cs:fillRef idx="0"/>
+    <cs:effectRef idx="0"/>
+    <cs:fontRef idx="minor">
+      <a:schemeClr val="dk1"/>
+    </cs:fontRef>
+    <cs:spPr>
+      <a:ln w="9525" cap="rnd">
+        <a:solidFill>
+          <a:schemeClr val="phClr"/>
+        </a:solidFill>
+        <a:round/>
+      </a:ln>
+    </cs:spPr>
+  </cs:dataPointWireframe>
+  <cs:dataTable>
+    <cs:lnRef idx="0"/>
+    <cs:fillRef idx="0"/>
+    <cs:effectRef idx="0"/>
+    <cs:fontRef idx="minor">
+      <a:schemeClr val="tx1">
+        <a:lumMod val="65000"/>
+        <a:lumOff val="35000"/>
+      </a:schemeClr>
+    </cs:fontRef>
+    <cs:spPr>
+      <a:noFill/>
+      <a:ln w="9525" cap="flat" cmpd="sng" algn="ctr">
+        <a:solidFill>
+          <a:schemeClr val="tx1">
+            <a:lumMod val="15000"/>
+            <a:lumOff val="85000"/>
+          </a:schemeClr>
+        </a:solidFill>
+        <a:round/>
+      </a:ln>
+    </cs:spPr>
+    <cs:defRPr sz="1197" kern="1200"/>
+  </cs:dataTable>
+  <cs:downBar>
+    <cs:lnRef idx="0"/>
+    <cs:fillRef idx="0"/>
+    <cs:effectRef idx="0"/>
+    <cs:fontRef idx="minor">
+      <a:schemeClr val="tx1"/>
+    </cs:fontRef>
+    <cs:spPr>
+      <a:solidFill>
+        <a:schemeClr val="dk1">
+          <a:lumMod val="75000"/>
+          <a:lumOff val="25000"/>
+        </a:schemeClr>
+      </a:solidFill>
+      <a:ln w="9525" cap="flat" cmpd="sng" algn="ctr">
+        <a:solidFill>
+          <a:schemeClr val="tx1">
+            <a:lumMod val="65000"/>
+            <a:lumOff val="35000"/>
+          </a:schemeClr>
+        </a:solidFill>
+        <a:round/>
+      </a:ln>
+    </cs:spPr>
+  </cs:downBar>
+  <cs:dropLine>
+    <cs:lnRef idx="0"/>
+    <cs:fillRef idx="0"/>
+    <cs:effectRef idx="0"/>
+    <cs:fontRef idx="minor">
+      <a:schemeClr val="tx1"/>
+    </cs:fontRef>
+    <cs:spPr>
+      <a:ln w="9525" cap="flat" cmpd="sng" algn="ctr">
+        <a:solidFill>
+          <a:schemeClr val="tx1">
+            <a:lumMod val="35000"/>
+            <a:lumOff val="65000"/>
+          </a:schemeClr>
+        </a:solidFill>
+        <a:round/>
+      </a:ln>
+    </cs:spPr>
+  </cs:dropLine>
+  <cs:errorBar>
+    <cs:lnRef idx="0"/>
+    <cs:fillRef idx="0"/>
+    <cs:effectRef idx="0"/>
+    <cs:fontRef idx="minor">
+      <a:schemeClr val="tx1"/>
+    </cs:fontRef>
+    <cs:spPr>
+      <a:ln w="9525" cap="flat" cmpd="sng" algn="ctr">
+        <a:solidFill>
+          <a:schemeClr val="tx1">
+            <a:lumMod val="65000"/>
+            <a:lumOff val="35000"/>
+          </a:schemeClr>
+        </a:solidFill>
+        <a:round/>
+      </a:ln>
+    </cs:spPr>
+  </cs:errorBar>
+  <cs:floor>
+    <cs:lnRef idx="0"/>
+    <cs:fillRef idx="0"/>
+    <cs:effectRef idx="0"/>
+    <cs:fontRef idx="minor">
+      <a:schemeClr val="tx1"/>
+    </cs:fontRef>
+    <cs:spPr>
+      <a:noFill/>
+      <a:ln>
+        <a:noFill/>
+      </a:ln>
+    </cs:spPr>
+  </cs:floor>
+  <cs:gridlineMajor>
+    <cs:lnRef idx="0"/>
+    <cs:fillRef idx="0"/>
+    <cs:effectRef idx="0"/>
+    <cs:fontRef idx="minor">
+      <a:schemeClr val="tx1"/>
+    </cs:fontRef>
+    <cs:spPr>
+      <a:ln w="9525" cap="flat" cmpd="sng" algn="ctr">
+        <a:solidFill>
+          <a:schemeClr val="tx1">
+            <a:lumMod val="15000"/>
+            <a:lumOff val="85000"/>
+          </a:schemeClr>
+        </a:solidFill>
+        <a:round/>
+      </a:ln>
+    </cs:spPr>
+  </cs:gridlineMajor>
+  <cs:gridlineMinor>
+    <cs:lnRef idx="0"/>
+    <cs:fillRef idx="0"/>
+    <cs:effectRef idx="0"/>
+    <cs:fontRef idx="minor">
+      <a:schemeClr val="tx1"/>
+    </cs:fontRef>
+    <cs:spPr>
+      <a:ln w="9525" cap="flat" cmpd="sng" algn="ctr">
+        <a:solidFill>
+          <a:schemeClr val="tx1">
+            <a:lumMod val="5000"/>
+            <a:lumOff val="95000"/>
+          </a:schemeClr>
+        </a:solidFill>
+        <a:round/>
+      </a:ln>
+    </cs:spPr>
+  </cs:gridlineMinor>
+  <cs:hiLoLine>
+    <cs:lnRef idx="0"/>
+    <cs:fillRef idx="0"/>
+    <cs:effectRef idx="0"/>
+    <cs:fontRef idx="minor">
+      <a:schemeClr val="tx1"/>
+    </cs:fontRef>
+    <cs:spPr>
+      <a:ln w="9525" cap="flat" cmpd="sng" algn="ctr">
+        <a:solidFill>
+          <a:schemeClr val="tx1">
+            <a:lumMod val="50000"/>
+            <a:lumOff val="50000"/>
+          </a:schemeClr>
+        </a:solidFill>
+        <a:round/>
+      </a:ln>
+    </cs:spPr>
+  </cs:hiLoLine>
+  <cs:leaderLine>
+    <cs:lnRef idx="0"/>
+    <cs:fillRef idx="0"/>
+    <cs:effectRef idx="0"/>
+    <cs:fontRef idx="minor">
+      <a:schemeClr val="tx1"/>
+    </cs:fontRef>
+    <cs:spPr>
+      <a:ln w="9525" cap="flat" cmpd="sng" algn="ctr">
+        <a:solidFill>
+          <a:schemeClr val="tx1">
+            <a:lumMod val="35000"/>
+            <a:lumOff val="65000"/>
+          </a:schemeClr>
+        </a:solidFill>
+        <a:round/>
+      </a:ln>
+    </cs:spPr>
+  </cs:leaderLine>
+  <cs:legend>
+    <cs:lnRef idx="0"/>
+    <cs:fillRef idx="0"/>
+    <cs:effectRef idx="0"/>
+    <cs:fontRef idx="minor">
+      <a:schemeClr val="tx1">
+        <a:lumMod val="65000"/>
+        <a:lumOff val="35000"/>
+      </a:schemeClr>
+    </cs:fontRef>
+    <cs:defRPr sz="1197" kern="1200"/>
+  </cs:legend>
+  <cs:plotArea mods="allowNoFillOverride allowNoLineOverride">
+    <cs:lnRef idx="0"/>
+    <cs:fillRef idx="0"/>
+    <cs:effectRef idx="0"/>
+    <cs:fontRef idx="minor">
+      <a:schemeClr val="tx1"/>
+    </cs:fontRef>
+  </cs:plotArea>
+  <cs:plotArea3D mods="allowNoFillOverride allowNoLineOverride">
+    <cs:lnRef idx="0"/>
+    <cs:fillRef idx="0"/>
+    <cs:effectRef idx="0"/>
+    <cs:fontRef idx="minor">
+      <a:schemeClr val="tx1"/>
+    </cs:fontRef>
+  </cs:plotArea3D>
+  <cs:seriesAxis>
+    <cs:lnRef idx="0"/>
+    <cs:fillRef idx="0"/>
+    <cs:effectRef idx="0"/>
+    <cs:fontRef idx="minor">
+      <a:schemeClr val="tx1">
+        <a:lumMod val="65000"/>
+        <a:lumOff val="35000"/>
+      </a:schemeClr>
+    </cs:fontRef>
+    <cs:defRPr sz="1197" kern="1200"/>
+  </cs:seriesAxis>
+  <cs:seriesLine>
+    <cs:lnRef idx="0"/>
+    <cs:fillRef idx="0"/>
+    <cs:effectRef idx="0"/>
+    <cs:fontRef idx="minor">
+      <a:schemeClr val="tx1"/>
+    </cs:fontRef>
+    <cs:spPr>
+      <a:ln w="9525" cap="flat" cmpd="sng" algn="ctr">
+        <a:solidFill>
+          <a:schemeClr val="tx1">
+            <a:lumMod val="35000"/>
+            <a:lumOff val="65000"/>
+          </a:schemeClr>
+        </a:solidFill>
+        <a:round/>
+      </a:ln>
+    </cs:spPr>
+  </cs:seriesLine>
+  <cs:title>
+    <cs:lnRef idx="0"/>
+    <cs:fillRef idx="0"/>
+    <cs:effectRef idx="0"/>
+    <cs:fontRef idx="minor">
+      <a:schemeClr val="tx1">
+        <a:lumMod val="65000"/>
+        <a:lumOff val="35000"/>
+      </a:schemeClr>
+    </cs:fontRef>
+    <cs:defRPr sz="1862" b="0" kern="1200" spc="0" baseline="0"/>
+  </cs:title>
+  <cs:trendline>
+    <cs:lnRef idx="0">
+      <cs:styleClr val="auto"/>
+    </cs:lnRef>
+    <cs:fillRef idx="0"/>
+    <cs:effectRef idx="0"/>
+    <cs:fontRef idx="minor">
+      <a:schemeClr val="tx1"/>
+    </cs:fontRef>
+    <cs:spPr>
+      <a:ln w="19050" cap="rnd">
+        <a:solidFill>
+          <a:schemeClr val="phClr"/>
+        </a:solidFill>
+        <a:prstDash val="sysDot"/>
+      </a:ln>
+    </cs:spPr>
+  </cs:trendline>
+  <cs:trendlineLabel>
+    <cs:lnRef idx="0"/>
+    <cs:fillRef idx="0"/>
+    <cs:effectRef idx="0"/>
+    <cs:fontRef idx="minor">
+      <a:schemeClr val="tx1">
+        <a:lumMod val="65000"/>
+        <a:lumOff val="35000"/>
+      </a:schemeClr>
+    </cs:fontRef>
+    <cs:defRPr sz="1197" kern="1200"/>
+  </cs:trendlineLabel>
+  <cs:upBar>
+    <cs:lnRef idx="0"/>
+    <cs:fillRef idx="0"/>
+    <cs:effectRef idx="0"/>
+    <cs:fontRef idx="minor">
+      <a:schemeClr val="tx1"/>
+    </cs:fontRef>
+    <cs:spPr>
+      <a:solidFill>
+        <a:schemeClr val="lt1"/>
+      </a:solidFill>
+      <a:ln w="9525" cap="flat" cmpd="sng" algn="ctr">
+        <a:solidFill>
+          <a:schemeClr val="tx1">
+            <a:lumMod val="65000"/>
+            <a:lumOff val="35000"/>
+          </a:schemeClr>
+        </a:solidFill>
+        <a:round/>
+      </a:ln>
+    </cs:spPr>
+  </cs:upBar>
+  <cs:valueAxis>
+    <cs:lnRef idx="0"/>
+    <cs:fillRef idx="0"/>
+    <cs:effectRef idx="0"/>
+    <cs:fontRef idx="minor">
+      <a:schemeClr val="tx1">
+        <a:lumMod val="65000"/>
+        <a:lumOff val="35000"/>
+      </a:schemeClr>
+    </cs:fontRef>
+    <cs:spPr>
+      <a:ln w="9525" cap="flat" cmpd="sng" algn="ctr">
+        <a:solidFill>
+          <a:schemeClr val="tx1">
+            <a:lumMod val="25000"/>
+            <a:lumOff val="75000"/>
+          </a:schemeClr>
+        </a:solidFill>
+        <a:round/>
+      </a:ln>
+    </cs:spPr>
+    <cs:defRPr sz="1197" kern="1200"/>
+  </cs:valueAxis>
+  <cs:wall>
+    <cs:lnRef idx="0"/>
+    <cs:fillRef idx="0"/>
+    <cs:effectRef idx="0"/>
+    <cs:fontRef idx="minor">
+      <a:schemeClr val="tx1"/>
+    </cs:fontRef>
+    <cs:spPr>
+      <a:noFill/>
+      <a:ln>
+        <a:noFill/>
+      </a:ln>
+    </cs:spPr>
+  </cs:wall>
+</cs:chartStyle>
+</file>
+
+<file path=ppt/charts/style3.xml><?xml version="1.0" encoding="utf-8"?>
+<cs:chartStyle xmlns:cs="http://schemas.microsoft.com/office/drawing/2012/chartStyle" xmlns:a="http://schemas.openxmlformats.org/drawingml/2006/main" id="240">
+  <cs:axisTitle>
+    <cs:lnRef idx="0"/>
+    <cs:fillRef idx="0"/>
+    <cs:effectRef idx="0"/>
+    <cs:fontRef idx="minor">
+      <a:schemeClr val="tx1">
+        <a:lumMod val="65000"/>
+        <a:lumOff val="35000"/>
+      </a:schemeClr>
+    </cs:fontRef>
+    <cs:defRPr sz="1330" kern="1200"/>
+  </cs:axisTitle>
+  <cs:categoryAxis>
+    <cs:lnRef idx="0"/>
+    <cs:fillRef idx="0"/>
+    <cs:effectRef idx="0"/>
+    <cs:fontRef idx="minor">
+      <a:schemeClr val="tx1">
+        <a:lumMod val="65000"/>
+        <a:lumOff val="35000"/>
+      </a:schemeClr>
+    </cs:fontRef>
+    <cs:spPr>
+      <a:ln w="9525" cap="flat" cmpd="sng" algn="ctr">
+        <a:solidFill>
+          <a:schemeClr val="tx1">
+            <a:lumMod val="25000"/>
+            <a:lumOff val="75000"/>
+          </a:schemeClr>
+        </a:solidFill>
+        <a:round/>
+      </a:ln>
+    </cs:spPr>
+    <cs:defRPr sz="1197" kern="1200"/>
+  </cs:categoryAxis>
+  <cs:chartArea mods="allowNoFillOverride allowNoLineOverride">
+    <cs:lnRef idx="0"/>
+    <cs:fillRef idx="0"/>
+    <cs:effectRef idx="0"/>
+    <cs:fontRef idx="minor">
+      <a:schemeClr val="tx1"/>
+    </cs:fontRef>
+    <cs:spPr>
+      <a:solidFill>
+        <a:schemeClr val="bg1"/>
+      </a:solidFill>
+      <a:ln w="9525" cap="flat" cmpd="sng" algn="ctr">
+        <a:solidFill>
+          <a:schemeClr val="tx1">
+            <a:lumMod val="15000"/>
+            <a:lumOff val="85000"/>
+          </a:schemeClr>
+        </a:solidFill>
+        <a:round/>
+      </a:ln>
+    </cs:spPr>
+    <cs:defRPr sz="1330" kern="1200"/>
+  </cs:chartArea>
+  <cs:dataLabel>
+    <cs:lnRef idx="0"/>
+    <cs:fillRef idx="0"/>
+    <cs:effectRef idx="0"/>
+    <cs:fontRef idx="minor">
+      <a:schemeClr val="tx1">
+        <a:lumMod val="75000"/>
+        <a:lumOff val="25000"/>
+      </a:schemeClr>
+    </cs:fontRef>
+    <cs:defRPr sz="1197" kern="1200"/>
+  </cs:dataLabel>
+  <cs:dataLabelCallout>
+    <cs:lnRef idx="0"/>
+    <cs:fillRef idx="0"/>
+    <cs:effectRef idx="0"/>
+    <cs:fontRef idx="minor">
+      <a:schemeClr val="dk1">
+        <a:lumMod val="65000"/>
+        <a:lumOff val="35000"/>
+      </a:schemeClr>
+    </cs:fontRef>
+    <cs:spPr>
+      <a:solidFill>
+        <a:schemeClr val="lt1"/>
+      </a:solidFill>
+      <a:ln>
+        <a:solidFill>
+          <a:schemeClr val="dk1">
+            <a:lumMod val="25000"/>
+            <a:lumOff val="75000"/>
+          </a:schemeClr>
+        </a:solidFill>
+      </a:ln>
+    </cs:spPr>
+    <cs:defRPr sz="1197" kern="1200"/>
+    <cs:bodyPr rot="0" spcFirstLastPara="1" vertOverflow="clip" horzOverflow="clip" vert="horz" wrap="square" lIns="36576" tIns="18288" rIns="36576" bIns="18288" anchor="ctr" anchorCtr="1">
+      <a:spAutoFit/>
+    </cs:bodyPr>
+  </cs:dataLabelCallout>
+  <cs:dataPoint>
+    <cs:lnRef idx="0"/>
+    <cs:fillRef idx="1">
+      <cs:styleClr val="auto"/>
+    </cs:fillRef>
+    <cs:effectRef idx="0"/>
+    <cs:fontRef idx="minor">
+      <a:schemeClr val="tx1"/>
+    </cs:fontRef>
+  </cs:dataPoint>
+  <cs:dataPoint3D>
+    <cs:lnRef idx="0"/>
+    <cs:fillRef idx="1">
+      <cs:styleClr val="auto"/>
+    </cs:fillRef>
+    <cs:effectRef idx="0"/>
+    <cs:fontRef idx="minor">
+      <a:schemeClr val="tx1"/>
+    </cs:fontRef>
+  </cs:dataPoint3D>
+  <cs:dataPointLine>
+    <cs:lnRef idx="0">
+      <cs:styleClr val="auto"/>
+    </cs:lnRef>
+    <cs:fillRef idx="1"/>
+    <cs:effectRef idx="0"/>
+    <cs:fontRef idx="minor">
+      <a:schemeClr val="tx1"/>
+    </cs:fontRef>
+    <cs:spPr>
+      <a:ln w="19050" cap="rnd">
+        <a:solidFill>
+          <a:schemeClr val="phClr"/>
+        </a:solidFill>
+        <a:round/>
+      </a:ln>
+    </cs:spPr>
+  </cs:dataPointLine>
+  <cs:dataPointMarker>
+    <cs:lnRef idx="0">
+      <cs:styleClr val="auto"/>
+    </cs:lnRef>
+    <cs:fillRef idx="1">
+      <cs:styleClr val="auto"/>
+    </cs:fillRef>
+    <cs:effectRef idx="0"/>
+    <cs:fontRef idx="minor">
+      <a:schemeClr val="tx1"/>
+    </cs:fontRef>
+    <cs:spPr>
+      <a:ln w="9525">
+        <a:solidFill>
+          <a:schemeClr val="phClr"/>
+        </a:solidFill>
+      </a:ln>
+    </cs:spPr>
+  </cs:dataPointMarker>
+  <cs:dataPointMarkerLayout symbol="circle" size="5"/>
+  <cs:dataPointWireframe>
+    <cs:lnRef idx="0">
+      <cs:styleClr val="auto"/>
+    </cs:lnRef>
+    <cs:fillRef idx="0"/>
+    <cs:effectRef idx="0"/>
+    <cs:fontRef idx="minor">
+      <a:schemeClr val="dk1"/>
+    </cs:fontRef>
+    <cs:spPr>
+      <a:ln w="9525" cap="rnd">
+        <a:solidFill>
+          <a:schemeClr val="phClr"/>
+        </a:solidFill>
+        <a:round/>
+      </a:ln>
+    </cs:spPr>
+  </cs:dataPointWireframe>
+  <cs:dataTable>
+    <cs:lnRef idx="0"/>
+    <cs:fillRef idx="0"/>
+    <cs:effectRef idx="0"/>
+    <cs:fontRef idx="minor">
+      <a:schemeClr val="tx1">
+        <a:lumMod val="65000"/>
+        <a:lumOff val="35000"/>
+      </a:schemeClr>
+    </cs:fontRef>
+    <cs:spPr>
+      <a:noFill/>
+      <a:ln w="9525" cap="flat" cmpd="sng" algn="ctr">
+        <a:solidFill>
+          <a:schemeClr val="tx1">
+            <a:lumMod val="15000"/>
+            <a:lumOff val="85000"/>
+          </a:schemeClr>
+        </a:solidFill>
+        <a:round/>
+      </a:ln>
+    </cs:spPr>
+    <cs:defRPr sz="1197" kern="1200"/>
+  </cs:dataTable>
+  <cs:downBar>
+    <cs:lnRef idx="0"/>
+    <cs:fillRef idx="0"/>
+    <cs:effectRef idx="0"/>
+    <cs:fontRef idx="minor">
+      <a:schemeClr val="tx1"/>
+    </cs:fontRef>
+    <cs:spPr>
+      <a:solidFill>
+        <a:schemeClr val="dk1">
+          <a:lumMod val="75000"/>
+          <a:lumOff val="25000"/>
+        </a:schemeClr>
+      </a:solidFill>
+      <a:ln w="9525" cap="flat" cmpd="sng" algn="ctr">
+        <a:solidFill>
+          <a:schemeClr val="tx1">
+            <a:lumMod val="65000"/>
+            <a:lumOff val="35000"/>
+          </a:schemeClr>
+        </a:solidFill>
+        <a:round/>
+      </a:ln>
+    </cs:spPr>
+  </cs:downBar>
+  <cs:dropLine>
+    <cs:lnRef idx="0"/>
+    <cs:fillRef idx="0"/>
+    <cs:effectRef idx="0"/>
+    <cs:fontRef idx="minor">
+      <a:schemeClr val="tx1"/>
+    </cs:fontRef>
+    <cs:spPr>
+      <a:ln w="9525" cap="flat" cmpd="sng" algn="ctr">
+        <a:solidFill>
+          <a:schemeClr val="tx1">
+            <a:lumMod val="35000"/>
+            <a:lumOff val="65000"/>
+          </a:schemeClr>
+        </a:solidFill>
+        <a:round/>
+      </a:ln>
+    </cs:spPr>
+  </cs:dropLine>
+  <cs:errorBar>
+    <cs:lnRef idx="0"/>
+    <cs:fillRef idx="0"/>
+    <cs:effectRef idx="0"/>
+    <cs:fontRef idx="minor">
+      <a:schemeClr val="tx1"/>
+    </cs:fontRef>
+    <cs:spPr>
+      <a:ln w="9525" cap="flat" cmpd="sng" algn="ctr">
+        <a:solidFill>
+          <a:schemeClr val="tx1">
+            <a:lumMod val="65000"/>
+            <a:lumOff val="35000"/>
+          </a:schemeClr>
+        </a:solidFill>
+        <a:round/>
+      </a:ln>
+    </cs:spPr>
+  </cs:errorBar>
+  <cs:floor>
+    <cs:lnRef idx="0"/>
+    <cs:fillRef idx="0"/>
+    <cs:effectRef idx="0"/>
+    <cs:fontRef idx="minor">
+      <a:schemeClr val="tx1"/>
+    </cs:fontRef>
+    <cs:spPr>
+      <a:noFill/>
+      <a:ln>
+        <a:noFill/>
+      </a:ln>
+    </cs:spPr>
+  </cs:floor>
+  <cs:gridlineMajor>
+    <cs:lnRef idx="0"/>
+    <cs:fillRef idx="0"/>
+    <cs:effectRef idx="0"/>
+    <cs:fontRef idx="minor">
+      <a:schemeClr val="tx1"/>
+    </cs:fontRef>
+    <cs:spPr>
+      <a:ln w="9525" cap="flat" cmpd="sng" algn="ctr">
+        <a:solidFill>
+          <a:schemeClr val="tx1">
+            <a:lumMod val="15000"/>
+            <a:lumOff val="85000"/>
+          </a:schemeClr>
+        </a:solidFill>
+        <a:round/>
+      </a:ln>
+    </cs:spPr>
+  </cs:gridlineMajor>
+  <cs:gridlineMinor>
+    <cs:lnRef idx="0"/>
+    <cs:fillRef idx="0"/>
+    <cs:effectRef idx="0"/>
+    <cs:fontRef idx="minor">
+      <a:schemeClr val="tx1"/>
+    </cs:fontRef>
+    <cs:spPr>
+      <a:ln w="9525" cap="flat" cmpd="sng" algn="ctr">
+        <a:solidFill>
+          <a:schemeClr val="tx1">
+            <a:lumMod val="5000"/>
+            <a:lumOff val="95000"/>
+          </a:schemeClr>
+        </a:solidFill>
+        <a:round/>
+      </a:ln>
+    </cs:spPr>
+  </cs:gridlineMinor>
+  <cs:hiLoLine>
+    <cs:lnRef idx="0"/>
+    <cs:fillRef idx="0"/>
+    <cs:effectRef idx="0"/>
+    <cs:fontRef idx="minor">
+      <a:schemeClr val="tx1"/>
+    </cs:fontRef>
+    <cs:spPr>
+      <a:ln w="9525" cap="flat" cmpd="sng" algn="ctr">
+        <a:solidFill>
+          <a:schemeClr val="tx1">
+            <a:lumMod val="50000"/>
+            <a:lumOff val="50000"/>
+          </a:schemeClr>
+        </a:solidFill>
+        <a:round/>
+      </a:ln>
+    </cs:spPr>
+  </cs:hiLoLine>
+  <cs:leaderLine>
+    <cs:lnRef idx="0"/>
+    <cs:fillRef idx="0"/>
+    <cs:effectRef idx="0"/>
+    <cs:fontRef idx="minor">
+      <a:schemeClr val="tx1"/>
+    </cs:fontRef>
+    <cs:spPr>
+      <a:ln w="9525" cap="flat" cmpd="sng" algn="ctr">
+        <a:solidFill>
+          <a:schemeClr val="tx1">
+            <a:lumMod val="35000"/>
+            <a:lumOff val="65000"/>
+          </a:schemeClr>
+        </a:solidFill>
+        <a:round/>
+      </a:ln>
+    </cs:spPr>
+  </cs:leaderLine>
+  <cs:legend>
+    <cs:lnRef idx="0"/>
+    <cs:fillRef idx="0"/>
+    <cs:effectRef idx="0"/>
+    <cs:fontRef idx="minor">
+      <a:schemeClr val="tx1">
+        <a:lumMod val="65000"/>
+        <a:lumOff val="35000"/>
+      </a:schemeClr>
+    </cs:fontRef>
+    <cs:defRPr sz="1197" kern="1200"/>
+  </cs:legend>
+  <cs:plotArea mods="allowNoFillOverride allowNoLineOverride">
+    <cs:lnRef idx="0"/>
+    <cs:fillRef idx="0"/>
+    <cs:effectRef idx="0"/>
+    <cs:fontRef idx="minor">
+      <a:schemeClr val="tx1"/>
+    </cs:fontRef>
+  </cs:plotArea>
+  <cs:plotArea3D mods="allowNoFillOverride allowNoLineOverride">
+    <cs:lnRef idx="0"/>
+    <cs:fillRef idx="0"/>
+    <cs:effectRef idx="0"/>
+    <cs:fontRef idx="minor">
+      <a:schemeClr val="tx1"/>
+    </cs:fontRef>
+  </cs:plotArea3D>
+  <cs:seriesAxis>
+    <cs:lnRef idx="0"/>
+    <cs:fillRef idx="0"/>
+    <cs:effectRef idx="0"/>
+    <cs:fontRef idx="minor">
+      <a:schemeClr val="tx1">
+        <a:lumMod val="65000"/>
+        <a:lumOff val="35000"/>
+      </a:schemeClr>
+    </cs:fontRef>
+    <cs:defRPr sz="1197" kern="1200"/>
+  </cs:seriesAxis>
+  <cs:seriesLine>
+    <cs:lnRef idx="0"/>
+    <cs:fillRef idx="0"/>
+    <cs:effectRef idx="0"/>
+    <cs:fontRef idx="minor">
+      <a:schemeClr val="tx1"/>
+    </cs:fontRef>
+    <cs:spPr>
+      <a:ln w="9525" cap="flat" cmpd="sng" algn="ctr">
+        <a:solidFill>
+          <a:schemeClr val="tx1">
+            <a:lumMod val="35000"/>
+            <a:lumOff val="65000"/>
+          </a:schemeClr>
+        </a:solidFill>
+        <a:round/>
+      </a:ln>
+    </cs:spPr>
+  </cs:seriesLine>
+  <cs:title>
+    <cs:lnRef idx="0"/>
+    <cs:fillRef idx="0"/>
+    <cs:effectRef idx="0"/>
+    <cs:fontRef idx="minor">
+      <a:schemeClr val="tx1">
+        <a:lumMod val="65000"/>
+        <a:lumOff val="35000"/>
+      </a:schemeClr>
+    </cs:fontRef>
+    <cs:defRPr sz="1862" b="0" kern="1200" spc="0" baseline="0"/>
+  </cs:title>
+  <cs:trendline>
+    <cs:lnRef idx="0">
+      <cs:styleClr val="auto"/>
+    </cs:lnRef>
+    <cs:fillRef idx="0"/>
+    <cs:effectRef idx="0"/>
+    <cs:fontRef idx="minor">
+      <a:schemeClr val="tx1"/>
+    </cs:fontRef>
+    <cs:spPr>
+      <a:ln w="19050" cap="rnd">
+        <a:solidFill>
+          <a:schemeClr val="phClr"/>
+        </a:solidFill>
+        <a:prstDash val="sysDot"/>
+      </a:ln>
+    </cs:spPr>
+  </cs:trendline>
+  <cs:trendlineLabel>
+    <cs:lnRef idx="0"/>
+    <cs:fillRef idx="0"/>
+    <cs:effectRef idx="0"/>
+    <cs:fontRef idx="minor">
+      <a:schemeClr val="tx1">
+        <a:lumMod val="65000"/>
+        <a:lumOff val="35000"/>
+      </a:schemeClr>
+    </cs:fontRef>
+    <cs:defRPr sz="1197" kern="1200"/>
+  </cs:trendlineLabel>
+  <cs:upBar>
+    <cs:lnRef idx="0"/>
+    <cs:fillRef idx="0"/>
+    <cs:effectRef idx="0"/>
+    <cs:fontRef idx="minor">
+      <a:schemeClr val="tx1"/>
+    </cs:fontRef>
+    <cs:spPr>
+      <a:solidFill>
+        <a:schemeClr val="lt1"/>
+      </a:solidFill>
+      <a:ln w="9525" cap="flat" cmpd="sng" algn="ctr">
+        <a:solidFill>
+          <a:schemeClr val="tx1">
+            <a:lumMod val="65000"/>
+            <a:lumOff val="35000"/>
+          </a:schemeClr>
+        </a:solidFill>
+        <a:round/>
+      </a:ln>
+    </cs:spPr>
+  </cs:upBar>
+  <cs:valueAxis>
+    <cs:lnRef idx="0"/>
+    <cs:fillRef idx="0"/>
+    <cs:effectRef idx="0"/>
+    <cs:fontRef idx="minor">
+      <a:schemeClr val="tx1">
+        <a:lumMod val="65000"/>
+        <a:lumOff val="35000"/>
+      </a:schemeClr>
+    </cs:fontRef>
+    <cs:spPr>
+      <a:ln w="9525" cap="flat" cmpd="sng" algn="ctr">
+        <a:solidFill>
+          <a:schemeClr val="tx1">
+            <a:lumMod val="25000"/>
+            <a:lumOff val="75000"/>
+          </a:schemeClr>
+        </a:solidFill>
+        <a:round/>
+      </a:ln>
+    </cs:spPr>
+    <cs:defRPr sz="1197" kern="1200"/>
+  </cs:valueAxis>
+  <cs:wall>
+    <cs:lnRef idx="0"/>
+    <cs:fillRef idx="0"/>
+    <cs:effectRef idx="0"/>
+    <cs:fontRef idx="minor">
+      <a:schemeClr val="tx1"/>
+    </cs:fontRef>
+    <cs:spPr>
+      <a:noFill/>
+      <a:ln>
+        <a:noFill/>
+      </a:ln>
+    </cs:spPr>
+  </cs:wall>
+</cs:chartStyle>
+</file>
+
+<file path=ppt/charts/style4.xml><?xml version="1.0" encoding="utf-8"?>
+<cs:chartStyle xmlns:cs="http://schemas.microsoft.com/office/drawing/2012/chartStyle" xmlns:a="http://schemas.openxmlformats.org/drawingml/2006/main" id="240">
+  <cs:axisTitle>
+    <cs:lnRef idx="0"/>
+    <cs:fillRef idx="0"/>
+    <cs:effectRef idx="0"/>
+    <cs:fontRef idx="minor">
+      <a:schemeClr val="tx1">
+        <a:lumMod val="65000"/>
+        <a:lumOff val="35000"/>
+      </a:schemeClr>
+    </cs:fontRef>
+    <cs:defRPr sz="1330" kern="1200"/>
+  </cs:axisTitle>
+  <cs:categoryAxis>
+    <cs:lnRef idx="0"/>
+    <cs:fillRef idx="0"/>
+    <cs:effectRef idx="0"/>
+    <cs:fontRef idx="minor">
+      <a:schemeClr val="tx1">
+        <a:lumMod val="65000"/>
+        <a:lumOff val="35000"/>
+      </a:schemeClr>
+    </cs:fontRef>
+    <cs:spPr>
+      <a:ln w="9525" cap="flat" cmpd="sng" algn="ctr">
+        <a:solidFill>
+          <a:schemeClr val="tx1">
+            <a:lumMod val="25000"/>
+            <a:lumOff val="75000"/>
+          </a:schemeClr>
+        </a:solidFill>
+        <a:round/>
+      </a:ln>
+    </cs:spPr>
+    <cs:defRPr sz="1197" kern="1200"/>
+  </cs:categoryAxis>
+  <cs:chartArea mods="allowNoFillOverride allowNoLineOverride">
+    <cs:lnRef idx="0"/>
+    <cs:fillRef idx="0"/>
+    <cs:effectRef idx="0"/>
+    <cs:fontRef idx="minor">
+      <a:schemeClr val="tx1"/>
+    </cs:fontRef>
+    <cs:spPr>
+      <a:solidFill>
+        <a:schemeClr val="bg1"/>
+      </a:solidFill>
+      <a:ln w="9525" cap="flat" cmpd="sng" algn="ctr">
+        <a:solidFill>
+          <a:schemeClr val="tx1">
+            <a:lumMod val="15000"/>
+            <a:lumOff val="85000"/>
+          </a:schemeClr>
+        </a:solidFill>
+        <a:round/>
+      </a:ln>
+    </cs:spPr>
+    <cs:defRPr sz="1330" kern="1200"/>
+  </cs:chartArea>
+  <cs:dataLabel>
+    <cs:lnRef idx="0"/>
+    <cs:fillRef idx="0"/>
+    <cs:effectRef idx="0"/>
+    <cs:fontRef idx="minor">
+      <a:schemeClr val="tx1">
+        <a:lumMod val="75000"/>
+        <a:lumOff val="25000"/>
+      </a:schemeClr>
+    </cs:fontRef>
+    <cs:defRPr sz="1197" kern="1200"/>
+  </cs:dataLabel>
+  <cs:dataLabelCallout>
+    <cs:lnRef idx="0"/>
+    <cs:fillRef idx="0"/>
+    <cs:effectRef idx="0"/>
+    <cs:fontRef idx="minor">
+      <a:schemeClr val="dk1">
+        <a:lumMod val="65000"/>
+        <a:lumOff val="35000"/>
+      </a:schemeClr>
+    </cs:fontRef>
+    <cs:spPr>
+      <a:solidFill>
+        <a:schemeClr val="lt1"/>
+      </a:solidFill>
+      <a:ln>
+        <a:solidFill>
+          <a:schemeClr val="dk1">
+            <a:lumMod val="25000"/>
+            <a:lumOff val="75000"/>
+          </a:schemeClr>
+        </a:solidFill>
+      </a:ln>
+    </cs:spPr>
+    <cs:defRPr sz="1197" kern="1200"/>
+    <cs:bodyPr rot="0" spcFirstLastPara="1" vertOverflow="clip" horzOverflow="clip" vert="horz" wrap="square" lIns="36576" tIns="18288" rIns="36576" bIns="18288" anchor="ctr" anchorCtr="1">
+      <a:spAutoFit/>
+    </cs:bodyPr>
+  </cs:dataLabelCallout>
+  <cs:dataPoint>
+    <cs:lnRef idx="0"/>
+    <cs:fillRef idx="1">
+      <cs:styleClr val="auto"/>
+    </cs:fillRef>
+    <cs:effectRef idx="0"/>
+    <cs:fontRef idx="minor">
+      <a:schemeClr val="tx1"/>
+    </cs:fontRef>
+  </cs:dataPoint>
+  <cs:dataPoint3D>
+    <cs:lnRef idx="0"/>
+    <cs:fillRef idx="1">
+      <cs:styleClr val="auto"/>
+    </cs:fillRef>
+    <cs:effectRef idx="0"/>
+    <cs:fontRef idx="minor">
+      <a:schemeClr val="tx1"/>
+    </cs:fontRef>
+  </cs:dataPoint3D>
+  <cs:dataPointLine>
+    <cs:lnRef idx="0">
+      <cs:styleClr val="auto"/>
+    </cs:lnRef>
+    <cs:fillRef idx="1"/>
+    <cs:effectRef idx="0"/>
+    <cs:fontRef idx="minor">
+      <a:schemeClr val="tx1"/>
+    </cs:fontRef>
+    <cs:spPr>
+      <a:ln w="19050" cap="rnd">
+        <a:solidFill>
+          <a:schemeClr val="phClr"/>
+        </a:solidFill>
+        <a:round/>
+      </a:ln>
+    </cs:spPr>
+  </cs:dataPointLine>
+  <cs:dataPointMarker>
+    <cs:lnRef idx="0">
+      <cs:styleClr val="auto"/>
+    </cs:lnRef>
+    <cs:fillRef idx="1">
+      <cs:styleClr val="auto"/>
+    </cs:fillRef>
+    <cs:effectRef idx="0"/>
+    <cs:fontRef idx="minor">
+      <a:schemeClr val="tx1"/>
+    </cs:fontRef>
+    <cs:spPr>
+      <a:ln w="9525">
+        <a:solidFill>
+          <a:schemeClr val="phClr"/>
+        </a:solidFill>
+      </a:ln>
+    </cs:spPr>
+  </cs:dataPointMarker>
+  <cs:dataPointMarkerLayout symbol="circle" size="5"/>
+  <cs:dataPointWireframe>
+    <cs:lnRef idx="0">
+      <cs:styleClr val="auto"/>
+    </cs:lnRef>
+    <cs:fillRef idx="0"/>
+    <cs:effectRef idx="0"/>
+    <cs:fontRef idx="minor">
+      <a:schemeClr val="dk1"/>
+    </cs:fontRef>
+    <cs:spPr>
+      <a:ln w="9525" cap="rnd">
+        <a:solidFill>
+          <a:schemeClr val="phClr"/>
+        </a:solidFill>
+        <a:round/>
+      </a:ln>
+    </cs:spPr>
+  </cs:dataPointWireframe>
+  <cs:dataTable>
+    <cs:lnRef idx="0"/>
+    <cs:fillRef idx="0"/>
+    <cs:effectRef idx="0"/>
+    <cs:fontRef idx="minor">
+      <a:schemeClr val="tx1">
+        <a:lumMod val="65000"/>
+        <a:lumOff val="35000"/>
+      </a:schemeClr>
+    </cs:fontRef>
+    <cs:spPr>
+      <a:noFill/>
+      <a:ln w="9525" cap="flat" cmpd="sng" algn="ctr">
+        <a:solidFill>
+          <a:schemeClr val="tx1">
+            <a:lumMod val="15000"/>
+            <a:lumOff val="85000"/>
+          </a:schemeClr>
+        </a:solidFill>
+        <a:round/>
+      </a:ln>
+    </cs:spPr>
+    <cs:defRPr sz="1197" kern="1200"/>
+  </cs:dataTable>
+  <cs:downBar>
+    <cs:lnRef idx="0"/>
+    <cs:fillRef idx="0"/>
+    <cs:effectRef idx="0"/>
+    <cs:fontRef idx="minor">
+      <a:schemeClr val="tx1"/>
+    </cs:fontRef>
+    <cs:spPr>
+      <a:solidFill>
+        <a:schemeClr val="dk1">
+          <a:lumMod val="75000"/>
+          <a:lumOff val="25000"/>
+        </a:schemeClr>
+      </a:solidFill>
+      <a:ln w="9525" cap="flat" cmpd="sng" algn="ctr">
+        <a:solidFill>
+          <a:schemeClr val="tx1">
+            <a:lumMod val="65000"/>
+            <a:lumOff val="35000"/>
+          </a:schemeClr>
+        </a:solidFill>
+        <a:round/>
+      </a:ln>
+    </cs:spPr>
+  </cs:downBar>
+  <cs:dropLine>
+    <cs:lnRef idx="0"/>
+    <cs:fillRef idx="0"/>
+    <cs:effectRef idx="0"/>
+    <cs:fontRef idx="minor">
+      <a:schemeClr val="tx1"/>
+    </cs:fontRef>
+    <cs:spPr>
+      <a:ln w="9525" cap="flat" cmpd="sng" algn="ctr">
+        <a:solidFill>
+          <a:schemeClr val="tx1">
+            <a:lumMod val="35000"/>
+            <a:lumOff val="65000"/>
+          </a:schemeClr>
+        </a:solidFill>
+        <a:round/>
+      </a:ln>
+    </cs:spPr>
+  </cs:dropLine>
+  <cs:errorBar>
+    <cs:lnRef idx="0"/>
+    <cs:fillRef idx="0"/>
+    <cs:effectRef idx="0"/>
+    <cs:fontRef idx="minor">
+      <a:schemeClr val="tx1"/>
+    </cs:fontRef>
+    <cs:spPr>
+      <a:ln w="9525" cap="flat" cmpd="sng" algn="ctr">
+        <a:solidFill>
+          <a:schemeClr val="tx1">
+            <a:lumMod val="65000"/>
+            <a:lumOff val="35000"/>
+          </a:schemeClr>
+        </a:solidFill>
+        <a:round/>
+      </a:ln>
+    </cs:spPr>
+  </cs:errorBar>
+  <cs:floor>
+    <cs:lnRef idx="0"/>
+    <cs:fillRef idx="0"/>
+    <cs:effectRef idx="0"/>
+    <cs:fontRef idx="minor">
+      <a:schemeClr val="tx1"/>
+    </cs:fontRef>
+    <cs:spPr>
+      <a:noFill/>
+      <a:ln>
+        <a:noFill/>
+      </a:ln>
+    </cs:spPr>
+  </cs:floor>
+  <cs:gridlineMajor>
+    <cs:lnRef idx="0"/>
+    <cs:fillRef idx="0"/>
+    <cs:effectRef idx="0"/>
+    <cs:fontRef idx="minor">
+      <a:schemeClr val="tx1"/>
+    </cs:fontRef>
+    <cs:spPr>
+      <a:ln w="9525" cap="flat" cmpd="sng" algn="ctr">
+        <a:solidFill>
+          <a:schemeClr val="tx1">
+            <a:lumMod val="15000"/>
+            <a:lumOff val="85000"/>
+          </a:schemeClr>
+        </a:solidFill>
+        <a:round/>
+      </a:ln>
+    </cs:spPr>
+  </cs:gridlineMajor>
+  <cs:gridlineMinor>
+    <cs:lnRef idx="0"/>
+    <cs:fillRef idx="0"/>
+    <cs:effectRef idx="0"/>
+    <cs:fontRef idx="minor">
+      <a:schemeClr val="tx1"/>
+    </cs:fontRef>
+    <cs:spPr>
+      <a:ln w="9525" cap="flat" cmpd="sng" algn="ctr">
+        <a:solidFill>
+          <a:schemeClr val="tx1">
+            <a:lumMod val="5000"/>
+            <a:lumOff val="95000"/>
+          </a:schemeClr>
+        </a:solidFill>
+        <a:round/>
+      </a:ln>
+    </cs:spPr>
+  </cs:gridlineMinor>
+  <cs:hiLoLine>
+    <cs:lnRef idx="0"/>
+    <cs:fillRef idx="0"/>
+    <cs:effectRef idx="0"/>
+    <cs:fontRef idx="minor">
+      <a:schemeClr val="tx1"/>
+    </cs:fontRef>
+    <cs:spPr>
+      <a:ln w="9525" cap="flat" cmpd="sng" algn="ctr">
+        <a:solidFill>
+          <a:schemeClr val="tx1">
+            <a:lumMod val="50000"/>
+            <a:lumOff val="50000"/>
+          </a:schemeClr>
+        </a:solidFill>
+        <a:round/>
+      </a:ln>
+    </cs:spPr>
+  </cs:hiLoLine>
+  <cs:leaderLine>
+    <cs:lnRef idx="0"/>
+    <cs:fillRef idx="0"/>
+    <cs:effectRef idx="0"/>
+    <cs:fontRef idx="minor">
+      <a:schemeClr val="tx1"/>
+    </cs:fontRef>
+    <cs:spPr>
+      <a:ln w="9525" cap="flat" cmpd="sng" algn="ctr">
+        <a:solidFill>
+          <a:schemeClr val="tx1">
+            <a:lumMod val="35000"/>
+            <a:lumOff val="65000"/>
+          </a:schemeClr>
+        </a:solidFill>
+        <a:round/>
+      </a:ln>
+    </cs:spPr>
+  </cs:leaderLine>
+  <cs:legend>
+    <cs:lnRef idx="0"/>
+    <cs:fillRef idx="0"/>
+    <cs:effectRef idx="0"/>
+    <cs:fontRef idx="minor">
+      <a:schemeClr val="tx1">
+        <a:lumMod val="65000"/>
+        <a:lumOff val="35000"/>
+      </a:schemeClr>
+    </cs:fontRef>
+    <cs:defRPr sz="1197" kern="1200"/>
+  </cs:legend>
+  <cs:plotArea mods="allowNoFillOverride allowNoLineOverride">
+    <cs:lnRef idx="0"/>
+    <cs:fillRef idx="0"/>
+    <cs:effectRef idx="0"/>
+    <cs:fontRef idx="minor">
+      <a:schemeClr val="tx1"/>
+    </cs:fontRef>
+  </cs:plotArea>
+  <cs:plotArea3D mods="allowNoFillOverride allowNoLineOverride">
+    <cs:lnRef idx="0"/>
+    <cs:fillRef idx="0"/>
+    <cs:effectRef idx="0"/>
+    <cs:fontRef idx="minor">
+      <a:schemeClr val="tx1"/>
+    </cs:fontRef>
+  </cs:plotArea3D>
+  <cs:seriesAxis>
+    <cs:lnRef idx="0"/>
+    <cs:fillRef idx="0"/>
+    <cs:effectRef idx="0"/>
+    <cs:fontRef idx="minor">
+      <a:schemeClr val="tx1">
+        <a:lumMod val="65000"/>
+        <a:lumOff val="35000"/>
+      </a:schemeClr>
+    </cs:fontRef>
+    <cs:defRPr sz="1197" kern="1200"/>
+  </cs:seriesAxis>
+  <cs:seriesLine>
+    <cs:lnRef idx="0"/>
+    <cs:fillRef idx="0"/>
+    <cs:effectRef idx="0"/>
+    <cs:fontRef idx="minor">
+      <a:schemeClr val="tx1"/>
+    </cs:fontRef>
+    <cs:spPr>
+      <a:ln w="9525" cap="flat" cmpd="sng" algn="ctr">
+        <a:solidFill>
+          <a:schemeClr val="tx1">
+            <a:lumMod val="35000"/>
+            <a:lumOff val="65000"/>
+          </a:schemeClr>
+        </a:solidFill>
+        <a:round/>
+      </a:ln>
+    </cs:spPr>
+  </cs:seriesLine>
+  <cs:title>
+    <cs:lnRef idx="0"/>
+    <cs:fillRef idx="0"/>
+    <cs:effectRef idx="0"/>
+    <cs:fontRef idx="minor">
+      <a:schemeClr val="tx1">
+        <a:lumMod val="65000"/>
+        <a:lumOff val="35000"/>
+      </a:schemeClr>
+    </cs:fontRef>
+    <cs:defRPr sz="1862" b="0" kern="1200" spc="0" baseline="0"/>
+  </cs:title>
+  <cs:trendline>
+    <cs:lnRef idx="0">
+      <cs:styleClr val="auto"/>
+    </cs:lnRef>
+    <cs:fillRef idx="0"/>
+    <cs:effectRef idx="0"/>
+    <cs:fontRef idx="minor">
+      <a:schemeClr val="tx1"/>
+    </cs:fontRef>
+    <cs:spPr>
+      <a:ln w="19050" cap="rnd">
+        <a:solidFill>
+          <a:schemeClr val="phClr"/>
+        </a:solidFill>
+        <a:prstDash val="sysDot"/>
+      </a:ln>
+    </cs:spPr>
+  </cs:trendline>
+  <cs:trendlineLabel>
+    <cs:lnRef idx="0"/>
+    <cs:fillRef idx="0"/>
+    <cs:effectRef idx="0"/>
+    <cs:fontRef idx="minor">
+      <a:schemeClr val="tx1">
+        <a:lumMod val="65000"/>
+        <a:lumOff val="35000"/>
+      </a:schemeClr>
+    </cs:fontRef>
+    <cs:defRPr sz="1197" kern="1200"/>
+  </cs:trendlineLabel>
+  <cs:upBar>
+    <cs:lnRef idx="0"/>
+    <cs:fillRef idx="0"/>
+    <cs:effectRef idx="0"/>
+    <cs:fontRef idx="minor">
+      <a:schemeClr val="tx1"/>
+    </cs:fontRef>
+    <cs:spPr>
+      <a:solidFill>
+        <a:schemeClr val="lt1"/>
+      </a:solidFill>
+      <a:ln w="9525" cap="flat" cmpd="sng" algn="ctr">
+        <a:solidFill>
+          <a:schemeClr val="tx1">
+            <a:lumMod val="65000"/>
+            <a:lumOff val="35000"/>
+          </a:schemeClr>
+        </a:solidFill>
+        <a:round/>
+      </a:ln>
+    </cs:spPr>
+  </cs:upBar>
+  <cs:valueAxis>
+    <cs:lnRef idx="0"/>
+    <cs:fillRef idx="0"/>
+    <cs:effectRef idx="0"/>
+    <cs:fontRef idx="minor">
+      <a:schemeClr val="tx1">
+        <a:lumMod val="65000"/>
+        <a:lumOff val="35000"/>
+      </a:schemeClr>
+    </cs:fontRef>
+    <cs:spPr>
+      <a:ln w="9525" cap="flat" cmpd="sng" algn="ctr">
+        <a:solidFill>
+          <a:schemeClr val="tx1">
+            <a:lumMod val="25000"/>
+            <a:lumOff val="75000"/>
+          </a:schemeClr>
+        </a:solidFill>
+        <a:round/>
+      </a:ln>
+    </cs:spPr>
+    <cs:defRPr sz="1197" kern="1200"/>
+  </cs:valueAxis>
+  <cs:wall>
+    <cs:lnRef idx="0"/>
+    <cs:fillRef idx="0"/>
+    <cs:effectRef idx="0"/>
+    <cs:fontRef idx="minor">
+      <a:schemeClr val="tx1"/>
+    </cs:fontRef>
+    <cs:spPr>
+      <a:noFill/>
+      <a:ln>
+        <a:noFill/>
+      </a:ln>
+    </cs:spPr>
+  </cs:wall>
+</cs:chartStyle>
+</file>
+
+<file path=ppt/charts/style5.xml><?xml version="1.0" encoding="utf-8"?>
+<cs:chartStyle xmlns:cs="http://schemas.microsoft.com/office/drawing/2012/chartStyle" xmlns:a="http://schemas.openxmlformats.org/drawingml/2006/main" id="240">
+  <cs:axisTitle>
+    <cs:lnRef idx="0"/>
+    <cs:fillRef idx="0"/>
+    <cs:effectRef idx="0"/>
+    <cs:fontRef idx="minor">
+      <a:schemeClr val="tx1">
+        <a:lumMod val="65000"/>
+        <a:lumOff val="35000"/>
+      </a:schemeClr>
+    </cs:fontRef>
+    <cs:defRPr sz="1330" kern="1200"/>
+  </cs:axisTitle>
+  <cs:categoryAxis>
+    <cs:lnRef idx="0"/>
+    <cs:fillRef idx="0"/>
+    <cs:effectRef idx="0"/>
+    <cs:fontRef idx="minor">
+      <a:schemeClr val="tx1">
+        <a:lumMod val="65000"/>
+        <a:lumOff val="35000"/>
+      </a:schemeClr>
+    </cs:fontRef>
+    <cs:spPr>
+      <a:ln w="9525" cap="flat" cmpd="sng" algn="ctr">
+        <a:solidFill>
+          <a:schemeClr val="tx1">
+            <a:lumMod val="25000"/>
+            <a:lumOff val="75000"/>
+          </a:schemeClr>
+        </a:solidFill>
+        <a:round/>
+      </a:ln>
+    </cs:spPr>
+    <cs:defRPr sz="1197" kern="1200"/>
+  </cs:categoryAxis>
+  <cs:chartArea mods="allowNoFillOverride allowNoLineOverride">
+    <cs:lnRef idx="0"/>
+    <cs:fillRef idx="0"/>
+    <cs:effectRef idx="0"/>
+    <cs:fontRef idx="minor">
+      <a:schemeClr val="tx1"/>
+    </cs:fontRef>
+    <cs:spPr>
+      <a:solidFill>
+        <a:schemeClr val="bg1"/>
+      </a:solidFill>
+      <a:ln w="9525" cap="flat" cmpd="sng" algn="ctr">
+        <a:solidFill>
+          <a:schemeClr val="tx1">
+            <a:lumMod val="15000"/>
+            <a:lumOff val="85000"/>
+          </a:schemeClr>
+        </a:solidFill>
+        <a:round/>
+      </a:ln>
+    </cs:spPr>
+    <cs:defRPr sz="1330" kern="1200"/>
+  </cs:chartArea>
+  <cs:dataLabel>
+    <cs:lnRef idx="0"/>
+    <cs:fillRef idx="0"/>
+    <cs:effectRef idx="0"/>
+    <cs:fontRef idx="minor">
+      <a:schemeClr val="tx1">
+        <a:lumMod val="75000"/>
+        <a:lumOff val="25000"/>
+      </a:schemeClr>
+    </cs:fontRef>
+    <cs:defRPr sz="1197" kern="1200"/>
+  </cs:dataLabel>
+  <cs:dataLabelCallout>
+    <cs:lnRef idx="0"/>
+    <cs:fillRef idx="0"/>
+    <cs:effectRef idx="0"/>
+    <cs:fontRef idx="minor">
+      <a:schemeClr val="dk1">
+        <a:lumMod val="65000"/>
+        <a:lumOff val="35000"/>
+      </a:schemeClr>
+    </cs:fontRef>
+    <cs:spPr>
+      <a:solidFill>
+        <a:schemeClr val="lt1"/>
+      </a:solidFill>
+      <a:ln>
+        <a:solidFill>
+          <a:schemeClr val="dk1">
+            <a:lumMod val="25000"/>
+            <a:lumOff val="75000"/>
+          </a:schemeClr>
+        </a:solidFill>
+      </a:ln>
+    </cs:spPr>
+    <cs:defRPr sz="1197" kern="1200"/>
+    <cs:bodyPr rot="0" spcFirstLastPara="1" vertOverflow="clip" horzOverflow="clip" vert="horz" wrap="square" lIns="36576" tIns="18288" rIns="36576" bIns="18288" anchor="ctr" anchorCtr="1">
+      <a:spAutoFit/>
+    </cs:bodyPr>
+  </cs:dataLabelCallout>
+  <cs:dataPoint>
+    <cs:lnRef idx="0"/>
+    <cs:fillRef idx="1">
+      <cs:styleClr val="auto"/>
+    </cs:fillRef>
+    <cs:effectRef idx="0"/>
+    <cs:fontRef idx="minor">
+      <a:schemeClr val="tx1"/>
+    </cs:fontRef>
+  </cs:dataPoint>
+  <cs:dataPoint3D>
+    <cs:lnRef idx="0"/>
+    <cs:fillRef idx="1">
+      <cs:styleClr val="auto"/>
+    </cs:fillRef>
+    <cs:effectRef idx="0"/>
+    <cs:fontRef idx="minor">
+      <a:schemeClr val="tx1"/>
+    </cs:fontRef>
+  </cs:dataPoint3D>
+  <cs:dataPointLine>
+    <cs:lnRef idx="0">
+      <cs:styleClr val="auto"/>
+    </cs:lnRef>
+    <cs:fillRef idx="1"/>
+    <cs:effectRef idx="0"/>
+    <cs:fontRef idx="minor">
+      <a:schemeClr val="tx1"/>
+    </cs:fontRef>
+    <cs:spPr>
+      <a:ln w="19050" cap="rnd">
+        <a:solidFill>
+          <a:schemeClr val="phClr"/>
+        </a:solidFill>
+        <a:round/>
+      </a:ln>
+    </cs:spPr>
+  </cs:dataPointLine>
+  <cs:dataPointMarker>
+    <cs:lnRef idx="0">
+      <cs:styleClr val="auto"/>
+    </cs:lnRef>
+    <cs:fillRef idx="1">
+      <cs:styleClr val="auto"/>
+    </cs:fillRef>
+    <cs:effectRef idx="0"/>
+    <cs:fontRef idx="minor">
+      <a:schemeClr val="tx1"/>
+    </cs:fontRef>
+    <cs:spPr>
+      <a:ln w="9525">
+        <a:solidFill>
+          <a:schemeClr val="phClr"/>
+        </a:solidFill>
+      </a:ln>
+    </cs:spPr>
+  </cs:dataPointMarker>
+  <cs:dataPointMarkerLayout symbol="circle" size="5"/>
+  <cs:dataPointWireframe>
+    <cs:lnRef idx="0">
+      <cs:styleClr val="auto"/>
+    </cs:lnRef>
+    <cs:fillRef idx="0"/>
+    <cs:effectRef idx="0"/>
+    <cs:fontRef idx="minor">
+      <a:schemeClr val="dk1"/>
+    </cs:fontRef>
+    <cs:spPr>
+      <a:ln w="9525" cap="rnd">
+        <a:solidFill>
+          <a:schemeClr val="phClr"/>
+        </a:solidFill>
+        <a:round/>
+      </a:ln>
+    </cs:spPr>
+  </cs:dataPointWireframe>
+  <cs:dataTable>
+    <cs:lnRef idx="0"/>
+    <cs:fillRef idx="0"/>
+    <cs:effectRef idx="0"/>
+    <cs:fontRef idx="minor">
+      <a:schemeClr val="tx1">
+        <a:lumMod val="65000"/>
+        <a:lumOff val="35000"/>
+      </a:schemeClr>
+    </cs:fontRef>
+    <cs:spPr>
+      <a:noFill/>
+      <a:ln w="9525" cap="flat" cmpd="sng" algn="ctr">
+        <a:solidFill>
+          <a:schemeClr val="tx1">
+            <a:lumMod val="15000"/>
+            <a:lumOff val="85000"/>
+          </a:schemeClr>
+        </a:solidFill>
+        <a:round/>
+      </a:ln>
+    </cs:spPr>
+    <cs:defRPr sz="1197" kern="1200"/>
+  </cs:dataTable>
+  <cs:downBar>
+    <cs:lnRef idx="0"/>
+    <cs:fillRef idx="0"/>
+    <cs:effectRef idx="0"/>
+    <cs:fontRef idx="minor">
+      <a:schemeClr val="tx1"/>
+    </cs:fontRef>
+    <cs:spPr>
+      <a:solidFill>
+        <a:schemeClr val="dk1">
+          <a:lumMod val="75000"/>
+          <a:lumOff val="25000"/>
+        </a:schemeClr>
+      </a:solidFill>
+      <a:ln w="9525" cap="flat" cmpd="sng" algn="ctr">
+        <a:solidFill>
+          <a:schemeClr val="tx1">
+            <a:lumMod val="65000"/>
+            <a:lumOff val="35000"/>
+          </a:schemeClr>
+        </a:solidFill>
+        <a:round/>
+      </a:ln>
+    </cs:spPr>
+  </cs:downBar>
+  <cs:dropLine>
+    <cs:lnRef idx="0"/>
+    <cs:fillRef idx="0"/>
+    <cs:effectRef idx="0"/>
+    <cs:fontRef idx="minor">
+      <a:schemeClr val="tx1"/>
+    </cs:fontRef>
+    <cs:spPr>
+      <a:ln w="9525" cap="flat" cmpd="sng" algn="ctr">
+        <a:solidFill>
+          <a:schemeClr val="tx1">
+            <a:lumMod val="35000"/>
+            <a:lumOff val="65000"/>
+          </a:schemeClr>
+        </a:solidFill>
+        <a:round/>
+      </a:ln>
+    </cs:spPr>
+  </cs:dropLine>
+  <cs:errorBar>
+    <cs:lnRef idx="0"/>
+    <cs:fillRef idx="0"/>
+    <cs:effectRef idx="0"/>
+    <cs:fontRef idx="minor">
+      <a:schemeClr val="tx1"/>
+    </cs:fontRef>
+    <cs:spPr>
+      <a:ln w="9525" cap="flat" cmpd="sng" algn="ctr">
+        <a:solidFill>
+          <a:schemeClr val="tx1">
+            <a:lumMod val="65000"/>
+            <a:lumOff val="35000"/>
+          </a:schemeClr>
+        </a:solidFill>
+        <a:round/>
+      </a:ln>
+    </cs:spPr>
+  </cs:errorBar>
+  <cs:floor>
+    <cs:lnRef idx="0"/>
+    <cs:fillRef idx="0"/>
+    <cs:effectRef idx="0"/>
+    <cs:fontRef idx="minor">
+      <a:schemeClr val="tx1"/>
+    </cs:fontRef>
+    <cs:spPr>
+      <a:noFill/>
+      <a:ln>
+        <a:noFill/>
+      </a:ln>
+    </cs:spPr>
+  </cs:floor>
+  <cs:gridlineMajor>
+    <cs:lnRef idx="0"/>
+    <cs:fillRef idx="0"/>
+    <cs:effectRef idx="0"/>
+    <cs:fontRef idx="minor">
+      <a:schemeClr val="tx1"/>
+    </cs:fontRef>
+    <cs:spPr>
+      <a:ln w="9525" cap="flat" cmpd="sng" algn="ctr">
+        <a:solidFill>
+          <a:schemeClr val="tx1">
+            <a:lumMod val="15000"/>
+            <a:lumOff val="85000"/>
+          </a:schemeClr>
+        </a:solidFill>
+        <a:round/>
+      </a:ln>
+    </cs:spPr>
+  </cs:gridlineMajor>
+  <cs:gridlineMinor>
+    <cs:lnRef idx="0"/>
+    <cs:fillRef idx="0"/>
+    <cs:effectRef idx="0"/>
+    <cs:fontRef idx="minor">
+      <a:schemeClr val="tx1"/>
+    </cs:fontRef>
+    <cs:spPr>
+      <a:ln w="9525" cap="flat" cmpd="sng" algn="ctr">
+        <a:solidFill>
+          <a:schemeClr val="tx1">
+            <a:lumMod val="5000"/>
+            <a:lumOff val="95000"/>
+          </a:schemeClr>
+        </a:solidFill>
+        <a:round/>
+      </a:ln>
+    </cs:spPr>
+  </cs:gridlineMinor>
+  <cs:hiLoLine>
+    <cs:lnRef idx="0"/>
+    <cs:fillRef idx="0"/>
+    <cs:effectRef idx="0"/>
+    <cs:fontRef idx="minor">
+      <a:schemeClr val="tx1"/>
+    </cs:fontRef>
+    <cs:spPr>
+      <a:ln w="9525" cap="flat" cmpd="sng" algn="ctr">
+        <a:solidFill>
+          <a:schemeClr val="tx1">
+            <a:lumMod val="50000"/>
+            <a:lumOff val="50000"/>
+          </a:schemeClr>
+        </a:solidFill>
+        <a:round/>
+      </a:ln>
+    </cs:spPr>
+  </cs:hiLoLine>
+  <cs:leaderLine>
+    <cs:lnRef idx="0"/>
+    <cs:fillRef idx="0"/>
+    <cs:effectRef idx="0"/>
+    <cs:fontRef idx="minor">
+      <a:schemeClr val="tx1"/>
+    </cs:fontRef>
+    <cs:spPr>
+      <a:ln w="9525" cap="flat" cmpd="sng" algn="ctr">
+        <a:solidFill>
+          <a:schemeClr val="tx1">
+            <a:lumMod val="35000"/>
+            <a:lumOff val="65000"/>
+          </a:schemeClr>
+        </a:solidFill>
+        <a:round/>
+      </a:ln>
+    </cs:spPr>
+  </cs:leaderLine>
+  <cs:legend>
+    <cs:lnRef idx="0"/>
+    <cs:fillRef idx="0"/>
+    <cs:effectRef idx="0"/>
+    <cs:fontRef idx="minor">
+      <a:schemeClr val="tx1">
+        <a:lumMod val="65000"/>
+        <a:lumOff val="35000"/>
+      </a:schemeClr>
+    </cs:fontRef>
+    <cs:defRPr sz="1197" kern="1200"/>
+  </cs:legend>
+  <cs:plotArea mods="allowNoFillOverride allowNoLineOverride">
+    <cs:lnRef idx="0"/>
+    <cs:fillRef idx="0"/>
+    <cs:effectRef idx="0"/>
+    <cs:fontRef idx="minor">
+      <a:schemeClr val="tx1"/>
+    </cs:fontRef>
+  </cs:plotArea>
+  <cs:plotArea3D mods="allowNoFillOverride allowNoLineOverride">
+    <cs:lnRef idx="0"/>
+    <cs:fillRef idx="0"/>
+    <cs:effectRef idx="0"/>
+    <cs:fontRef idx="minor">
+      <a:schemeClr val="tx1"/>
+    </cs:fontRef>
+  </cs:plotArea3D>
+  <cs:seriesAxis>
+    <cs:lnRef idx="0"/>
+    <cs:fillRef idx="0"/>
+    <cs:effectRef idx="0"/>
+    <cs:fontRef idx="minor">
+      <a:schemeClr val="tx1">
+        <a:lumMod val="65000"/>
+        <a:lumOff val="35000"/>
+      </a:schemeClr>
+    </cs:fontRef>
+    <cs:defRPr sz="1197" kern="1200"/>
+  </cs:seriesAxis>
+  <cs:seriesLine>
+    <cs:lnRef idx="0"/>
+    <cs:fillRef idx="0"/>
+    <cs:effectRef idx="0"/>
+    <cs:fontRef idx="minor">
+      <a:schemeClr val="tx1"/>
+    </cs:fontRef>
+    <cs:spPr>
+      <a:ln w="9525" cap="flat" cmpd="sng" algn="ctr">
+        <a:solidFill>
+          <a:schemeClr val="tx1">
+            <a:lumMod val="35000"/>
+            <a:lumOff val="65000"/>
+          </a:schemeClr>
+        </a:solidFill>
+        <a:round/>
+      </a:ln>
+    </cs:spPr>
+  </cs:seriesLine>
+  <cs:title>
+    <cs:lnRef idx="0"/>
+    <cs:fillRef idx="0"/>
+    <cs:effectRef idx="0"/>
+    <cs:fontRef idx="minor">
+      <a:schemeClr val="tx1">
+        <a:lumMod val="65000"/>
+        <a:lumOff val="35000"/>
+      </a:schemeClr>
+    </cs:fontRef>
+    <cs:defRPr sz="1862" b="0" kern="1200" spc="0" baseline="0"/>
+  </cs:title>
+  <cs:trendline>
+    <cs:lnRef idx="0">
+      <cs:styleClr val="auto"/>
+    </cs:lnRef>
+    <cs:fillRef idx="0"/>
+    <cs:effectRef idx="0"/>
+    <cs:fontRef idx="minor">
+      <a:schemeClr val="tx1"/>
+    </cs:fontRef>
+    <cs:spPr>
+      <a:ln w="19050" cap="rnd">
+        <a:solidFill>
+          <a:schemeClr val="phClr"/>
+        </a:solidFill>
+        <a:prstDash val="sysDot"/>
+      </a:ln>
+    </cs:spPr>
+  </cs:trendline>
+  <cs:trendlineLabel>
+    <cs:lnRef idx="0"/>
+    <cs:fillRef idx="0"/>
+    <cs:effectRef idx="0"/>
+    <cs:fontRef idx="minor">
+      <a:schemeClr val="tx1">
+        <a:lumMod val="65000"/>
+        <a:lumOff val="35000"/>
+      </a:schemeClr>
+    </cs:fontRef>
+    <cs:defRPr sz="1197" kern="1200"/>
+  </cs:trendlineLabel>
+  <cs:upBar>
+    <cs:lnRef idx="0"/>
+    <cs:fillRef idx="0"/>
+    <cs:effectRef idx="0"/>
+    <cs:fontRef idx="minor">
+      <a:schemeClr val="tx1"/>
+    </cs:fontRef>
+    <cs:spPr>
+      <a:solidFill>
+        <a:schemeClr val="lt1"/>
+      </a:solidFill>
+      <a:ln w="9525" cap="flat" cmpd="sng" algn="ctr">
+        <a:solidFill>
+          <a:schemeClr val="tx1">
+            <a:lumMod val="65000"/>
+            <a:lumOff val="35000"/>
+          </a:schemeClr>
+        </a:solidFill>
+        <a:round/>
+      </a:ln>
+    </cs:spPr>
+  </cs:upBar>
+  <cs:valueAxis>
+    <cs:lnRef idx="0"/>
+    <cs:fillRef idx="0"/>
+    <cs:effectRef idx="0"/>
+    <cs:fontRef idx="minor">
+      <a:schemeClr val="tx1">
+        <a:lumMod val="65000"/>
+        <a:lumOff val="35000"/>
+      </a:schemeClr>
+    </cs:fontRef>
+    <cs:spPr>
+      <a:ln w="9525" cap="flat" cmpd="sng" algn="ctr">
+        <a:solidFill>
+          <a:schemeClr val="tx1">
+            <a:lumMod val="25000"/>
+            <a:lumOff val="75000"/>
+          </a:schemeClr>
+        </a:solidFill>
+        <a:round/>
+      </a:ln>
+    </cs:spPr>
+    <cs:defRPr sz="1197" kern="1200"/>
+  </cs:valueAxis>
+  <cs:wall>
+    <cs:lnRef idx="0"/>
+    <cs:fillRef idx="0"/>
+    <cs:effectRef idx="0"/>
+    <cs:fontRef idx="minor">
+      <a:schemeClr val="tx1"/>
+    </cs:fontRef>
+    <cs:spPr>
+      <a:noFill/>
+      <a:ln>
+        <a:noFill/>
+      </a:ln>
+    </cs:spPr>
+  </cs:wall>
+</cs:chartStyle>
+</file>
+
+<file path=ppt/notesMasters/notesMaster1.xml><?xml version="1.0" encoding="utf-8"?>
+<p:notesMaster xmlns:a="http://schemas.openxmlformats.org/drawingml/2006/main" xmlns:r="http://schemas.openxmlformats.org/officeDocument/2006/relationships" xmlns:p="http://schemas.openxmlformats.org/presentationml/2006/main">
+  <p:cSld>
+    <p:bg>
+      <p:bgRef idx="1001">
+        <a:schemeClr val="bg1"/>
+      </p:bgRef>
+    </p:bg>
+    <p:spTree>
+      <p:nvGrpSpPr>
+        <p:cNvPr id="1" name=""/>
+        <p:cNvGrpSpPr/>
+        <p:nvPr/>
+      </p:nvGrpSpPr>
+      <p:grpSpPr>
+        <a:xfrm>
+          <a:off x="0" y="0"/>
+          <a:ext cx="0" cy="0"/>
+          <a:chOff x="0" y="0"/>
+          <a:chExt cx="0" cy="0"/>
+        </a:xfrm>
+      </p:grpSpPr>
+      <p:sp>
+        <p:nvSpPr>
+          <p:cNvPr id="2" name="ヘッダー プレースホルダー 1"/>
+          <p:cNvSpPr>
+            <a:spLocks noGrp="1"/>
+          </p:cNvSpPr>
+          <p:nvPr>
+            <p:ph type="hdr" sz="quarter"/>
+          </p:nvPr>
+        </p:nvSpPr>
+        <p:spPr>
+          <a:xfrm>
+            <a:off x="0" y="0"/>
+            <a:ext cx="2971800" cy="458788"/>
+          </a:xfrm>
+          <a:prstGeom prst="rect">
+            <a:avLst/>
+          </a:prstGeom>
+        </p:spPr>
+        <p:txBody>
+          <a:bodyPr vert="horz" lIns="91440" tIns="45720" rIns="91440" bIns="45720" rtlCol="0"/>
+          <a:lstStyle>
+            <a:lvl1pPr algn="l">
+              <a:defRPr sz="1200"/>
+            </a:lvl1pPr>
+          </a:lstStyle>
+          <a:p>
+            <a:endParaRPr kumimoji="1" lang="ja-JP" altLang="en-US"/>
+          </a:p>
+        </p:txBody>
+      </p:sp>
+      <p:sp>
+        <p:nvSpPr>
+          <p:cNvPr id="3" name="日付プレースホルダー 2"/>
+          <p:cNvSpPr>
+            <a:spLocks noGrp="1"/>
+          </p:cNvSpPr>
+          <p:nvPr>
+            <p:ph type="dt" idx="1"/>
+          </p:nvPr>
+        </p:nvSpPr>
+        <p:spPr>
+          <a:xfrm>
+            <a:off x="3884613" y="0"/>
+            <a:ext cx="2971800" cy="458788"/>
+          </a:xfrm>
+          <a:prstGeom prst="rect">
+            <a:avLst/>
+          </a:prstGeom>
+        </p:spPr>
+        <p:txBody>
+          <a:bodyPr vert="horz" lIns="91440" tIns="45720" rIns="91440" bIns="45720" rtlCol="0"/>
+          <a:lstStyle>
+            <a:lvl1pPr algn="r">
+              <a:defRPr sz="1200"/>
+            </a:lvl1pPr>
+          </a:lstStyle>
+          <a:p>
+            <a:fld id="{DBCE6A48-A1FA-4309-971F-250051ED802F}" type="datetimeFigureOut">
+              <a:rPr kumimoji="1" lang="ja-JP" altLang="en-US" smtClean="0"/>
+              <a:t>2024/2/12</a:t>
+            </a:fld>
+            <a:endParaRPr kumimoji="1" lang="ja-JP" altLang="en-US"/>
+          </a:p>
+        </p:txBody>
+      </p:sp>
+      <p:sp>
+        <p:nvSpPr>
+          <p:cNvPr id="4" name="スライド イメージ プレースホルダー 3"/>
+          <p:cNvSpPr>
+            <a:spLocks noGrp="1" noRot="1" noChangeAspect="1"/>
+          </p:cNvSpPr>
+          <p:nvPr>
+            <p:ph type="sldImg" idx="2"/>
+          </p:nvPr>
+        </p:nvSpPr>
+        <p:spPr>
+          <a:xfrm>
+            <a:off x="1885950" y="1143000"/>
+            <a:ext cx="3086100" cy="3086100"/>
+          </a:xfrm>
+          <a:prstGeom prst="rect">
+            <a:avLst/>
+          </a:prstGeom>
+          <a:noFill/>
+          <a:ln w="12700">
+            <a:solidFill>
+              <a:prstClr val="black"/>
+            </a:solidFill>
+          </a:ln>
+        </p:spPr>
+        <p:txBody>
+          <a:bodyPr vert="horz" lIns="91440" tIns="45720" rIns="91440" bIns="45720" rtlCol="0" anchor="ctr"/>
+          <a:lstStyle/>
+          <a:p>
+            <a:endParaRPr lang="ja-JP" altLang="en-US"/>
+          </a:p>
+        </p:txBody>
+      </p:sp>
+      <p:sp>
+        <p:nvSpPr>
+          <p:cNvPr id="5" name="ノート プレースホルダー 4"/>
+          <p:cNvSpPr>
+            <a:spLocks noGrp="1"/>
+          </p:cNvSpPr>
+          <p:nvPr>
+            <p:ph type="body" sz="quarter" idx="3"/>
+          </p:nvPr>
+        </p:nvSpPr>
+        <p:spPr>
+          <a:xfrm>
+            <a:off x="685800" y="4400550"/>
+            <a:ext cx="5486400" cy="3600450"/>
+          </a:xfrm>
+          <a:prstGeom prst="rect">
+            <a:avLst/>
+          </a:prstGeom>
+        </p:spPr>
+        <p:txBody>
+          <a:bodyPr vert="horz" lIns="91440" tIns="45720" rIns="91440" bIns="45720" rtlCol="0"/>
+          <a:lstStyle/>
+          <a:p>
+            <a:pPr lvl="0"/>
+            <a:r>
+              <a:rPr kumimoji="1" lang="ja-JP" altLang="en-US"/>
+              <a:t>マスター テキストの書式設定</a:t>
+            </a:r>
+          </a:p>
+          <a:p>
+            <a:pPr lvl="1"/>
+            <a:r>
+              <a:rPr kumimoji="1" lang="ja-JP" altLang="en-US"/>
+              <a:t>第 </a:t>
+            </a:r>
+            <a:r>
+              <a:rPr kumimoji="1" lang="en-US" altLang="ja-JP"/>
+              <a:t>2 </a:t>
+            </a:r>
+            <a:r>
+              <a:rPr kumimoji="1" lang="ja-JP" altLang="en-US"/>
+              <a:t>レベル</a:t>
+            </a:r>
+          </a:p>
+          <a:p>
+            <a:pPr lvl="2"/>
+            <a:r>
+              <a:rPr kumimoji="1" lang="ja-JP" altLang="en-US"/>
+              <a:t>第 </a:t>
+            </a:r>
+            <a:r>
+              <a:rPr kumimoji="1" lang="en-US" altLang="ja-JP"/>
+              <a:t>3 </a:t>
+            </a:r>
+            <a:r>
+              <a:rPr kumimoji="1" lang="ja-JP" altLang="en-US"/>
+              <a:t>レベル</a:t>
+            </a:r>
+          </a:p>
+          <a:p>
+            <a:pPr lvl="3"/>
+            <a:r>
+              <a:rPr kumimoji="1" lang="ja-JP" altLang="en-US"/>
+              <a:t>第 </a:t>
+            </a:r>
+            <a:r>
+              <a:rPr kumimoji="1" lang="en-US" altLang="ja-JP"/>
+              <a:t>4 </a:t>
+            </a:r>
+            <a:r>
+              <a:rPr kumimoji="1" lang="ja-JP" altLang="en-US"/>
+              <a:t>レベル</a:t>
+            </a:r>
+          </a:p>
+          <a:p>
+            <a:pPr lvl="4"/>
+            <a:r>
+              <a:rPr kumimoji="1" lang="ja-JP" altLang="en-US"/>
+              <a:t>第 </a:t>
+            </a:r>
+            <a:r>
+              <a:rPr kumimoji="1" lang="en-US" altLang="ja-JP"/>
+              <a:t>5 </a:t>
+            </a:r>
+            <a:r>
+              <a:rPr kumimoji="1" lang="ja-JP" altLang="en-US"/>
+              <a:t>レベル</a:t>
+            </a:r>
+          </a:p>
+        </p:txBody>
+      </p:sp>
+      <p:sp>
+        <p:nvSpPr>
+          <p:cNvPr id="6" name="フッター プレースホルダー 5"/>
+          <p:cNvSpPr>
+            <a:spLocks noGrp="1"/>
+          </p:cNvSpPr>
+          <p:nvPr>
+            <p:ph type="ftr" sz="quarter" idx="4"/>
+          </p:nvPr>
+        </p:nvSpPr>
+        <p:spPr>
+          <a:xfrm>
+            <a:off x="0" y="8685213"/>
+            <a:ext cx="2971800" cy="458787"/>
+          </a:xfrm>
+          <a:prstGeom prst="rect">
+            <a:avLst/>
+          </a:prstGeom>
+        </p:spPr>
+        <p:txBody>
+          <a:bodyPr vert="horz" lIns="91440" tIns="45720" rIns="91440" bIns="45720" rtlCol="0" anchor="b"/>
+          <a:lstStyle>
+            <a:lvl1pPr algn="l">
+              <a:defRPr sz="1200"/>
+            </a:lvl1pPr>
+          </a:lstStyle>
+          <a:p>
+            <a:endParaRPr kumimoji="1" lang="ja-JP" altLang="en-US"/>
+          </a:p>
+        </p:txBody>
+      </p:sp>
+      <p:sp>
+        <p:nvSpPr>
+          <p:cNvPr id="7" name="スライド番号プレースホルダー 6"/>
+          <p:cNvSpPr>
+            <a:spLocks noGrp="1"/>
+          </p:cNvSpPr>
+          <p:nvPr>
+            <p:ph type="sldNum" sz="quarter" idx="5"/>
+          </p:nvPr>
+        </p:nvSpPr>
+        <p:spPr>
+          <a:xfrm>
+            <a:off x="3884613" y="8685213"/>
+            <a:ext cx="2971800" cy="458787"/>
+          </a:xfrm>
+          <a:prstGeom prst="rect">
+            <a:avLst/>
+          </a:prstGeom>
+        </p:spPr>
+        <p:txBody>
+          <a:bodyPr vert="horz" lIns="91440" tIns="45720" rIns="91440" bIns="45720" rtlCol="0" anchor="b"/>
+          <a:lstStyle>
+            <a:lvl1pPr algn="r">
+              <a:defRPr sz="1200"/>
+            </a:lvl1pPr>
+          </a:lstStyle>
+          <a:p>
+            <a:fld id="{93781164-4F73-4C8E-B265-9C48118E51C3}" type="slidenum">
+              <a:rPr kumimoji="1" lang="ja-JP" altLang="en-US" smtClean="0"/>
+              <a:t>‹#›</a:t>
+            </a:fld>
+            <a:endParaRPr kumimoji="1" lang="ja-JP" altLang="en-US"/>
+          </a:p>
+        </p:txBody>
+      </p:sp>
+    </p:spTree>
+    <p:extLst>
+      <p:ext uri="{BB962C8B-B14F-4D97-AF65-F5344CB8AC3E}">
+        <p14:creationId xmlns:p14="http://schemas.microsoft.com/office/powerpoint/2010/main" val="185658199"/>
+      </p:ext>
+    </p:extLst>
+  </p:cSld>
+  <p:clrMap bg1="lt1" tx1="dk1" bg2="lt2" tx2="dk2" accent1="accent1" accent2="accent2" accent3="accent3" accent4="accent4" accent5="accent5" accent6="accent6" hlink="hlink" folHlink="folHlink"/>
+  <p:notesStyle>
+    <a:lvl1pPr marL="0" algn="l" defTabSz="914400" rtl="0" eaLnBrk="1" latinLnBrk="0" hangingPunct="1">
+      <a:defRPr kumimoji="1" sz="1200" kern="1200">
+        <a:solidFill>
+          <a:schemeClr val="tx1"/>
+        </a:solidFill>
+        <a:latin typeface="+mn-lt"/>
+        <a:ea typeface="+mn-ea"/>
+        <a:cs typeface="+mn-cs"/>
+      </a:defRPr>
+    </a:lvl1pPr>
+    <a:lvl2pPr marL="457200" algn="l" defTabSz="914400" rtl="0" eaLnBrk="1" latinLnBrk="0" hangingPunct="1">
+      <a:defRPr kumimoji="1" sz="1200" kern="1200">
+        <a:solidFill>
+          <a:schemeClr val="tx1"/>
+        </a:solidFill>
+        <a:latin typeface="+mn-lt"/>
+        <a:ea typeface="+mn-ea"/>
+        <a:cs typeface="+mn-cs"/>
+      </a:defRPr>
+    </a:lvl2pPr>
+    <a:lvl3pPr marL="914400" algn="l" defTabSz="914400" rtl="0" eaLnBrk="1" latinLnBrk="0" hangingPunct="1">
+      <a:defRPr kumimoji="1" sz="1200" kern="1200">
+        <a:solidFill>
+          <a:schemeClr val="tx1"/>
+        </a:solidFill>
+        <a:latin typeface="+mn-lt"/>
+        <a:ea typeface="+mn-ea"/>
+        <a:cs typeface="+mn-cs"/>
+      </a:defRPr>
+    </a:lvl3pPr>
+    <a:lvl4pPr marL="1371600" algn="l" defTabSz="914400" rtl="0" eaLnBrk="1" latinLnBrk="0" hangingPunct="1">
+      <a:defRPr kumimoji="1" sz="1200" kern="1200">
+        <a:solidFill>
+          <a:schemeClr val="tx1"/>
+        </a:solidFill>
+        <a:latin typeface="+mn-lt"/>
+        <a:ea typeface="+mn-ea"/>
+        <a:cs typeface="+mn-cs"/>
+      </a:defRPr>
+    </a:lvl4pPr>
+    <a:lvl5pPr marL="1828800" algn="l" defTabSz="914400" rtl="0" eaLnBrk="1" latinLnBrk="0" hangingPunct="1">
+      <a:defRPr kumimoji="1" sz="1200" kern="1200">
+        <a:solidFill>
+          <a:schemeClr val="tx1"/>
+        </a:solidFill>
+        <a:latin typeface="+mn-lt"/>
+        <a:ea typeface="+mn-ea"/>
+        <a:cs typeface="+mn-cs"/>
+      </a:defRPr>
+    </a:lvl5pPr>
+    <a:lvl6pPr marL="2286000" algn="l" defTabSz="914400" rtl="0" eaLnBrk="1" latinLnBrk="0" hangingPunct="1">
+      <a:defRPr kumimoji="1" sz="1200" kern="1200">
+        <a:solidFill>
+          <a:schemeClr val="tx1"/>
+        </a:solidFill>
+        <a:latin typeface="+mn-lt"/>
+        <a:ea typeface="+mn-ea"/>
+        <a:cs typeface="+mn-cs"/>
+      </a:defRPr>
+    </a:lvl6pPr>
+    <a:lvl7pPr marL="2743200" algn="l" defTabSz="914400" rtl="0" eaLnBrk="1" latinLnBrk="0" hangingPunct="1">
+      <a:defRPr kumimoji="1" sz="1200" kern="1200">
+        <a:solidFill>
+          <a:schemeClr val="tx1"/>
+        </a:solidFill>
+        <a:latin typeface="+mn-lt"/>
+        <a:ea typeface="+mn-ea"/>
+        <a:cs typeface="+mn-cs"/>
+      </a:defRPr>
+    </a:lvl7pPr>
+    <a:lvl8pPr marL="3200400" algn="l" defTabSz="914400" rtl="0" eaLnBrk="1" latinLnBrk="0" hangingPunct="1">
+      <a:defRPr kumimoji="1" sz="1200" kern="1200">
+        <a:solidFill>
+          <a:schemeClr val="tx1"/>
+        </a:solidFill>
+        <a:latin typeface="+mn-lt"/>
+        <a:ea typeface="+mn-ea"/>
+        <a:cs typeface="+mn-cs"/>
+      </a:defRPr>
+    </a:lvl8pPr>
+    <a:lvl9pPr marL="3657600" algn="l" defTabSz="914400" rtl="0" eaLnBrk="1" latinLnBrk="0" hangingPunct="1">
+      <a:defRPr kumimoji="1" sz="1200" kern="1200">
+        <a:solidFill>
+          <a:schemeClr val="tx1"/>
+        </a:solidFill>
+        <a:latin typeface="+mn-lt"/>
+        <a:ea typeface="+mn-ea"/>
+        <a:cs typeface="+mn-cs"/>
+      </a:defRPr>
+    </a:lvl9pPr>
+  </p:notesStyle>
+</p:notesMaster>
+</file>
+
+<file path=ppt/notesSlides/notesSlide1.xml><?xml version="1.0" encoding="utf-8"?>
+<p:notes xmlns:a="http://schemas.openxmlformats.org/drawingml/2006/main" xmlns:r="http://schemas.openxmlformats.org/officeDocument/2006/relationships" xmlns:p="http://schemas.openxmlformats.org/presentationml/2006/main">
+  <p:cSld>
+    <p:spTree>
+      <p:nvGrpSpPr>
+        <p:cNvPr id="1" name="">
+          <a:extLst>
+            <a:ext uri="{FF2B5EF4-FFF2-40B4-BE49-F238E27FC236}">
+              <a16:creationId xmlns:a16="http://schemas.microsoft.com/office/drawing/2014/main" id="{AFCBDC8B-F7F0-25AB-1A2B-B5C155765047}"/>
+            </a:ext>
+          </a:extLst>
+        </p:cNvPr>
+        <p:cNvGrpSpPr/>
+        <p:nvPr/>
+      </p:nvGrpSpPr>
+      <p:grpSpPr>
+        <a:xfrm>
+          <a:off x="0" y="0"/>
+          <a:ext cx="0" cy="0"/>
+          <a:chOff x="0" y="0"/>
+          <a:chExt cx="0" cy="0"/>
+        </a:xfrm>
+      </p:grpSpPr>
+      <p:sp>
+        <p:nvSpPr>
+          <p:cNvPr id="2" name="スライド イメージ プレースホルダー 1">
+            <a:extLst>
+              <a:ext uri="{FF2B5EF4-FFF2-40B4-BE49-F238E27FC236}">
+                <a16:creationId xmlns:a16="http://schemas.microsoft.com/office/drawing/2014/main" id="{9DEF2FF0-6D2D-EACA-B89B-E5870EAC0A07}"/>
+              </a:ext>
+            </a:extLst>
+          </p:cNvPr>
+          <p:cNvSpPr>
+            <a:spLocks noGrp="1" noRot="1" noChangeAspect="1"/>
+          </p:cNvSpPr>
+          <p:nvPr>
+            <p:ph type="sldImg"/>
+          </p:nvPr>
+        </p:nvSpPr>
+        <p:spPr>
+          <a:xfrm>
+            <a:off x="1885950" y="1143000"/>
+            <a:ext cx="3086100" cy="3086100"/>
+          </a:xfrm>
+        </p:spPr>
+      </p:sp>
+      <p:sp>
+        <p:nvSpPr>
+          <p:cNvPr id="3" name="ノート プレースホルダー 2">
+            <a:extLst>
+              <a:ext uri="{FF2B5EF4-FFF2-40B4-BE49-F238E27FC236}">
+                <a16:creationId xmlns:a16="http://schemas.microsoft.com/office/drawing/2014/main" id="{8C86DE3D-0EC7-BE81-A8FB-5AA18C052700}"/>
+              </a:ext>
+            </a:extLst>
+          </p:cNvPr>
+          <p:cNvSpPr>
+            <a:spLocks noGrp="1"/>
+          </p:cNvSpPr>
+          <p:nvPr>
+            <p:ph type="body" idx="1"/>
+          </p:nvPr>
+        </p:nvSpPr>
+        <p:spPr/>
+        <p:txBody>
+          <a:bodyPr/>
+          <a:lstStyle/>
+          <a:p>
+            <a:r>
+              <a:rPr kumimoji="1" lang="en-US" altLang="ja-JP" dirty="0"/>
+              <a:t>insert</a:t>
+            </a:r>
+            <a:endParaRPr kumimoji="1" lang="ja-JP" altLang="en-US" dirty="0"/>
+          </a:p>
+        </p:txBody>
+      </p:sp>
+      <p:sp>
+        <p:nvSpPr>
+          <p:cNvPr id="4" name="スライド番号プレースホルダー 3">
+            <a:extLst>
+              <a:ext uri="{FF2B5EF4-FFF2-40B4-BE49-F238E27FC236}">
+                <a16:creationId xmlns:a16="http://schemas.microsoft.com/office/drawing/2014/main" id="{728FB38E-DCE3-8157-7B37-0B023C583A02}"/>
+              </a:ext>
+            </a:extLst>
+          </p:cNvPr>
+          <p:cNvSpPr>
+            <a:spLocks noGrp="1"/>
+          </p:cNvSpPr>
+          <p:nvPr>
+            <p:ph type="sldNum" sz="quarter" idx="5"/>
+          </p:nvPr>
+        </p:nvSpPr>
+        <p:spPr/>
+        <p:txBody>
+          <a:bodyPr/>
+          <a:lstStyle/>
+          <a:p>
+            <a:fld id="{93781164-4F73-4C8E-B265-9C48118E51C3}" type="slidenum">
+              <a:rPr kumimoji="1" lang="ja-JP" altLang="en-US" smtClean="0"/>
+              <a:t>2</a:t>
+            </a:fld>
+            <a:endParaRPr kumimoji="1" lang="ja-JP" altLang="en-US"/>
+          </a:p>
+        </p:txBody>
+      </p:sp>
+    </p:spTree>
+    <p:extLst>
+      <p:ext uri="{BB962C8B-B14F-4D97-AF65-F5344CB8AC3E}">
+        <p14:creationId xmlns:p14="http://schemas.microsoft.com/office/powerpoint/2010/main" val="3734648819"/>
+      </p:ext>
+    </p:extLst>
+  </p:cSld>
+  <p:clrMapOvr>
+    <a:masterClrMapping/>
+  </p:clrMapOvr>
+</p:notes>
+</file>
+
+<file path=ppt/notesSlides/notesSlide2.xml><?xml version="1.0" encoding="utf-8"?>
+<p:notes xmlns:a="http://schemas.openxmlformats.org/drawingml/2006/main" xmlns:r="http://schemas.openxmlformats.org/officeDocument/2006/relationships" xmlns:p="http://schemas.openxmlformats.org/presentationml/2006/main">
+  <p:cSld>
+    <p:spTree>
+      <p:nvGrpSpPr>
+        <p:cNvPr id="1" name="">
+          <a:extLst>
+            <a:ext uri="{FF2B5EF4-FFF2-40B4-BE49-F238E27FC236}">
+              <a16:creationId xmlns:a16="http://schemas.microsoft.com/office/drawing/2014/main" id="{819340FC-F2F7-0BC2-6273-AC56A51D2A15}"/>
+            </a:ext>
+          </a:extLst>
+        </p:cNvPr>
+        <p:cNvGrpSpPr/>
+        <p:nvPr/>
+      </p:nvGrpSpPr>
+      <p:grpSpPr>
+        <a:xfrm>
+          <a:off x="0" y="0"/>
+          <a:ext cx="0" cy="0"/>
+          <a:chOff x="0" y="0"/>
+          <a:chExt cx="0" cy="0"/>
+        </a:xfrm>
+      </p:grpSpPr>
+      <p:sp>
+        <p:nvSpPr>
+          <p:cNvPr id="2" name="スライド イメージ プレースホルダー 1">
+            <a:extLst>
+              <a:ext uri="{FF2B5EF4-FFF2-40B4-BE49-F238E27FC236}">
+                <a16:creationId xmlns:a16="http://schemas.microsoft.com/office/drawing/2014/main" id="{32F9A9AC-74E8-2A85-9C62-249460B61C22}"/>
+              </a:ext>
+            </a:extLst>
+          </p:cNvPr>
+          <p:cNvSpPr>
+            <a:spLocks noGrp="1" noRot="1" noChangeAspect="1"/>
+          </p:cNvSpPr>
+          <p:nvPr>
+            <p:ph type="sldImg"/>
+          </p:nvPr>
+        </p:nvSpPr>
+        <p:spPr>
+          <a:xfrm>
+            <a:off x="1885950" y="1143000"/>
+            <a:ext cx="3086100" cy="3086100"/>
+          </a:xfrm>
+        </p:spPr>
+      </p:sp>
+      <p:sp>
+        <p:nvSpPr>
+          <p:cNvPr id="3" name="ノート プレースホルダー 2">
+            <a:extLst>
+              <a:ext uri="{FF2B5EF4-FFF2-40B4-BE49-F238E27FC236}">
+                <a16:creationId xmlns:a16="http://schemas.microsoft.com/office/drawing/2014/main" id="{7539FCFA-9E12-F24F-551B-7E7D40502B0C}"/>
+              </a:ext>
+            </a:extLst>
+          </p:cNvPr>
+          <p:cNvSpPr>
+            <a:spLocks noGrp="1"/>
+          </p:cNvSpPr>
+          <p:nvPr>
+            <p:ph type="body" idx="1"/>
+          </p:nvPr>
+        </p:nvSpPr>
+        <p:spPr/>
+        <p:txBody>
+          <a:bodyPr/>
+          <a:lstStyle/>
+          <a:p>
+            <a:r>
+              <a:rPr kumimoji="1" lang="en-US" altLang="ja-JP" dirty="0"/>
+              <a:t>insert</a:t>
+            </a:r>
+            <a:endParaRPr kumimoji="1" lang="ja-JP" altLang="en-US" dirty="0"/>
+          </a:p>
+        </p:txBody>
+      </p:sp>
+      <p:sp>
+        <p:nvSpPr>
+          <p:cNvPr id="4" name="スライド番号プレースホルダー 3">
+            <a:extLst>
+              <a:ext uri="{FF2B5EF4-FFF2-40B4-BE49-F238E27FC236}">
+                <a16:creationId xmlns:a16="http://schemas.microsoft.com/office/drawing/2014/main" id="{2264C69C-41D5-F3B1-0BE9-E66B8E5BE818}"/>
+              </a:ext>
+            </a:extLst>
+          </p:cNvPr>
+          <p:cNvSpPr>
+            <a:spLocks noGrp="1"/>
+          </p:cNvSpPr>
+          <p:nvPr>
+            <p:ph type="sldNum" sz="quarter" idx="5"/>
+          </p:nvPr>
+        </p:nvSpPr>
+        <p:spPr/>
+        <p:txBody>
+          <a:bodyPr/>
+          <a:lstStyle/>
+          <a:p>
+            <a:fld id="{93781164-4F73-4C8E-B265-9C48118E51C3}" type="slidenum">
+              <a:rPr kumimoji="1" lang="ja-JP" altLang="en-US" smtClean="0"/>
+              <a:t>3</a:t>
+            </a:fld>
+            <a:endParaRPr kumimoji="1" lang="ja-JP" altLang="en-US"/>
+          </a:p>
+        </p:txBody>
+      </p:sp>
+    </p:spTree>
+    <p:extLst>
+      <p:ext uri="{BB962C8B-B14F-4D97-AF65-F5344CB8AC3E}">
+        <p14:creationId xmlns:p14="http://schemas.microsoft.com/office/powerpoint/2010/main" val="395253065"/>
+      </p:ext>
+    </p:extLst>
+  </p:cSld>
+  <p:clrMapOvr>
+    <a:masterClrMapping/>
+  </p:clrMapOvr>
+</p:notes>
+</file>
+
+<file path=ppt/notesSlides/notesSlide3.xml><?xml version="1.0" encoding="utf-8"?>
+<p:notes xmlns:a="http://schemas.openxmlformats.org/drawingml/2006/main" xmlns:r="http://schemas.openxmlformats.org/officeDocument/2006/relationships" xmlns:p="http://schemas.openxmlformats.org/presentationml/2006/main">
+  <p:cSld>
+    <p:spTree>
+      <p:nvGrpSpPr>
+        <p:cNvPr id="1" name="">
+          <a:extLst>
+            <a:ext uri="{FF2B5EF4-FFF2-40B4-BE49-F238E27FC236}">
+              <a16:creationId xmlns:a16="http://schemas.microsoft.com/office/drawing/2014/main" id="{6A142925-6BC4-0D1D-4A6B-51D1440E3235}"/>
+            </a:ext>
+          </a:extLst>
+        </p:cNvPr>
+        <p:cNvGrpSpPr/>
+        <p:nvPr/>
+      </p:nvGrpSpPr>
+      <p:grpSpPr>
+        <a:xfrm>
+          <a:off x="0" y="0"/>
+          <a:ext cx="0" cy="0"/>
+          <a:chOff x="0" y="0"/>
+          <a:chExt cx="0" cy="0"/>
+        </a:xfrm>
+      </p:grpSpPr>
+      <p:sp>
+        <p:nvSpPr>
+          <p:cNvPr id="2" name="スライド イメージ プレースホルダー 1">
+            <a:extLst>
+              <a:ext uri="{FF2B5EF4-FFF2-40B4-BE49-F238E27FC236}">
+                <a16:creationId xmlns:a16="http://schemas.microsoft.com/office/drawing/2014/main" id="{98ED7EE0-B9FE-C3E1-EAE3-8EF2E3071ACE}"/>
+              </a:ext>
+            </a:extLst>
+          </p:cNvPr>
+          <p:cNvSpPr>
+            <a:spLocks noGrp="1" noRot="1" noChangeAspect="1"/>
+          </p:cNvSpPr>
+          <p:nvPr>
+            <p:ph type="sldImg"/>
+          </p:nvPr>
+        </p:nvSpPr>
+        <p:spPr>
+          <a:xfrm>
+            <a:off x="1885950" y="1143000"/>
+            <a:ext cx="3086100" cy="3086100"/>
+          </a:xfrm>
+        </p:spPr>
+      </p:sp>
+      <p:sp>
+        <p:nvSpPr>
+          <p:cNvPr id="3" name="ノート プレースホルダー 2">
+            <a:extLst>
+              <a:ext uri="{FF2B5EF4-FFF2-40B4-BE49-F238E27FC236}">
+                <a16:creationId xmlns:a16="http://schemas.microsoft.com/office/drawing/2014/main" id="{96A94482-FABF-5F35-7C64-EF77AC57E490}"/>
+              </a:ext>
+            </a:extLst>
+          </p:cNvPr>
+          <p:cNvSpPr>
+            <a:spLocks noGrp="1"/>
+          </p:cNvSpPr>
+          <p:nvPr>
+            <p:ph type="body" idx="1"/>
+          </p:nvPr>
+        </p:nvSpPr>
+        <p:spPr/>
+        <p:txBody>
+          <a:bodyPr/>
+          <a:lstStyle/>
+          <a:p>
+            <a:r>
+              <a:rPr kumimoji="1" lang="en-US" altLang="ja-JP" dirty="0"/>
+              <a:t>insert</a:t>
+            </a:r>
+            <a:endParaRPr kumimoji="1" lang="ja-JP" altLang="en-US" dirty="0"/>
+          </a:p>
+        </p:txBody>
+      </p:sp>
+      <p:sp>
+        <p:nvSpPr>
+          <p:cNvPr id="4" name="スライド番号プレースホルダー 3">
+            <a:extLst>
+              <a:ext uri="{FF2B5EF4-FFF2-40B4-BE49-F238E27FC236}">
+                <a16:creationId xmlns:a16="http://schemas.microsoft.com/office/drawing/2014/main" id="{65F4B64F-A76B-C294-2AB2-F9281F3897DC}"/>
+              </a:ext>
+            </a:extLst>
+          </p:cNvPr>
+          <p:cNvSpPr>
+            <a:spLocks noGrp="1"/>
+          </p:cNvSpPr>
+          <p:nvPr>
+            <p:ph type="sldNum" sz="quarter" idx="5"/>
+          </p:nvPr>
+        </p:nvSpPr>
+        <p:spPr/>
+        <p:txBody>
+          <a:bodyPr/>
+          <a:lstStyle/>
+          <a:p>
+            <a:fld id="{93781164-4F73-4C8E-B265-9C48118E51C3}" type="slidenum">
+              <a:rPr kumimoji="1" lang="ja-JP" altLang="en-US" smtClean="0"/>
+              <a:t>4</a:t>
+            </a:fld>
+            <a:endParaRPr kumimoji="1" lang="ja-JP" altLang="en-US"/>
+          </a:p>
+        </p:txBody>
+      </p:sp>
+    </p:spTree>
+    <p:extLst>
+      <p:ext uri="{BB962C8B-B14F-4D97-AF65-F5344CB8AC3E}">
+        <p14:creationId xmlns:p14="http://schemas.microsoft.com/office/powerpoint/2010/main" val="854134093"/>
+      </p:ext>
+    </p:extLst>
+  </p:cSld>
+  <p:clrMapOvr>
+    <a:masterClrMapping/>
+  </p:clrMapOvr>
+</p:notes>
+</file>
+
+<file path=ppt/notesSlides/notesSlide4.xml><?xml version="1.0" encoding="utf-8"?>
+<p:notes xmlns:a="http://schemas.openxmlformats.org/drawingml/2006/main" xmlns:r="http://schemas.openxmlformats.org/officeDocument/2006/relationships" xmlns:p="http://schemas.openxmlformats.org/presentationml/2006/main">
+  <p:cSld>
+    <p:spTree>
+      <p:nvGrpSpPr>
+        <p:cNvPr id="1" name="">
+          <a:extLst>
+            <a:ext uri="{FF2B5EF4-FFF2-40B4-BE49-F238E27FC236}">
+              <a16:creationId xmlns:a16="http://schemas.microsoft.com/office/drawing/2014/main" id="{52561136-ADBA-12B3-C392-6393258CD973}"/>
+            </a:ext>
+          </a:extLst>
+        </p:cNvPr>
+        <p:cNvGrpSpPr/>
+        <p:nvPr/>
+      </p:nvGrpSpPr>
+      <p:grpSpPr>
+        <a:xfrm>
+          <a:off x="0" y="0"/>
+          <a:ext cx="0" cy="0"/>
+          <a:chOff x="0" y="0"/>
+          <a:chExt cx="0" cy="0"/>
+        </a:xfrm>
+      </p:grpSpPr>
+      <p:sp>
+        <p:nvSpPr>
+          <p:cNvPr id="2" name="スライド イメージ プレースホルダー 1">
+            <a:extLst>
+              <a:ext uri="{FF2B5EF4-FFF2-40B4-BE49-F238E27FC236}">
+                <a16:creationId xmlns:a16="http://schemas.microsoft.com/office/drawing/2014/main" id="{D3A48E33-E7F5-DEAF-7974-4C89945DF9F8}"/>
+              </a:ext>
+            </a:extLst>
+          </p:cNvPr>
+          <p:cNvSpPr>
+            <a:spLocks noGrp="1" noRot="1" noChangeAspect="1"/>
+          </p:cNvSpPr>
+          <p:nvPr>
+            <p:ph type="sldImg"/>
+          </p:nvPr>
+        </p:nvSpPr>
+        <p:spPr>
+          <a:xfrm>
+            <a:off x="1885950" y="1143000"/>
+            <a:ext cx="3086100" cy="3086100"/>
+          </a:xfrm>
+        </p:spPr>
+      </p:sp>
+      <p:sp>
+        <p:nvSpPr>
+          <p:cNvPr id="3" name="ノート プレースホルダー 2">
+            <a:extLst>
+              <a:ext uri="{FF2B5EF4-FFF2-40B4-BE49-F238E27FC236}">
+                <a16:creationId xmlns:a16="http://schemas.microsoft.com/office/drawing/2014/main" id="{7D64E639-B852-55DD-9378-6B48757E76C3}"/>
+              </a:ext>
+            </a:extLst>
+          </p:cNvPr>
+          <p:cNvSpPr>
+            <a:spLocks noGrp="1"/>
+          </p:cNvSpPr>
+          <p:nvPr>
+            <p:ph type="body" idx="1"/>
+          </p:nvPr>
+        </p:nvSpPr>
+        <p:spPr/>
+        <p:txBody>
+          <a:bodyPr/>
+          <a:lstStyle/>
+          <a:p>
+            <a:r>
+              <a:rPr kumimoji="1" lang="en-US" altLang="ja-JP" dirty="0"/>
+              <a:t>insert</a:t>
+            </a:r>
+            <a:endParaRPr kumimoji="1" lang="ja-JP" altLang="en-US" dirty="0"/>
+          </a:p>
+        </p:txBody>
+      </p:sp>
+      <p:sp>
+        <p:nvSpPr>
+          <p:cNvPr id="4" name="スライド番号プレースホルダー 3">
+            <a:extLst>
+              <a:ext uri="{FF2B5EF4-FFF2-40B4-BE49-F238E27FC236}">
+                <a16:creationId xmlns:a16="http://schemas.microsoft.com/office/drawing/2014/main" id="{A1FC8CB4-13A6-80E9-3821-194CAEAD270E}"/>
+              </a:ext>
+            </a:extLst>
+          </p:cNvPr>
+          <p:cNvSpPr>
+            <a:spLocks noGrp="1"/>
+          </p:cNvSpPr>
+          <p:nvPr>
+            <p:ph type="sldNum" sz="quarter" idx="5"/>
+          </p:nvPr>
+        </p:nvSpPr>
+        <p:spPr/>
+        <p:txBody>
+          <a:bodyPr/>
+          <a:lstStyle/>
+          <a:p>
+            <a:fld id="{93781164-4F73-4C8E-B265-9C48118E51C3}" type="slidenum">
+              <a:rPr kumimoji="1" lang="ja-JP" altLang="en-US" smtClean="0"/>
+              <a:t>5</a:t>
+            </a:fld>
+            <a:endParaRPr kumimoji="1" lang="ja-JP" altLang="en-US"/>
+          </a:p>
+        </p:txBody>
+      </p:sp>
+    </p:spTree>
+    <p:extLst>
+      <p:ext uri="{BB962C8B-B14F-4D97-AF65-F5344CB8AC3E}">
+        <p14:creationId xmlns:p14="http://schemas.microsoft.com/office/powerpoint/2010/main" val="1924077014"/>
+      </p:ext>
+    </p:extLst>
+  </p:cSld>
+  <p:clrMapOvr>
+    <a:masterClrMapping/>
+  </p:clrMapOvr>
+</p:notes>
+</file>
+
 <file path=ppt/slideLayouts/slideLayout1.xml><?xml version="1.0" encoding="utf-8"?>
 <p:sldLayout xmlns:a="http://schemas.openxmlformats.org/drawingml/2006/main" xmlns:r="http://schemas.openxmlformats.org/officeDocument/2006/relationships" xmlns:p="http://schemas.openxmlformats.org/presentationml/2006/main" type="title" preserve="1">
   <p:cSld name="タイトル スライド">
@@ -1774,15 +7025,15 @@
         </p:nvSpPr>
         <p:spPr>
           <a:xfrm>
-            <a:off x="675085" y="353596"/>
-            <a:ext cx="4050506" cy="752205"/>
+            <a:off x="405051" y="883861"/>
+            <a:ext cx="4590574" cy="1880235"/>
           </a:xfrm>
         </p:spPr>
         <p:txBody>
           <a:bodyPr anchor="b"/>
           <a:lstStyle>
             <a:lvl1pPr algn="ctr">
-              <a:defRPr sz="1890"/>
+              <a:defRPr sz="3544"/>
             </a:lvl1pPr>
           </a:lstStyle>
           <a:p>
@@ -1806,8 +7057,8 @@
         </p:nvSpPr>
         <p:spPr>
           <a:xfrm>
-            <a:off x="675085" y="1134809"/>
-            <a:ext cx="4050506" cy="521642"/>
+            <a:off x="675085" y="2836605"/>
+            <a:ext cx="4050506" cy="1303913"/>
           </a:xfrm>
         </p:spPr>
         <p:txBody>
@@ -1815,39 +7066,39 @@
           <a:lstStyle>
             <a:lvl1pPr marL="0" indent="0" algn="ctr">
               <a:buNone/>
-              <a:defRPr sz="756"/>
+              <a:defRPr sz="1417"/>
             </a:lvl1pPr>
-            <a:lvl2pPr marL="144018" indent="0" algn="ctr">
+            <a:lvl2pPr marL="270022" indent="0" algn="ctr">
               <a:buNone/>
-              <a:defRPr sz="630"/>
+              <a:defRPr sz="1181"/>
             </a:lvl2pPr>
-            <a:lvl3pPr marL="288036" indent="0" algn="ctr">
+            <a:lvl3pPr marL="540045" indent="0" algn="ctr">
               <a:buNone/>
-              <a:defRPr sz="567"/>
+              <a:defRPr sz="1063"/>
             </a:lvl3pPr>
-            <a:lvl4pPr marL="432054" indent="0" algn="ctr">
+            <a:lvl4pPr marL="810067" indent="0" algn="ctr">
               <a:buNone/>
-              <a:defRPr sz="504"/>
+              <a:defRPr sz="945"/>
             </a:lvl4pPr>
-            <a:lvl5pPr marL="576072" indent="0" algn="ctr">
+            <a:lvl5pPr marL="1080089" indent="0" algn="ctr">
               <a:buNone/>
-              <a:defRPr sz="504"/>
+              <a:defRPr sz="945"/>
             </a:lvl5pPr>
-            <a:lvl6pPr marL="720090" indent="0" algn="ctr">
+            <a:lvl6pPr marL="1350112" indent="0" algn="ctr">
               <a:buNone/>
-              <a:defRPr sz="504"/>
+              <a:defRPr sz="945"/>
             </a:lvl6pPr>
-            <a:lvl7pPr marL="864108" indent="0" algn="ctr">
+            <a:lvl7pPr marL="1620134" indent="0" algn="ctr">
               <a:buNone/>
-              <a:defRPr sz="504"/>
+              <a:defRPr sz="945"/>
             </a:lvl7pPr>
-            <a:lvl8pPr marL="1008126" indent="0" algn="ctr">
+            <a:lvl8pPr marL="1890156" indent="0" algn="ctr">
               <a:buNone/>
-              <a:defRPr sz="504"/>
+              <a:defRPr sz="945"/>
             </a:lvl8pPr>
-            <a:lvl9pPr marL="1152144" indent="0" algn="ctr">
+            <a:lvl9pPr marL="2160179" indent="0" algn="ctr">
               <a:buNone/>
-              <a:defRPr sz="504"/>
+              <a:defRPr sz="945"/>
             </a:lvl9pPr>
           </a:lstStyle>
           <a:p>
@@ -1876,7 +7127,7 @@
           <a:p>
             <a:fld id="{084FC26D-2879-44C1-A7E8-03443A36CBFD}" type="datetimeFigureOut">
               <a:rPr kumimoji="1" lang="ja-JP" altLang="en-US" smtClean="0"/>
-              <a:t>2024/2/10</a:t>
+              <a:t>2024/2/12</a:t>
             </a:fld>
             <a:endParaRPr kumimoji="1" lang="ja-JP" altLang="en-US"/>
           </a:p>
@@ -1927,13 +7178,29 @@
     </p:spTree>
     <p:extLst>
       <p:ext uri="{BB962C8B-B14F-4D97-AF65-F5344CB8AC3E}">
-        <p14:creationId xmlns:p14="http://schemas.microsoft.com/office/powerpoint/2010/main" val="326527266"/>
+        <p14:creationId xmlns:p14="http://schemas.microsoft.com/office/powerpoint/2010/main" val="2488347074"/>
       </p:ext>
     </p:extLst>
   </p:cSld>
   <p:clrMapOvr>
     <a:masterClrMapping/>
   </p:clrMapOvr>
+  <p:extLst>
+    <p:ext uri="{DCECCB84-F9BA-43D5-87BE-67443E8EF086}">
+      <p15:sldGuideLst xmlns:p15="http://schemas.microsoft.com/office/powerpoint/2012/main">
+        <p15:guide id="1" orient="horz" pos="1700" userDrawn="1">
+          <p15:clr>
+            <a:srgbClr val="FBAE40"/>
+          </p15:clr>
+        </p15:guide>
+        <p15:guide id="2" pos="1701" userDrawn="1">
+          <p15:clr>
+            <a:srgbClr val="FBAE40"/>
+          </p15:clr>
+        </p15:guide>
+      </p15:sldGuideLst>
+    </p:ext>
+  </p:extLst>
 </p:sldLayout>
 </file>
 
@@ -2078,7 +7345,7 @@
           <a:p>
             <a:fld id="{084FC26D-2879-44C1-A7E8-03443A36CBFD}" type="datetimeFigureOut">
               <a:rPr kumimoji="1" lang="ja-JP" altLang="en-US" smtClean="0"/>
-              <a:t>2024/2/10</a:t>
+              <a:t>2024/2/12</a:t>
             </a:fld>
             <a:endParaRPr kumimoji="1" lang="ja-JP" altLang="en-US"/>
           </a:p>
@@ -2129,7 +7396,7 @@
     </p:spTree>
     <p:extLst>
       <p:ext uri="{BB962C8B-B14F-4D97-AF65-F5344CB8AC3E}">
-        <p14:creationId xmlns:p14="http://schemas.microsoft.com/office/powerpoint/2010/main" val="1407530567"/>
+        <p14:creationId xmlns:p14="http://schemas.microsoft.com/office/powerpoint/2010/main" val="4265258812"/>
       </p:ext>
     </p:extLst>
   </p:cSld>
@@ -2168,8 +7435,8 @@
         </p:nvSpPr>
         <p:spPr>
           <a:xfrm>
-            <a:off x="3864858" y="115032"/>
-            <a:ext cx="1164521" cy="1830998"/>
+            <a:off x="3864858" y="287536"/>
+            <a:ext cx="1164521" cy="4576822"/>
           </a:xfrm>
         </p:spPr>
         <p:txBody>
@@ -2196,8 +7463,8 @@
         </p:nvSpPr>
         <p:spPr>
           <a:xfrm>
-            <a:off x="371297" y="115032"/>
-            <a:ext cx="3426053" cy="1830998"/>
+            <a:off x="371297" y="287536"/>
+            <a:ext cx="3426053" cy="4576822"/>
           </a:xfrm>
         </p:spPr>
         <p:txBody>
@@ -2290,7 +7557,7 @@
           <a:p>
             <a:fld id="{084FC26D-2879-44C1-A7E8-03443A36CBFD}" type="datetimeFigureOut">
               <a:rPr kumimoji="1" lang="ja-JP" altLang="en-US" smtClean="0"/>
-              <a:t>2024/2/10</a:t>
+              <a:t>2024/2/12</a:t>
             </a:fld>
             <a:endParaRPr kumimoji="1" lang="ja-JP" altLang="en-US"/>
           </a:p>
@@ -2341,7 +7608,7 @@
     </p:spTree>
     <p:extLst>
       <p:ext uri="{BB962C8B-B14F-4D97-AF65-F5344CB8AC3E}">
-        <p14:creationId xmlns:p14="http://schemas.microsoft.com/office/powerpoint/2010/main" val="4019591043"/>
+        <p14:creationId xmlns:p14="http://schemas.microsoft.com/office/powerpoint/2010/main" val="1858375790"/>
       </p:ext>
     </p:extLst>
   </p:cSld>
@@ -2492,7 +7759,7 @@
           <a:p>
             <a:fld id="{084FC26D-2879-44C1-A7E8-03443A36CBFD}" type="datetimeFigureOut">
               <a:rPr kumimoji="1" lang="ja-JP" altLang="en-US" smtClean="0"/>
-              <a:t>2024/2/10</a:t>
+              <a:t>2024/2/12</a:t>
             </a:fld>
             <a:endParaRPr kumimoji="1" lang="ja-JP" altLang="en-US"/>
           </a:p>
@@ -2543,7 +7810,7 @@
     </p:spTree>
     <p:extLst>
       <p:ext uri="{BB962C8B-B14F-4D97-AF65-F5344CB8AC3E}">
-        <p14:creationId xmlns:p14="http://schemas.microsoft.com/office/powerpoint/2010/main" val="1872360119"/>
+        <p14:creationId xmlns:p14="http://schemas.microsoft.com/office/powerpoint/2010/main" val="3366654728"/>
       </p:ext>
     </p:extLst>
   </p:cSld>
@@ -2582,15 +7849,15 @@
         </p:nvSpPr>
         <p:spPr>
           <a:xfrm>
-            <a:off x="368484" y="538647"/>
-            <a:ext cx="4658082" cy="898744"/>
+            <a:off x="368484" y="1346420"/>
+            <a:ext cx="4658082" cy="2246530"/>
           </a:xfrm>
         </p:spPr>
         <p:txBody>
           <a:bodyPr anchor="b"/>
           <a:lstStyle>
             <a:lvl1pPr>
-              <a:defRPr sz="1890"/>
+              <a:defRPr sz="3544"/>
             </a:lvl1pPr>
           </a:lstStyle>
           <a:p>
@@ -2614,8 +7881,8 @@
         </p:nvSpPr>
         <p:spPr>
           <a:xfrm>
-            <a:off x="368484" y="1445894"/>
-            <a:ext cx="4658082" cy="472628"/>
+            <a:off x="368484" y="3614203"/>
+            <a:ext cx="4658082" cy="1181397"/>
           </a:xfrm>
         </p:spPr>
         <p:txBody>
@@ -2623,17 +7890,15 @@
           <a:lstStyle>
             <a:lvl1pPr marL="0" indent="0">
               <a:buNone/>
-              <a:defRPr sz="756">
+              <a:defRPr sz="1417">
                 <a:solidFill>
-                  <a:schemeClr val="tx1">
-                    <a:tint val="75000"/>
-                  </a:schemeClr>
+                  <a:schemeClr val="tx1"/>
                 </a:solidFill>
               </a:defRPr>
             </a:lvl1pPr>
-            <a:lvl2pPr marL="144018" indent="0">
+            <a:lvl2pPr marL="270022" indent="0">
               <a:buNone/>
-              <a:defRPr sz="630">
+              <a:defRPr sz="1181">
                 <a:solidFill>
                   <a:schemeClr val="tx1">
                     <a:tint val="75000"/>
@@ -2641,9 +7906,9 @@
                 </a:solidFill>
               </a:defRPr>
             </a:lvl2pPr>
-            <a:lvl3pPr marL="288036" indent="0">
+            <a:lvl3pPr marL="540045" indent="0">
               <a:buNone/>
-              <a:defRPr sz="567">
+              <a:defRPr sz="1063">
                 <a:solidFill>
                   <a:schemeClr val="tx1">
                     <a:tint val="75000"/>
@@ -2651,9 +7916,9 @@
                 </a:solidFill>
               </a:defRPr>
             </a:lvl3pPr>
-            <a:lvl4pPr marL="432054" indent="0">
+            <a:lvl4pPr marL="810067" indent="0">
               <a:buNone/>
-              <a:defRPr sz="504">
+              <a:defRPr sz="945">
                 <a:solidFill>
                   <a:schemeClr val="tx1">
                     <a:tint val="75000"/>
@@ -2661,9 +7926,9 @@
                 </a:solidFill>
               </a:defRPr>
             </a:lvl4pPr>
-            <a:lvl5pPr marL="576072" indent="0">
+            <a:lvl5pPr marL="1080089" indent="0">
               <a:buNone/>
-              <a:defRPr sz="504">
+              <a:defRPr sz="945">
                 <a:solidFill>
                   <a:schemeClr val="tx1">
                     <a:tint val="75000"/>
@@ -2671,9 +7936,9 @@
                 </a:solidFill>
               </a:defRPr>
             </a:lvl5pPr>
-            <a:lvl6pPr marL="720090" indent="0">
+            <a:lvl6pPr marL="1350112" indent="0">
               <a:buNone/>
-              <a:defRPr sz="504">
+              <a:defRPr sz="945">
                 <a:solidFill>
                   <a:schemeClr val="tx1">
                     <a:tint val="75000"/>
@@ -2681,9 +7946,9 @@
                 </a:solidFill>
               </a:defRPr>
             </a:lvl6pPr>
-            <a:lvl7pPr marL="864108" indent="0">
+            <a:lvl7pPr marL="1620134" indent="0">
               <a:buNone/>
-              <a:defRPr sz="504">
+              <a:defRPr sz="945">
                 <a:solidFill>
                   <a:schemeClr val="tx1">
                     <a:tint val="75000"/>
@@ -2691,9 +7956,9 @@
                 </a:solidFill>
               </a:defRPr>
             </a:lvl7pPr>
-            <a:lvl8pPr marL="1008126" indent="0">
+            <a:lvl8pPr marL="1890156" indent="0">
               <a:buNone/>
-              <a:defRPr sz="504">
+              <a:defRPr sz="945">
                 <a:solidFill>
                   <a:schemeClr val="tx1">
                     <a:tint val="75000"/>
@@ -2701,9 +7966,9 @@
                 </a:solidFill>
               </a:defRPr>
             </a:lvl8pPr>
-            <a:lvl9pPr marL="1152144" indent="0">
+            <a:lvl9pPr marL="2160179" indent="0">
               <a:buNone/>
-              <a:defRPr sz="504">
+              <a:defRPr sz="945">
                 <a:solidFill>
                   <a:schemeClr val="tx1">
                     <a:tint val="75000"/>
@@ -2738,7 +8003,7 @@
           <a:p>
             <a:fld id="{084FC26D-2879-44C1-A7E8-03443A36CBFD}" type="datetimeFigureOut">
               <a:rPr kumimoji="1" lang="ja-JP" altLang="en-US" smtClean="0"/>
-              <a:t>2024/2/10</a:t>
+              <a:t>2024/2/12</a:t>
             </a:fld>
             <a:endParaRPr kumimoji="1" lang="ja-JP" altLang="en-US"/>
           </a:p>
@@ -2789,7 +8054,7 @@
     </p:spTree>
     <p:extLst>
       <p:ext uri="{BB962C8B-B14F-4D97-AF65-F5344CB8AC3E}">
-        <p14:creationId xmlns:p14="http://schemas.microsoft.com/office/powerpoint/2010/main" val="2053817447"/>
+        <p14:creationId xmlns:p14="http://schemas.microsoft.com/office/powerpoint/2010/main" val="3188141190"/>
       </p:ext>
     </p:extLst>
   </p:cSld>
@@ -2851,8 +8116,8 @@
         </p:nvSpPr>
         <p:spPr>
           <a:xfrm>
-            <a:off x="371296" y="575157"/>
-            <a:ext cx="2295287" cy="1370873"/>
+            <a:off x="371296" y="1437680"/>
+            <a:ext cx="2295287" cy="3426679"/>
           </a:xfrm>
         </p:spPr>
         <p:txBody>
@@ -2940,8 +8205,8 @@
         </p:nvSpPr>
         <p:spPr>
           <a:xfrm>
-            <a:off x="2734092" y="575157"/>
-            <a:ext cx="2295287" cy="1370873"/>
+            <a:off x="2734092" y="1437680"/>
+            <a:ext cx="2295287" cy="3426679"/>
           </a:xfrm>
         </p:spPr>
         <p:txBody>
@@ -3034,7 +8299,7 @@
           <a:p>
             <a:fld id="{084FC26D-2879-44C1-A7E8-03443A36CBFD}" type="datetimeFigureOut">
               <a:rPr kumimoji="1" lang="ja-JP" altLang="en-US" smtClean="0"/>
-              <a:t>2024/2/10</a:t>
+              <a:t>2024/2/12</a:t>
             </a:fld>
             <a:endParaRPr kumimoji="1" lang="ja-JP" altLang="en-US"/>
           </a:p>
@@ -3085,7 +8350,7 @@
     </p:spTree>
     <p:extLst>
       <p:ext uri="{BB962C8B-B14F-4D97-AF65-F5344CB8AC3E}">
-        <p14:creationId xmlns:p14="http://schemas.microsoft.com/office/powerpoint/2010/main" val="686602666"/>
+        <p14:creationId xmlns:p14="http://schemas.microsoft.com/office/powerpoint/2010/main" val="1586232912"/>
       </p:ext>
     </p:extLst>
   </p:cSld>
@@ -3124,8 +8389,8 @@
         </p:nvSpPr>
         <p:spPr>
           <a:xfrm>
-            <a:off x="372000" y="115031"/>
-            <a:ext cx="4658082" cy="417614"/>
+            <a:off x="372000" y="287537"/>
+            <a:ext cx="4658082" cy="1043881"/>
           </a:xfrm>
         </p:spPr>
         <p:txBody>
@@ -3152,8 +8417,8 @@
         </p:nvSpPr>
         <p:spPr>
           <a:xfrm>
-            <a:off x="372000" y="529645"/>
-            <a:ext cx="2284738" cy="259570"/>
+            <a:off x="372001" y="1323916"/>
+            <a:ext cx="2284738" cy="648831"/>
           </a:xfrm>
         </p:spPr>
         <p:txBody>
@@ -3161,39 +8426,39 @@
           <a:lstStyle>
             <a:lvl1pPr marL="0" indent="0">
               <a:buNone/>
-              <a:defRPr sz="756" b="1"/>
+              <a:defRPr sz="1417" b="1"/>
             </a:lvl1pPr>
-            <a:lvl2pPr marL="144018" indent="0">
+            <a:lvl2pPr marL="270022" indent="0">
               <a:buNone/>
-              <a:defRPr sz="630" b="1"/>
+              <a:defRPr sz="1181" b="1"/>
             </a:lvl2pPr>
-            <a:lvl3pPr marL="288036" indent="0">
+            <a:lvl3pPr marL="540045" indent="0">
               <a:buNone/>
-              <a:defRPr sz="567" b="1"/>
+              <a:defRPr sz="1063" b="1"/>
             </a:lvl3pPr>
-            <a:lvl4pPr marL="432054" indent="0">
+            <a:lvl4pPr marL="810067" indent="0">
               <a:buNone/>
-              <a:defRPr sz="504" b="1"/>
+              <a:defRPr sz="945" b="1"/>
             </a:lvl4pPr>
-            <a:lvl5pPr marL="576072" indent="0">
+            <a:lvl5pPr marL="1080089" indent="0">
               <a:buNone/>
-              <a:defRPr sz="504" b="1"/>
+              <a:defRPr sz="945" b="1"/>
             </a:lvl5pPr>
-            <a:lvl6pPr marL="720090" indent="0">
+            <a:lvl6pPr marL="1350112" indent="0">
               <a:buNone/>
-              <a:defRPr sz="504" b="1"/>
+              <a:defRPr sz="945" b="1"/>
             </a:lvl6pPr>
-            <a:lvl7pPr marL="864108" indent="0">
+            <a:lvl7pPr marL="1620134" indent="0">
               <a:buNone/>
-              <a:defRPr sz="504" b="1"/>
+              <a:defRPr sz="945" b="1"/>
             </a:lvl7pPr>
-            <a:lvl8pPr marL="1008126" indent="0">
+            <a:lvl8pPr marL="1890156" indent="0">
               <a:buNone/>
-              <a:defRPr sz="504" b="1"/>
+              <a:defRPr sz="945" b="1"/>
             </a:lvl8pPr>
-            <a:lvl9pPr marL="1152144" indent="0">
+            <a:lvl9pPr marL="2160179" indent="0">
               <a:buNone/>
-              <a:defRPr sz="504" b="1"/>
+              <a:defRPr sz="945" b="1"/>
             </a:lvl9pPr>
           </a:lstStyle>
           <a:p>
@@ -3217,8 +8482,8 @@
         </p:nvSpPr>
         <p:spPr>
           <a:xfrm>
-            <a:off x="372000" y="789215"/>
-            <a:ext cx="2284738" cy="1160816"/>
+            <a:off x="372001" y="1972747"/>
+            <a:ext cx="2284738" cy="2901613"/>
           </a:xfrm>
         </p:spPr>
         <p:txBody>
@@ -3306,8 +8571,8 @@
         </p:nvSpPr>
         <p:spPr>
           <a:xfrm>
-            <a:off x="2734092" y="529645"/>
-            <a:ext cx="2295990" cy="259570"/>
+            <a:off x="2734092" y="1323916"/>
+            <a:ext cx="2295990" cy="648831"/>
           </a:xfrm>
         </p:spPr>
         <p:txBody>
@@ -3315,39 +8580,39 @@
           <a:lstStyle>
             <a:lvl1pPr marL="0" indent="0">
               <a:buNone/>
-              <a:defRPr sz="756" b="1"/>
+              <a:defRPr sz="1417" b="1"/>
             </a:lvl1pPr>
-            <a:lvl2pPr marL="144018" indent="0">
+            <a:lvl2pPr marL="270022" indent="0">
               <a:buNone/>
-              <a:defRPr sz="630" b="1"/>
+              <a:defRPr sz="1181" b="1"/>
             </a:lvl2pPr>
-            <a:lvl3pPr marL="288036" indent="0">
+            <a:lvl3pPr marL="540045" indent="0">
               <a:buNone/>
-              <a:defRPr sz="567" b="1"/>
+              <a:defRPr sz="1063" b="1"/>
             </a:lvl3pPr>
-            <a:lvl4pPr marL="432054" indent="0">
+            <a:lvl4pPr marL="810067" indent="0">
               <a:buNone/>
-              <a:defRPr sz="504" b="1"/>
+              <a:defRPr sz="945" b="1"/>
             </a:lvl4pPr>
-            <a:lvl5pPr marL="576072" indent="0">
+            <a:lvl5pPr marL="1080089" indent="0">
               <a:buNone/>
-              <a:defRPr sz="504" b="1"/>
+              <a:defRPr sz="945" b="1"/>
             </a:lvl5pPr>
-            <a:lvl6pPr marL="720090" indent="0">
+            <a:lvl6pPr marL="1350112" indent="0">
               <a:buNone/>
-              <a:defRPr sz="504" b="1"/>
+              <a:defRPr sz="945" b="1"/>
             </a:lvl6pPr>
-            <a:lvl7pPr marL="864108" indent="0">
+            <a:lvl7pPr marL="1620134" indent="0">
               <a:buNone/>
-              <a:defRPr sz="504" b="1"/>
+              <a:defRPr sz="945" b="1"/>
             </a:lvl7pPr>
-            <a:lvl8pPr marL="1008126" indent="0">
+            <a:lvl8pPr marL="1890156" indent="0">
               <a:buNone/>
-              <a:defRPr sz="504" b="1"/>
+              <a:defRPr sz="945" b="1"/>
             </a:lvl8pPr>
-            <a:lvl9pPr marL="1152144" indent="0">
+            <a:lvl9pPr marL="2160179" indent="0">
               <a:buNone/>
-              <a:defRPr sz="504" b="1"/>
+              <a:defRPr sz="945" b="1"/>
             </a:lvl9pPr>
           </a:lstStyle>
           <a:p>
@@ -3371,8 +8636,8 @@
         </p:nvSpPr>
         <p:spPr>
           <a:xfrm>
-            <a:off x="2734092" y="789215"/>
-            <a:ext cx="2295990" cy="1160816"/>
+            <a:off x="2734092" y="1972747"/>
+            <a:ext cx="2295990" cy="2901613"/>
           </a:xfrm>
         </p:spPr>
         <p:txBody>
@@ -3465,7 +8730,7 @@
           <a:p>
             <a:fld id="{084FC26D-2879-44C1-A7E8-03443A36CBFD}" type="datetimeFigureOut">
               <a:rPr kumimoji="1" lang="ja-JP" altLang="en-US" smtClean="0"/>
-              <a:t>2024/2/10</a:t>
+              <a:t>2024/2/12</a:t>
             </a:fld>
             <a:endParaRPr kumimoji="1" lang="ja-JP" altLang="en-US"/>
           </a:p>
@@ -3516,7 +8781,7 @@
     </p:spTree>
     <p:extLst>
       <p:ext uri="{BB962C8B-B14F-4D97-AF65-F5344CB8AC3E}">
-        <p14:creationId xmlns:p14="http://schemas.microsoft.com/office/powerpoint/2010/main" val="2098824437"/>
+        <p14:creationId xmlns:p14="http://schemas.microsoft.com/office/powerpoint/2010/main" val="3251345228"/>
       </p:ext>
     </p:extLst>
   </p:cSld>
@@ -3583,7 +8848,7 @@
           <a:p>
             <a:fld id="{084FC26D-2879-44C1-A7E8-03443A36CBFD}" type="datetimeFigureOut">
               <a:rPr kumimoji="1" lang="ja-JP" altLang="en-US" smtClean="0"/>
-              <a:t>2024/2/10</a:t>
+              <a:t>2024/2/12</a:t>
             </a:fld>
             <a:endParaRPr kumimoji="1" lang="ja-JP" altLang="en-US"/>
           </a:p>
@@ -3634,7 +8899,7 @@
     </p:spTree>
     <p:extLst>
       <p:ext uri="{BB962C8B-B14F-4D97-AF65-F5344CB8AC3E}">
-        <p14:creationId xmlns:p14="http://schemas.microsoft.com/office/powerpoint/2010/main" val="254926418"/>
+        <p14:creationId xmlns:p14="http://schemas.microsoft.com/office/powerpoint/2010/main" val="145389086"/>
       </p:ext>
     </p:extLst>
   </p:cSld>
@@ -3678,7 +8943,7 @@
           <a:p>
             <a:fld id="{084FC26D-2879-44C1-A7E8-03443A36CBFD}" type="datetimeFigureOut">
               <a:rPr kumimoji="1" lang="ja-JP" altLang="en-US" smtClean="0"/>
-              <a:t>2024/2/10</a:t>
+              <a:t>2024/2/12</a:t>
             </a:fld>
             <a:endParaRPr kumimoji="1" lang="ja-JP" altLang="en-US"/>
           </a:p>
@@ -3729,7 +8994,7 @@
     </p:spTree>
     <p:extLst>
       <p:ext uri="{BB962C8B-B14F-4D97-AF65-F5344CB8AC3E}">
-        <p14:creationId xmlns:p14="http://schemas.microsoft.com/office/powerpoint/2010/main" val="2033931617"/>
+        <p14:creationId xmlns:p14="http://schemas.microsoft.com/office/powerpoint/2010/main" val="2419968024"/>
       </p:ext>
     </p:extLst>
   </p:cSld>
@@ -3739,7 +9004,7 @@
   <p:extLst>
     <p:ext uri="{DCECCB84-F9BA-43D5-87BE-67443E8EF086}">
       <p15:sldGuideLst xmlns:p15="http://schemas.microsoft.com/office/powerpoint/2012/main">
-        <p15:guide id="1" orient="horz" pos="680" userDrawn="1">
+        <p15:guide id="1" orient="horz" pos="1700" userDrawn="1">
           <p15:clr>
             <a:srgbClr val="FBAE40"/>
           </p15:clr>
@@ -3784,15 +9049,15 @@
         </p:nvSpPr>
         <p:spPr>
           <a:xfrm>
-            <a:off x="372000" y="144039"/>
-            <a:ext cx="1741858" cy="504137"/>
+            <a:off x="372000" y="360045"/>
+            <a:ext cx="1741858" cy="1260158"/>
           </a:xfrm>
         </p:spPr>
         <p:txBody>
           <a:bodyPr anchor="b"/>
           <a:lstStyle>
             <a:lvl1pPr>
-              <a:defRPr sz="1008"/>
+              <a:defRPr sz="1890"/>
             </a:lvl1pPr>
           </a:lstStyle>
           <a:p>
@@ -3816,39 +9081,39 @@
         </p:nvSpPr>
         <p:spPr>
           <a:xfrm>
-            <a:off x="2295990" y="311085"/>
-            <a:ext cx="2734092" cy="1535418"/>
+            <a:off x="2295990" y="777598"/>
+            <a:ext cx="2734092" cy="3837980"/>
           </a:xfrm>
         </p:spPr>
         <p:txBody>
           <a:bodyPr/>
           <a:lstStyle>
             <a:lvl1pPr>
-              <a:defRPr sz="1008"/>
+              <a:defRPr sz="1890"/>
             </a:lvl1pPr>
             <a:lvl2pPr>
-              <a:defRPr sz="882"/>
+              <a:defRPr sz="1654"/>
             </a:lvl2pPr>
             <a:lvl3pPr>
-              <a:defRPr sz="756"/>
+              <a:defRPr sz="1417"/>
             </a:lvl3pPr>
             <a:lvl4pPr>
-              <a:defRPr sz="630"/>
+              <a:defRPr sz="1181"/>
             </a:lvl4pPr>
             <a:lvl5pPr>
-              <a:defRPr sz="630"/>
+              <a:defRPr sz="1181"/>
             </a:lvl5pPr>
             <a:lvl6pPr>
-              <a:defRPr sz="630"/>
+              <a:defRPr sz="1181"/>
             </a:lvl6pPr>
             <a:lvl7pPr>
-              <a:defRPr sz="630"/>
+              <a:defRPr sz="1181"/>
             </a:lvl7pPr>
             <a:lvl8pPr>
-              <a:defRPr sz="630"/>
+              <a:defRPr sz="1181"/>
             </a:lvl8pPr>
             <a:lvl9pPr>
-              <a:defRPr sz="630"/>
+              <a:defRPr sz="1181"/>
             </a:lvl9pPr>
           </a:lstStyle>
           <a:p>
@@ -3933,8 +9198,8 @@
         </p:nvSpPr>
         <p:spPr>
           <a:xfrm>
-            <a:off x="372000" y="648176"/>
-            <a:ext cx="1741858" cy="1200827"/>
+            <a:off x="372000" y="1620202"/>
+            <a:ext cx="1741858" cy="3001626"/>
           </a:xfrm>
         </p:spPr>
         <p:txBody>
@@ -3942,39 +9207,39 @@
           <a:lstStyle>
             <a:lvl1pPr marL="0" indent="0">
               <a:buNone/>
-              <a:defRPr sz="504"/>
+              <a:defRPr sz="945"/>
             </a:lvl1pPr>
-            <a:lvl2pPr marL="144018" indent="0">
+            <a:lvl2pPr marL="270022" indent="0">
               <a:buNone/>
-              <a:defRPr sz="441"/>
+              <a:defRPr sz="827"/>
             </a:lvl2pPr>
-            <a:lvl3pPr marL="288036" indent="0">
+            <a:lvl3pPr marL="540045" indent="0">
               <a:buNone/>
-              <a:defRPr sz="378"/>
+              <a:defRPr sz="709"/>
             </a:lvl3pPr>
-            <a:lvl4pPr marL="432054" indent="0">
+            <a:lvl4pPr marL="810067" indent="0">
               <a:buNone/>
-              <a:defRPr sz="315"/>
+              <a:defRPr sz="591"/>
             </a:lvl4pPr>
-            <a:lvl5pPr marL="576072" indent="0">
+            <a:lvl5pPr marL="1080089" indent="0">
               <a:buNone/>
-              <a:defRPr sz="315"/>
+              <a:defRPr sz="591"/>
             </a:lvl5pPr>
-            <a:lvl6pPr marL="720090" indent="0">
+            <a:lvl6pPr marL="1350112" indent="0">
               <a:buNone/>
-              <a:defRPr sz="315"/>
+              <a:defRPr sz="591"/>
             </a:lvl6pPr>
-            <a:lvl7pPr marL="864108" indent="0">
+            <a:lvl7pPr marL="1620134" indent="0">
               <a:buNone/>
-              <a:defRPr sz="315"/>
+              <a:defRPr sz="591"/>
             </a:lvl7pPr>
-            <a:lvl8pPr marL="1008126" indent="0">
+            <a:lvl8pPr marL="1890156" indent="0">
               <a:buNone/>
-              <a:defRPr sz="315"/>
+              <a:defRPr sz="591"/>
             </a:lvl8pPr>
-            <a:lvl9pPr marL="1152144" indent="0">
+            <a:lvl9pPr marL="2160179" indent="0">
               <a:buNone/>
-              <a:defRPr sz="315"/>
+              <a:defRPr sz="591"/>
             </a:lvl9pPr>
           </a:lstStyle>
           <a:p>
@@ -4003,7 +9268,7 @@
           <a:p>
             <a:fld id="{084FC26D-2879-44C1-A7E8-03443A36CBFD}" type="datetimeFigureOut">
               <a:rPr kumimoji="1" lang="ja-JP" altLang="en-US" smtClean="0"/>
-              <a:t>2024/2/10</a:t>
+              <a:t>2024/2/12</a:t>
             </a:fld>
             <a:endParaRPr kumimoji="1" lang="ja-JP" altLang="en-US"/>
           </a:p>
@@ -4054,7 +9319,7 @@
     </p:spTree>
     <p:extLst>
       <p:ext uri="{BB962C8B-B14F-4D97-AF65-F5344CB8AC3E}">
-        <p14:creationId xmlns:p14="http://schemas.microsoft.com/office/powerpoint/2010/main" val="1648674795"/>
+        <p14:creationId xmlns:p14="http://schemas.microsoft.com/office/powerpoint/2010/main" val="4209793382"/>
       </p:ext>
     </p:extLst>
   </p:cSld>
@@ -4093,15 +9358,15 @@
         </p:nvSpPr>
         <p:spPr>
           <a:xfrm>
-            <a:off x="372000" y="144039"/>
-            <a:ext cx="1741858" cy="504137"/>
+            <a:off x="372000" y="360045"/>
+            <a:ext cx="1741858" cy="1260158"/>
           </a:xfrm>
         </p:spPr>
         <p:txBody>
           <a:bodyPr anchor="b"/>
           <a:lstStyle>
             <a:lvl1pPr>
-              <a:defRPr sz="1008"/>
+              <a:defRPr sz="1890"/>
             </a:lvl1pPr>
           </a:lstStyle>
           <a:p>
@@ -4125,8 +9390,8 @@
         </p:nvSpPr>
         <p:spPr>
           <a:xfrm>
-            <a:off x="2295990" y="311085"/>
-            <a:ext cx="2734092" cy="1535418"/>
+            <a:off x="2295990" y="777598"/>
+            <a:ext cx="2734092" cy="3837980"/>
           </a:xfrm>
         </p:spPr>
         <p:txBody>
@@ -4134,39 +9399,39 @@
           <a:lstStyle>
             <a:lvl1pPr marL="0" indent="0">
               <a:buNone/>
-              <a:defRPr sz="1008"/>
+              <a:defRPr sz="1890"/>
             </a:lvl1pPr>
-            <a:lvl2pPr marL="144018" indent="0">
+            <a:lvl2pPr marL="270022" indent="0">
               <a:buNone/>
-              <a:defRPr sz="882"/>
+              <a:defRPr sz="1654"/>
             </a:lvl2pPr>
-            <a:lvl3pPr marL="288036" indent="0">
+            <a:lvl3pPr marL="540045" indent="0">
               <a:buNone/>
-              <a:defRPr sz="756"/>
+              <a:defRPr sz="1417"/>
             </a:lvl3pPr>
-            <a:lvl4pPr marL="432054" indent="0">
+            <a:lvl4pPr marL="810067" indent="0">
               <a:buNone/>
-              <a:defRPr sz="630"/>
+              <a:defRPr sz="1181"/>
             </a:lvl4pPr>
-            <a:lvl5pPr marL="576072" indent="0">
+            <a:lvl5pPr marL="1080089" indent="0">
               <a:buNone/>
-              <a:defRPr sz="630"/>
+              <a:defRPr sz="1181"/>
             </a:lvl5pPr>
-            <a:lvl6pPr marL="720090" indent="0">
+            <a:lvl6pPr marL="1350112" indent="0">
               <a:buNone/>
-              <a:defRPr sz="630"/>
+              <a:defRPr sz="1181"/>
             </a:lvl6pPr>
-            <a:lvl7pPr marL="864108" indent="0">
+            <a:lvl7pPr marL="1620134" indent="0">
               <a:buNone/>
-              <a:defRPr sz="630"/>
+              <a:defRPr sz="1181"/>
             </a:lvl7pPr>
-            <a:lvl8pPr marL="1008126" indent="0">
+            <a:lvl8pPr marL="1890156" indent="0">
               <a:buNone/>
-              <a:defRPr sz="630"/>
+              <a:defRPr sz="1181"/>
             </a:lvl8pPr>
-            <a:lvl9pPr marL="1152144" indent="0">
+            <a:lvl9pPr marL="2160179" indent="0">
               <a:buNone/>
-              <a:defRPr sz="630"/>
+              <a:defRPr sz="1181"/>
             </a:lvl9pPr>
           </a:lstStyle>
           <a:p>
@@ -4190,8 +9455,8 @@
         </p:nvSpPr>
         <p:spPr>
           <a:xfrm>
-            <a:off x="372000" y="648176"/>
-            <a:ext cx="1741858" cy="1200827"/>
+            <a:off x="372000" y="1620202"/>
+            <a:ext cx="1741858" cy="3001626"/>
           </a:xfrm>
         </p:spPr>
         <p:txBody>
@@ -4199,39 +9464,39 @@
           <a:lstStyle>
             <a:lvl1pPr marL="0" indent="0">
               <a:buNone/>
-              <a:defRPr sz="504"/>
+              <a:defRPr sz="945"/>
             </a:lvl1pPr>
-            <a:lvl2pPr marL="144018" indent="0">
+            <a:lvl2pPr marL="270022" indent="0">
               <a:buNone/>
-              <a:defRPr sz="441"/>
+              <a:defRPr sz="827"/>
             </a:lvl2pPr>
-            <a:lvl3pPr marL="288036" indent="0">
+            <a:lvl3pPr marL="540045" indent="0">
               <a:buNone/>
-              <a:defRPr sz="378"/>
+              <a:defRPr sz="709"/>
             </a:lvl3pPr>
-            <a:lvl4pPr marL="432054" indent="0">
+            <a:lvl4pPr marL="810067" indent="0">
               <a:buNone/>
-              <a:defRPr sz="315"/>
+              <a:defRPr sz="591"/>
             </a:lvl4pPr>
-            <a:lvl5pPr marL="576072" indent="0">
+            <a:lvl5pPr marL="1080089" indent="0">
               <a:buNone/>
-              <a:defRPr sz="315"/>
+              <a:defRPr sz="591"/>
             </a:lvl5pPr>
-            <a:lvl6pPr marL="720090" indent="0">
+            <a:lvl6pPr marL="1350112" indent="0">
               <a:buNone/>
-              <a:defRPr sz="315"/>
+              <a:defRPr sz="591"/>
             </a:lvl6pPr>
-            <a:lvl7pPr marL="864108" indent="0">
+            <a:lvl7pPr marL="1620134" indent="0">
               <a:buNone/>
-              <a:defRPr sz="315"/>
+              <a:defRPr sz="591"/>
             </a:lvl7pPr>
-            <a:lvl8pPr marL="1008126" indent="0">
+            <a:lvl8pPr marL="1890156" indent="0">
               <a:buNone/>
-              <a:defRPr sz="315"/>
+              <a:defRPr sz="591"/>
             </a:lvl8pPr>
-            <a:lvl9pPr marL="1152144" indent="0">
+            <a:lvl9pPr marL="2160179" indent="0">
               <a:buNone/>
-              <a:defRPr sz="315"/>
+              <a:defRPr sz="591"/>
             </a:lvl9pPr>
           </a:lstStyle>
           <a:p>
@@ -4260,7 +9525,7 @@
           <a:p>
             <a:fld id="{084FC26D-2879-44C1-A7E8-03443A36CBFD}" type="datetimeFigureOut">
               <a:rPr kumimoji="1" lang="ja-JP" altLang="en-US" smtClean="0"/>
-              <a:t>2024/2/10</a:t>
+              <a:t>2024/2/12</a:t>
             </a:fld>
             <a:endParaRPr kumimoji="1" lang="ja-JP" altLang="en-US"/>
           </a:p>
@@ -4311,7 +9576,7 @@
     </p:spTree>
     <p:extLst>
       <p:ext uri="{BB962C8B-B14F-4D97-AF65-F5344CB8AC3E}">
-        <p14:creationId xmlns:p14="http://schemas.microsoft.com/office/powerpoint/2010/main" val="2702946937"/>
+        <p14:creationId xmlns:p14="http://schemas.microsoft.com/office/powerpoint/2010/main" val="3990823303"/>
       </p:ext>
     </p:extLst>
   </p:cSld>
@@ -4355,8 +9620,8 @@
         </p:nvSpPr>
         <p:spPr>
           <a:xfrm>
-            <a:off x="371297" y="115031"/>
-            <a:ext cx="4658082" cy="417614"/>
+            <a:off x="371297" y="287537"/>
+            <a:ext cx="4658082" cy="1043881"/>
           </a:xfrm>
           <a:prstGeom prst="rect">
             <a:avLst/>
@@ -4388,8 +9653,8 @@
         </p:nvSpPr>
         <p:spPr>
           <a:xfrm>
-            <a:off x="371297" y="575157"/>
-            <a:ext cx="4658082" cy="1370873"/>
+            <a:off x="371297" y="1437680"/>
+            <a:ext cx="4658082" cy="3426679"/>
           </a:xfrm>
           <a:prstGeom prst="rect">
             <a:avLst/>
@@ -4482,8 +9747,8 @@
         </p:nvSpPr>
         <p:spPr>
           <a:xfrm>
-            <a:off x="371296" y="2002545"/>
-            <a:ext cx="1215152" cy="115031"/>
+            <a:off x="371296" y="5005627"/>
+            <a:ext cx="1215152" cy="287536"/>
           </a:xfrm>
           <a:prstGeom prst="rect">
             <a:avLst/>
@@ -4493,7 +9758,7 @@
           <a:bodyPr vert="horz" lIns="91440" tIns="45720" rIns="91440" bIns="45720" rtlCol="0" anchor="ctr"/>
           <a:lstStyle>
             <a:lvl1pPr algn="l">
-              <a:defRPr sz="378">
+              <a:defRPr sz="709">
                 <a:solidFill>
                   <a:schemeClr val="tx1">
                     <a:tint val="75000"/>
@@ -4505,7 +9770,7 @@
           <a:p>
             <a:fld id="{084FC26D-2879-44C1-A7E8-03443A36CBFD}" type="datetimeFigureOut">
               <a:rPr kumimoji="1" lang="ja-JP" altLang="en-US" smtClean="0"/>
-              <a:t>2024/2/10</a:t>
+              <a:t>2024/2/12</a:t>
             </a:fld>
             <a:endParaRPr kumimoji="1" lang="ja-JP" altLang="en-US"/>
           </a:p>
@@ -4523,8 +9788,8 @@
         </p:nvSpPr>
         <p:spPr>
           <a:xfrm>
-            <a:off x="1788974" y="2002545"/>
-            <a:ext cx="1822728" cy="115031"/>
+            <a:off x="1788974" y="5005627"/>
+            <a:ext cx="1822728" cy="287536"/>
           </a:xfrm>
           <a:prstGeom prst="rect">
             <a:avLst/>
@@ -4534,7 +9799,7 @@
           <a:bodyPr vert="horz" lIns="91440" tIns="45720" rIns="91440" bIns="45720" rtlCol="0" anchor="ctr"/>
           <a:lstStyle>
             <a:lvl1pPr algn="ctr">
-              <a:defRPr sz="378">
+              <a:defRPr sz="709">
                 <a:solidFill>
                   <a:schemeClr val="tx1">
                     <a:tint val="75000"/>
@@ -4560,8 +9825,8 @@
         </p:nvSpPr>
         <p:spPr>
           <a:xfrm>
-            <a:off x="3814227" y="2002545"/>
-            <a:ext cx="1215152" cy="115031"/>
+            <a:off x="3814227" y="5005627"/>
+            <a:ext cx="1215152" cy="287536"/>
           </a:xfrm>
           <a:prstGeom prst="rect">
             <a:avLst/>
@@ -4571,7 +9836,7 @@
           <a:bodyPr vert="horz" lIns="91440" tIns="45720" rIns="91440" bIns="45720" rtlCol="0" anchor="ctr"/>
           <a:lstStyle>
             <a:lvl1pPr algn="r">
-              <a:defRPr sz="378">
+              <a:defRPr sz="709">
                 <a:solidFill>
                   <a:schemeClr val="tx1">
                     <a:tint val="75000"/>
@@ -4592,27 +9857,27 @@
     </p:spTree>
     <p:extLst>
       <p:ext uri="{BB962C8B-B14F-4D97-AF65-F5344CB8AC3E}">
-        <p14:creationId xmlns:p14="http://schemas.microsoft.com/office/powerpoint/2010/main" val="1819391969"/>
+        <p14:creationId xmlns:p14="http://schemas.microsoft.com/office/powerpoint/2010/main" val="3425800473"/>
       </p:ext>
     </p:extLst>
   </p:cSld>
   <p:clrMap bg1="lt1" tx1="dk1" bg2="lt2" tx2="dk2" accent1="accent1" accent2="accent2" accent3="accent3" accent4="accent4" accent5="accent5" accent6="accent6" hlink="hlink" folHlink="folHlink"/>
   <p:sldLayoutIdLst>
-    <p:sldLayoutId id="2147483781" r:id="rId1"/>
-    <p:sldLayoutId id="2147483782" r:id="rId2"/>
-    <p:sldLayoutId id="2147483783" r:id="rId3"/>
-    <p:sldLayoutId id="2147483784" r:id="rId4"/>
-    <p:sldLayoutId id="2147483785" r:id="rId5"/>
-    <p:sldLayoutId id="2147483786" r:id="rId6"/>
-    <p:sldLayoutId id="2147483787" r:id="rId7"/>
-    <p:sldLayoutId id="2147483788" r:id="rId8"/>
-    <p:sldLayoutId id="2147483789" r:id="rId9"/>
-    <p:sldLayoutId id="2147483790" r:id="rId10"/>
-    <p:sldLayoutId id="2147483791" r:id="rId11"/>
+    <p:sldLayoutId id="2147483793" r:id="rId1"/>
+    <p:sldLayoutId id="2147483794" r:id="rId2"/>
+    <p:sldLayoutId id="2147483795" r:id="rId3"/>
+    <p:sldLayoutId id="2147483796" r:id="rId4"/>
+    <p:sldLayoutId id="2147483797" r:id="rId5"/>
+    <p:sldLayoutId id="2147483798" r:id="rId6"/>
+    <p:sldLayoutId id="2147483799" r:id="rId7"/>
+    <p:sldLayoutId id="2147483800" r:id="rId8"/>
+    <p:sldLayoutId id="2147483801" r:id="rId9"/>
+    <p:sldLayoutId id="2147483802" r:id="rId10"/>
+    <p:sldLayoutId id="2147483803" r:id="rId11"/>
   </p:sldLayoutIdLst>
   <p:txStyles>
     <p:titleStyle>
-      <a:lvl1pPr algn="l" defTabSz="288036" rtl="0" eaLnBrk="1" latinLnBrk="0" hangingPunct="1">
+      <a:lvl1pPr algn="l" defTabSz="540045" rtl="0" eaLnBrk="1" latinLnBrk="0" hangingPunct="1">
         <a:lnSpc>
           <a:spcPct val="90000"/>
         </a:lnSpc>
@@ -4620,7 +9885,7 @@
           <a:spcPct val="0"/>
         </a:spcBef>
         <a:buNone/>
-        <a:defRPr kumimoji="1" sz="1386" kern="1200">
+        <a:defRPr kumimoji="1" sz="2599" kern="1200">
           <a:solidFill>
             <a:schemeClr val="tx1"/>
           </a:solidFill>
@@ -4631,16 +9896,16 @@
       </a:lvl1pPr>
     </p:titleStyle>
     <p:bodyStyle>
-      <a:lvl1pPr marL="72009" indent="-72009" algn="l" defTabSz="288036" rtl="0" eaLnBrk="1" latinLnBrk="0" hangingPunct="1">
+      <a:lvl1pPr marL="135011" indent="-135011" algn="l" defTabSz="540045" rtl="0" eaLnBrk="1" latinLnBrk="0" hangingPunct="1">
         <a:lnSpc>
           <a:spcPct val="90000"/>
         </a:lnSpc>
         <a:spcBef>
-          <a:spcPts val="315"/>
+          <a:spcPts val="591"/>
         </a:spcBef>
         <a:buFont typeface="Arial" panose="020B0604020202020204" pitchFamily="34" charset="0"/>
         <a:buChar char="•"/>
-        <a:defRPr kumimoji="1" sz="882" kern="1200">
+        <a:defRPr kumimoji="1" sz="1654" kern="1200">
           <a:solidFill>
             <a:schemeClr val="tx1"/>
           </a:solidFill>
@@ -4649,16 +9914,16 @@
           <a:cs typeface="+mn-cs"/>
         </a:defRPr>
       </a:lvl1pPr>
-      <a:lvl2pPr marL="216027" indent="-72009" algn="l" defTabSz="288036" rtl="0" eaLnBrk="1" latinLnBrk="0" hangingPunct="1">
+      <a:lvl2pPr marL="405033" indent="-135011" algn="l" defTabSz="540045" rtl="0" eaLnBrk="1" latinLnBrk="0" hangingPunct="1">
         <a:lnSpc>
           <a:spcPct val="90000"/>
         </a:lnSpc>
         <a:spcBef>
-          <a:spcPts val="158"/>
+          <a:spcPts val="295"/>
         </a:spcBef>
         <a:buFont typeface="Arial" panose="020B0604020202020204" pitchFamily="34" charset="0"/>
         <a:buChar char="•"/>
-        <a:defRPr kumimoji="1" sz="756" kern="1200">
+        <a:defRPr kumimoji="1" sz="1417" kern="1200">
           <a:solidFill>
             <a:schemeClr val="tx1"/>
           </a:solidFill>
@@ -4667,16 +9932,16 @@
           <a:cs typeface="+mn-cs"/>
         </a:defRPr>
       </a:lvl2pPr>
-      <a:lvl3pPr marL="360045" indent="-72009" algn="l" defTabSz="288036" rtl="0" eaLnBrk="1" latinLnBrk="0" hangingPunct="1">
+      <a:lvl3pPr marL="675056" indent="-135011" algn="l" defTabSz="540045" rtl="0" eaLnBrk="1" latinLnBrk="0" hangingPunct="1">
         <a:lnSpc>
           <a:spcPct val="90000"/>
         </a:lnSpc>
         <a:spcBef>
-          <a:spcPts val="158"/>
+          <a:spcPts val="295"/>
         </a:spcBef>
         <a:buFont typeface="Arial" panose="020B0604020202020204" pitchFamily="34" charset="0"/>
         <a:buChar char="•"/>
-        <a:defRPr kumimoji="1" sz="630" kern="1200">
+        <a:defRPr kumimoji="1" sz="1181" kern="1200">
           <a:solidFill>
             <a:schemeClr val="tx1"/>
           </a:solidFill>
@@ -4685,16 +9950,16 @@
           <a:cs typeface="+mn-cs"/>
         </a:defRPr>
       </a:lvl3pPr>
-      <a:lvl4pPr marL="504063" indent="-72009" algn="l" defTabSz="288036" rtl="0" eaLnBrk="1" latinLnBrk="0" hangingPunct="1">
+      <a:lvl4pPr marL="945078" indent="-135011" algn="l" defTabSz="540045" rtl="0" eaLnBrk="1" latinLnBrk="0" hangingPunct="1">
         <a:lnSpc>
           <a:spcPct val="90000"/>
         </a:lnSpc>
         <a:spcBef>
-          <a:spcPts val="158"/>
+          <a:spcPts val="295"/>
         </a:spcBef>
         <a:buFont typeface="Arial" panose="020B0604020202020204" pitchFamily="34" charset="0"/>
         <a:buChar char="•"/>
-        <a:defRPr kumimoji="1" sz="567" kern="1200">
+        <a:defRPr kumimoji="1" sz="1063" kern="1200">
           <a:solidFill>
             <a:schemeClr val="tx1"/>
           </a:solidFill>
@@ -4703,16 +9968,16 @@
           <a:cs typeface="+mn-cs"/>
         </a:defRPr>
       </a:lvl4pPr>
-      <a:lvl5pPr marL="648081" indent="-72009" algn="l" defTabSz="288036" rtl="0" eaLnBrk="1" latinLnBrk="0" hangingPunct="1">
+      <a:lvl5pPr marL="1215100" indent="-135011" algn="l" defTabSz="540045" rtl="0" eaLnBrk="1" latinLnBrk="0" hangingPunct="1">
         <a:lnSpc>
           <a:spcPct val="90000"/>
         </a:lnSpc>
         <a:spcBef>
-          <a:spcPts val="158"/>
+          <a:spcPts val="295"/>
         </a:spcBef>
         <a:buFont typeface="Arial" panose="020B0604020202020204" pitchFamily="34" charset="0"/>
         <a:buChar char="•"/>
-        <a:defRPr kumimoji="1" sz="567" kern="1200">
+        <a:defRPr kumimoji="1" sz="1063" kern="1200">
           <a:solidFill>
             <a:schemeClr val="tx1"/>
           </a:solidFill>
@@ -4721,16 +9986,16 @@
           <a:cs typeface="+mn-cs"/>
         </a:defRPr>
       </a:lvl5pPr>
-      <a:lvl6pPr marL="792099" indent="-72009" algn="l" defTabSz="288036" rtl="0" eaLnBrk="1" latinLnBrk="0" hangingPunct="1">
+      <a:lvl6pPr marL="1485123" indent="-135011" algn="l" defTabSz="540045" rtl="0" eaLnBrk="1" latinLnBrk="0" hangingPunct="1">
         <a:lnSpc>
           <a:spcPct val="90000"/>
         </a:lnSpc>
         <a:spcBef>
-          <a:spcPts val="158"/>
+          <a:spcPts val="295"/>
         </a:spcBef>
         <a:buFont typeface="Arial" panose="020B0604020202020204" pitchFamily="34" charset="0"/>
         <a:buChar char="•"/>
-        <a:defRPr kumimoji="1" sz="567" kern="1200">
+        <a:defRPr kumimoji="1" sz="1063" kern="1200">
           <a:solidFill>
             <a:schemeClr val="tx1"/>
           </a:solidFill>
@@ -4739,16 +10004,16 @@
           <a:cs typeface="+mn-cs"/>
         </a:defRPr>
       </a:lvl6pPr>
-      <a:lvl7pPr marL="936117" indent="-72009" algn="l" defTabSz="288036" rtl="0" eaLnBrk="1" latinLnBrk="0" hangingPunct="1">
+      <a:lvl7pPr marL="1755145" indent="-135011" algn="l" defTabSz="540045" rtl="0" eaLnBrk="1" latinLnBrk="0" hangingPunct="1">
         <a:lnSpc>
           <a:spcPct val="90000"/>
         </a:lnSpc>
         <a:spcBef>
-          <a:spcPts val="158"/>
+          <a:spcPts val="295"/>
         </a:spcBef>
         <a:buFont typeface="Arial" panose="020B0604020202020204" pitchFamily="34" charset="0"/>
         <a:buChar char="•"/>
-        <a:defRPr kumimoji="1" sz="567" kern="1200">
+        <a:defRPr kumimoji="1" sz="1063" kern="1200">
           <a:solidFill>
             <a:schemeClr val="tx1"/>
           </a:solidFill>
@@ -4757,16 +10022,16 @@
           <a:cs typeface="+mn-cs"/>
         </a:defRPr>
       </a:lvl7pPr>
-      <a:lvl8pPr marL="1080135" indent="-72009" algn="l" defTabSz="288036" rtl="0" eaLnBrk="1" latinLnBrk="0" hangingPunct="1">
+      <a:lvl8pPr marL="2025167" indent="-135011" algn="l" defTabSz="540045" rtl="0" eaLnBrk="1" latinLnBrk="0" hangingPunct="1">
         <a:lnSpc>
           <a:spcPct val="90000"/>
         </a:lnSpc>
         <a:spcBef>
-          <a:spcPts val="158"/>
+          <a:spcPts val="295"/>
         </a:spcBef>
         <a:buFont typeface="Arial" panose="020B0604020202020204" pitchFamily="34" charset="0"/>
         <a:buChar char="•"/>
-        <a:defRPr kumimoji="1" sz="567" kern="1200">
+        <a:defRPr kumimoji="1" sz="1063" kern="1200">
           <a:solidFill>
             <a:schemeClr val="tx1"/>
           </a:solidFill>
@@ -4775,16 +10040,16 @@
           <a:cs typeface="+mn-cs"/>
         </a:defRPr>
       </a:lvl8pPr>
-      <a:lvl9pPr marL="1224153" indent="-72009" algn="l" defTabSz="288036" rtl="0" eaLnBrk="1" latinLnBrk="0" hangingPunct="1">
+      <a:lvl9pPr marL="2295190" indent="-135011" algn="l" defTabSz="540045" rtl="0" eaLnBrk="1" latinLnBrk="0" hangingPunct="1">
         <a:lnSpc>
           <a:spcPct val="90000"/>
         </a:lnSpc>
         <a:spcBef>
-          <a:spcPts val="158"/>
+          <a:spcPts val="295"/>
         </a:spcBef>
         <a:buFont typeface="Arial" panose="020B0604020202020204" pitchFamily="34" charset="0"/>
         <a:buChar char="•"/>
-        <a:defRPr kumimoji="1" sz="567" kern="1200">
+        <a:defRPr kumimoji="1" sz="1063" kern="1200">
           <a:solidFill>
             <a:schemeClr val="tx1"/>
           </a:solidFill>
@@ -4798,8 +10063,8 @@
       <a:defPPr>
         <a:defRPr lang="en-US"/>
       </a:defPPr>
-      <a:lvl1pPr marL="0" algn="l" defTabSz="288036" rtl="0" eaLnBrk="1" latinLnBrk="0" hangingPunct="1">
-        <a:defRPr kumimoji="1" sz="567" kern="1200">
+      <a:lvl1pPr marL="0" algn="l" defTabSz="540045" rtl="0" eaLnBrk="1" latinLnBrk="0" hangingPunct="1">
+        <a:defRPr kumimoji="1" sz="1063" kern="1200">
           <a:solidFill>
             <a:schemeClr val="tx1"/>
           </a:solidFill>
@@ -4808,8 +10073,8 @@
           <a:cs typeface="+mn-cs"/>
         </a:defRPr>
       </a:lvl1pPr>
-      <a:lvl2pPr marL="144018" algn="l" defTabSz="288036" rtl="0" eaLnBrk="1" latinLnBrk="0" hangingPunct="1">
-        <a:defRPr kumimoji="1" sz="567" kern="1200">
+      <a:lvl2pPr marL="270022" algn="l" defTabSz="540045" rtl="0" eaLnBrk="1" latinLnBrk="0" hangingPunct="1">
+        <a:defRPr kumimoji="1" sz="1063" kern="1200">
           <a:solidFill>
             <a:schemeClr val="tx1"/>
           </a:solidFill>
@@ -4818,8 +10083,8 @@
           <a:cs typeface="+mn-cs"/>
         </a:defRPr>
       </a:lvl2pPr>
-      <a:lvl3pPr marL="288036" algn="l" defTabSz="288036" rtl="0" eaLnBrk="1" latinLnBrk="0" hangingPunct="1">
-        <a:defRPr kumimoji="1" sz="567" kern="1200">
+      <a:lvl3pPr marL="540045" algn="l" defTabSz="540045" rtl="0" eaLnBrk="1" latinLnBrk="0" hangingPunct="1">
+        <a:defRPr kumimoji="1" sz="1063" kern="1200">
           <a:solidFill>
             <a:schemeClr val="tx1"/>
           </a:solidFill>
@@ -4828,8 +10093,8 @@
           <a:cs typeface="+mn-cs"/>
         </a:defRPr>
       </a:lvl3pPr>
-      <a:lvl4pPr marL="432054" algn="l" defTabSz="288036" rtl="0" eaLnBrk="1" latinLnBrk="0" hangingPunct="1">
-        <a:defRPr kumimoji="1" sz="567" kern="1200">
+      <a:lvl4pPr marL="810067" algn="l" defTabSz="540045" rtl="0" eaLnBrk="1" latinLnBrk="0" hangingPunct="1">
+        <a:defRPr kumimoji="1" sz="1063" kern="1200">
           <a:solidFill>
             <a:schemeClr val="tx1"/>
           </a:solidFill>
@@ -4838,8 +10103,8 @@
           <a:cs typeface="+mn-cs"/>
         </a:defRPr>
       </a:lvl4pPr>
-      <a:lvl5pPr marL="576072" algn="l" defTabSz="288036" rtl="0" eaLnBrk="1" latinLnBrk="0" hangingPunct="1">
-        <a:defRPr kumimoji="1" sz="567" kern="1200">
+      <a:lvl5pPr marL="1080089" algn="l" defTabSz="540045" rtl="0" eaLnBrk="1" latinLnBrk="0" hangingPunct="1">
+        <a:defRPr kumimoji="1" sz="1063" kern="1200">
           <a:solidFill>
             <a:schemeClr val="tx1"/>
           </a:solidFill>
@@ -4848,8 +10113,8 @@
           <a:cs typeface="+mn-cs"/>
         </a:defRPr>
       </a:lvl5pPr>
-      <a:lvl6pPr marL="720090" algn="l" defTabSz="288036" rtl="0" eaLnBrk="1" latinLnBrk="0" hangingPunct="1">
-        <a:defRPr kumimoji="1" sz="567" kern="1200">
+      <a:lvl6pPr marL="1350112" algn="l" defTabSz="540045" rtl="0" eaLnBrk="1" latinLnBrk="0" hangingPunct="1">
+        <a:defRPr kumimoji="1" sz="1063" kern="1200">
           <a:solidFill>
             <a:schemeClr val="tx1"/>
           </a:solidFill>
@@ -4858,8 +10123,8 @@
           <a:cs typeface="+mn-cs"/>
         </a:defRPr>
       </a:lvl6pPr>
-      <a:lvl7pPr marL="864108" algn="l" defTabSz="288036" rtl="0" eaLnBrk="1" latinLnBrk="0" hangingPunct="1">
-        <a:defRPr kumimoji="1" sz="567" kern="1200">
+      <a:lvl7pPr marL="1620134" algn="l" defTabSz="540045" rtl="0" eaLnBrk="1" latinLnBrk="0" hangingPunct="1">
+        <a:defRPr kumimoji="1" sz="1063" kern="1200">
           <a:solidFill>
             <a:schemeClr val="tx1"/>
           </a:solidFill>
@@ -4868,8 +10133,8 @@
           <a:cs typeface="+mn-cs"/>
         </a:defRPr>
       </a:lvl7pPr>
-      <a:lvl8pPr marL="1008126" algn="l" defTabSz="288036" rtl="0" eaLnBrk="1" latinLnBrk="0" hangingPunct="1">
-        <a:defRPr kumimoji="1" sz="567" kern="1200">
+      <a:lvl8pPr marL="1890156" algn="l" defTabSz="540045" rtl="0" eaLnBrk="1" latinLnBrk="0" hangingPunct="1">
+        <a:defRPr kumimoji="1" sz="1063" kern="1200">
           <a:solidFill>
             <a:schemeClr val="tx1"/>
           </a:solidFill>
@@ -4878,8 +10143,8 @@
           <a:cs typeface="+mn-cs"/>
         </a:defRPr>
       </a:lvl8pPr>
-      <a:lvl9pPr marL="1152144" algn="l" defTabSz="288036" rtl="0" eaLnBrk="1" latinLnBrk="0" hangingPunct="1">
-        <a:defRPr kumimoji="1" sz="567" kern="1200">
+      <a:lvl9pPr marL="2160179" algn="l" defTabSz="540045" rtl="0" eaLnBrk="1" latinLnBrk="0" hangingPunct="1">
+        <a:defRPr kumimoji="1" sz="1063" kern="1200">
           <a:solidFill>
             <a:schemeClr val="tx1"/>
           </a:solidFill>
@@ -4924,10 +10189,10 @@
         </p:nvGrpSpPr>
         <p:grpSpPr>
           <a:xfrm>
-            <a:off x="-263198" y="-282350"/>
-            <a:ext cx="5910736" cy="2716173"/>
-            <a:chOff x="-8183" y="-16649"/>
-            <a:chExt cx="2960933" cy="1508606"/>
+            <a:off x="-1128192" y="1337693"/>
+            <a:ext cx="6775730" cy="3212434"/>
+            <a:chOff x="-179" y="-16649"/>
+            <a:chExt cx="2952929" cy="1485772"/>
           </a:xfrm>
         </p:grpSpPr>
         <p:graphicFrame>
@@ -4973,7 +10238,7 @@
           <p:spPr>
             <a:xfrm>
               <a:off x="455876" y="1355451"/>
-              <a:ext cx="1680374" cy="136506"/>
+              <a:ext cx="1680374" cy="113672"/>
             </a:xfrm>
             <a:prstGeom prst="rect">
               <a:avLst/>
@@ -5014,8 +10279,8 @@
           </p:nvSpPr>
           <p:spPr>
             <a:xfrm rot="16200000">
-              <a:off x="-528259" y="594210"/>
-              <a:ext cx="1163269" cy="123118"/>
+              <a:off x="-528259" y="602214"/>
+              <a:ext cx="1163269" cy="107110"/>
             </a:xfrm>
             <a:prstGeom prst="rect">
               <a:avLst/>
@@ -5071,11 +10336,17 @@
 </file>
 
 <file path=ppt/slides/slide2.xml><?xml version="1.0" encoding="utf-8"?>
-<p:sld xmlns:a="http://schemas.openxmlformats.org/drawingml/2006/main" xmlns:r="http://schemas.openxmlformats.org/officeDocument/2006/relationships" xmlns:p="http://schemas.openxmlformats.org/presentationml/2006/main">
+<p:sld xmlns:a="http://schemas.openxmlformats.org/drawingml/2006/main" xmlns:r="http://schemas.openxmlformats.org/officeDocument/2006/relationships" xmlns:p="http://schemas.openxmlformats.org/presentationml/2006/main" show="0">
   <p:cSld>
     <p:spTree>
       <p:nvGrpSpPr>
-        <p:cNvPr id="1" name=""/>
+        <p:cNvPr id="1" name="">
+          <a:extLst>
+            <a:ext uri="{FF2B5EF4-FFF2-40B4-BE49-F238E27FC236}">
+              <a16:creationId xmlns:a16="http://schemas.microsoft.com/office/drawing/2014/main" id="{A88F3318-8C70-95A8-4CB8-BCDF56921A16}"/>
+            </a:ext>
+          </a:extLst>
+        </p:cNvPr>
         <p:cNvGrpSpPr/>
         <p:nvPr/>
       </p:nvGrpSpPr>
@@ -5087,10 +10358,722 @@
           <a:chExt cx="0" cy="0"/>
         </a:xfrm>
       </p:grpSpPr>
+      <p:grpSp>
+        <p:nvGrpSpPr>
+          <p:cNvPr id="12" name="グループ化 11">
+            <a:extLst>
+              <a:ext uri="{FF2B5EF4-FFF2-40B4-BE49-F238E27FC236}">
+                <a16:creationId xmlns:a16="http://schemas.microsoft.com/office/drawing/2014/main" id="{FD188582-F1C3-B023-284D-D43B2231143A}"/>
+              </a:ext>
+            </a:extLst>
+          </p:cNvPr>
+          <p:cNvGrpSpPr/>
+          <p:nvPr/>
+        </p:nvGrpSpPr>
+        <p:grpSpPr>
+          <a:xfrm>
+            <a:off x="-21439" y="0"/>
+            <a:ext cx="5422114" cy="5092900"/>
+            <a:chOff x="-27664" y="5764"/>
+            <a:chExt cx="2797587" cy="1307449"/>
+          </a:xfrm>
+        </p:grpSpPr>
+        <p:graphicFrame>
+          <p:nvGraphicFramePr>
+            <p:cNvPr id="13" name="グラフ 12">
+              <a:extLst>
+                <a:ext uri="{FF2B5EF4-FFF2-40B4-BE49-F238E27FC236}">
+                  <a16:creationId xmlns:a16="http://schemas.microsoft.com/office/drawing/2014/main" id="{0FC48CC6-DD89-3782-8FFE-F30C930253DB}"/>
+                </a:ext>
+              </a:extLst>
+            </p:cNvPr>
+            <p:cNvGraphicFramePr/>
+            <p:nvPr>
+              <p:extLst>
+                <p:ext uri="{D42A27DB-BD31-4B8C-83A1-F6EECF244321}">
+                  <p14:modId xmlns:p14="http://schemas.microsoft.com/office/powerpoint/2010/main" val="2747113957"/>
+                </p:ext>
+              </p:extLst>
+            </p:nvPr>
+          </p:nvGraphicFramePr>
+          <p:xfrm>
+            <a:off x="134416" y="5764"/>
+            <a:ext cx="2635507" cy="1307449"/>
+          </p:xfrm>
+          <a:graphic>
+            <a:graphicData uri="http://schemas.openxmlformats.org/drawingml/2006/chart">
+              <c:chart xmlns:c="http://schemas.openxmlformats.org/drawingml/2006/chart" xmlns:r="http://schemas.openxmlformats.org/officeDocument/2006/relationships" r:id="rId3"/>
+            </a:graphicData>
+          </a:graphic>
+        </p:graphicFrame>
+        <p:sp>
+          <p:nvSpPr>
+            <p:cNvPr id="15" name="テキスト ボックス 14">
+              <a:extLst>
+                <a:ext uri="{FF2B5EF4-FFF2-40B4-BE49-F238E27FC236}">
+                  <a16:creationId xmlns:a16="http://schemas.microsoft.com/office/drawing/2014/main" id="{CDD8EB0A-D495-3A1C-B275-6529ABFFAD32}"/>
+                </a:ext>
+              </a:extLst>
+            </p:cNvPr>
+            <p:cNvSpPr txBox="1"/>
+            <p:nvPr/>
+          </p:nvSpPr>
+          <p:spPr>
+            <a:xfrm rot="16200000">
+              <a:off x="-297500" y="607182"/>
+              <a:ext cx="701752" cy="162080"/>
+            </a:xfrm>
+            <a:prstGeom prst="rect">
+              <a:avLst/>
+            </a:prstGeom>
+            <a:noFill/>
+          </p:spPr>
+          <p:txBody>
+            <a:bodyPr wrap="square" lIns="0" tIns="0" rIns="0" bIns="0" rtlCol="0">
+              <a:spAutoFit/>
+            </a:bodyPr>
+            <a:lstStyle/>
+            <a:p>
+              <a:pPr algn="ctr"/>
+              <a:r>
+                <a:rPr kumimoji="1" lang="ja-JP" altLang="en-US" sz="2000" dirty="0">
+                  <a:latin typeface="Cambria Math" panose="02040503050406030204" pitchFamily="18" charset="0"/>
+                  <a:ea typeface="Cambria Math" panose="02040503050406030204" pitchFamily="18" charset="0"/>
+                </a:rPr>
+                <a:t>スループット</a:t>
+              </a:r>
+              <a:r>
+                <a:rPr kumimoji="1" lang="en-US" altLang="ja-JP" sz="2000" dirty="0">
+                  <a:latin typeface="Cambria Math" panose="02040503050406030204" pitchFamily="18" charset="0"/>
+                  <a:ea typeface="Cambria Math" panose="02040503050406030204" pitchFamily="18" charset="0"/>
+                </a:rPr>
+                <a:t> [</a:t>
+              </a:r>
+              <a:r>
+                <a:rPr kumimoji="1" lang="en-US" altLang="ja-JP" sz="2000" dirty="0" err="1">
+                  <a:latin typeface="Cambria Math" panose="02040503050406030204" pitchFamily="18" charset="0"/>
+                  <a:ea typeface="Cambria Math" panose="02040503050406030204" pitchFamily="18" charset="0"/>
+                </a:rPr>
+                <a:t>MRec</a:t>
+              </a:r>
+              <a:r>
+                <a:rPr kumimoji="1" lang="en-US" altLang="ja-JP" sz="2000" dirty="0">
+                  <a:latin typeface="Cambria Math" panose="02040503050406030204" pitchFamily="18" charset="0"/>
+                  <a:ea typeface="Cambria Math" panose="02040503050406030204" pitchFamily="18" charset="0"/>
+                </a:rPr>
+                <a:t>/s]</a:t>
+              </a:r>
+              <a:endParaRPr kumimoji="1" lang="ja-JP" altLang="en-US" sz="2000" dirty="0">
+                <a:latin typeface="Cambria Math" panose="02040503050406030204" pitchFamily="18" charset="0"/>
+              </a:endParaRPr>
+            </a:p>
+          </p:txBody>
+        </p:sp>
+      </p:grpSp>
+      <p:sp>
+        <p:nvSpPr>
+          <p:cNvPr id="2" name="テキスト ボックス 1">
+            <a:extLst>
+              <a:ext uri="{FF2B5EF4-FFF2-40B4-BE49-F238E27FC236}">
+                <a16:creationId xmlns:a16="http://schemas.microsoft.com/office/drawing/2014/main" id="{258D747B-57E0-349C-9F31-B430AE96790C}"/>
+              </a:ext>
+            </a:extLst>
+          </p:cNvPr>
+          <p:cNvSpPr txBox="1"/>
+          <p:nvPr/>
+        </p:nvSpPr>
+        <p:spPr>
+          <a:xfrm>
+            <a:off x="559821" y="5092898"/>
+            <a:ext cx="4281033" cy="307777"/>
+          </a:xfrm>
+          <a:prstGeom prst="rect">
+            <a:avLst/>
+          </a:prstGeom>
+          <a:noFill/>
+        </p:spPr>
+        <p:txBody>
+          <a:bodyPr wrap="square" lIns="0" tIns="0" rIns="0" bIns="0" rtlCol="0">
+            <a:spAutoFit/>
+          </a:bodyPr>
+          <a:lstStyle/>
+          <a:p>
+            <a:pPr algn="ctr"/>
+            <a:r>
+              <a:rPr kumimoji="1" lang="ja-JP" altLang="en-US" sz="2000" dirty="0">
+                <a:latin typeface="Cambria Math" panose="02040503050406030204" pitchFamily="18" charset="0"/>
+                <a:ea typeface="Cambria Math" panose="02040503050406030204" pitchFamily="18" charset="0"/>
+              </a:rPr>
+              <a:t>データ数</a:t>
+            </a:r>
+            <a:endParaRPr kumimoji="1" lang="ja-JP" altLang="en-US" sz="2000" dirty="0">
+              <a:latin typeface="Cambria Math" panose="02040503050406030204" pitchFamily="18" charset="0"/>
+            </a:endParaRPr>
+          </a:p>
+        </p:txBody>
+      </p:sp>
     </p:spTree>
     <p:extLst>
       <p:ext uri="{BB962C8B-B14F-4D97-AF65-F5344CB8AC3E}">
-        <p14:creationId xmlns:p14="http://schemas.microsoft.com/office/powerpoint/2010/main" val="2281224897"/>
+        <p14:creationId xmlns:p14="http://schemas.microsoft.com/office/powerpoint/2010/main" val="3819546153"/>
+      </p:ext>
+    </p:extLst>
+  </p:cSld>
+  <p:clrMapOvr>
+    <a:masterClrMapping/>
+  </p:clrMapOvr>
+</p:sld>
+</file>
+
+<file path=ppt/slides/slide3.xml><?xml version="1.0" encoding="utf-8"?>
+<p:sld xmlns:a="http://schemas.openxmlformats.org/drawingml/2006/main" xmlns:r="http://schemas.openxmlformats.org/officeDocument/2006/relationships" xmlns:p="http://schemas.openxmlformats.org/presentationml/2006/main" show="0">
+  <p:cSld>
+    <p:spTree>
+      <p:nvGrpSpPr>
+        <p:cNvPr id="1" name="">
+          <a:extLst>
+            <a:ext uri="{FF2B5EF4-FFF2-40B4-BE49-F238E27FC236}">
+              <a16:creationId xmlns:a16="http://schemas.microsoft.com/office/drawing/2014/main" id="{3B296A88-F6CC-7A6F-4D5A-AA605BC79F98}"/>
+            </a:ext>
+          </a:extLst>
+        </p:cNvPr>
+        <p:cNvGrpSpPr/>
+        <p:nvPr/>
+      </p:nvGrpSpPr>
+      <p:grpSpPr>
+        <a:xfrm>
+          <a:off x="0" y="0"/>
+          <a:ext cx="0" cy="0"/>
+          <a:chOff x="0" y="0"/>
+          <a:chExt cx="0" cy="0"/>
+        </a:xfrm>
+      </p:grpSpPr>
+      <p:grpSp>
+        <p:nvGrpSpPr>
+          <p:cNvPr id="12" name="グループ化 11">
+            <a:extLst>
+              <a:ext uri="{FF2B5EF4-FFF2-40B4-BE49-F238E27FC236}">
+                <a16:creationId xmlns:a16="http://schemas.microsoft.com/office/drawing/2014/main" id="{9AA07AA9-1E9D-BE8B-B8A8-569E5304A89D}"/>
+              </a:ext>
+            </a:extLst>
+          </p:cNvPr>
+          <p:cNvGrpSpPr/>
+          <p:nvPr/>
+        </p:nvGrpSpPr>
+        <p:grpSpPr>
+          <a:xfrm>
+            <a:off x="-21439" y="0"/>
+            <a:ext cx="5422114" cy="5092900"/>
+            <a:chOff x="-27664" y="5764"/>
+            <a:chExt cx="2797587" cy="1307449"/>
+          </a:xfrm>
+        </p:grpSpPr>
+        <p:graphicFrame>
+          <p:nvGraphicFramePr>
+            <p:cNvPr id="13" name="グラフ 12">
+              <a:extLst>
+                <a:ext uri="{FF2B5EF4-FFF2-40B4-BE49-F238E27FC236}">
+                  <a16:creationId xmlns:a16="http://schemas.microsoft.com/office/drawing/2014/main" id="{911C7EE5-10FE-7626-5214-8FB810B6524C}"/>
+                </a:ext>
+              </a:extLst>
+            </p:cNvPr>
+            <p:cNvGraphicFramePr/>
+            <p:nvPr>
+              <p:extLst>
+                <p:ext uri="{D42A27DB-BD31-4B8C-83A1-F6EECF244321}">
+                  <p14:modId xmlns:p14="http://schemas.microsoft.com/office/powerpoint/2010/main" val="1767319731"/>
+                </p:ext>
+              </p:extLst>
+            </p:nvPr>
+          </p:nvGraphicFramePr>
+          <p:xfrm>
+            <a:off x="134416" y="5764"/>
+            <a:ext cx="2635507" cy="1307449"/>
+          </p:xfrm>
+          <a:graphic>
+            <a:graphicData uri="http://schemas.openxmlformats.org/drawingml/2006/chart">
+              <c:chart xmlns:c="http://schemas.openxmlformats.org/drawingml/2006/chart" xmlns:r="http://schemas.openxmlformats.org/officeDocument/2006/relationships" r:id="rId3"/>
+            </a:graphicData>
+          </a:graphic>
+        </p:graphicFrame>
+        <p:sp>
+          <p:nvSpPr>
+            <p:cNvPr id="15" name="テキスト ボックス 14">
+              <a:extLst>
+                <a:ext uri="{FF2B5EF4-FFF2-40B4-BE49-F238E27FC236}">
+                  <a16:creationId xmlns:a16="http://schemas.microsoft.com/office/drawing/2014/main" id="{8F184FBB-0C47-CBC8-FEC4-0FC2B1205017}"/>
+                </a:ext>
+              </a:extLst>
+            </p:cNvPr>
+            <p:cNvSpPr txBox="1"/>
+            <p:nvPr/>
+          </p:nvSpPr>
+          <p:spPr>
+            <a:xfrm rot="16200000">
+              <a:off x="-297500" y="607182"/>
+              <a:ext cx="701752" cy="162080"/>
+            </a:xfrm>
+            <a:prstGeom prst="rect">
+              <a:avLst/>
+            </a:prstGeom>
+            <a:noFill/>
+          </p:spPr>
+          <p:txBody>
+            <a:bodyPr wrap="square" lIns="0" tIns="0" rIns="0" bIns="0" rtlCol="0">
+              <a:spAutoFit/>
+            </a:bodyPr>
+            <a:lstStyle/>
+            <a:p>
+              <a:pPr algn="ctr"/>
+              <a:r>
+                <a:rPr kumimoji="1" lang="ja-JP" altLang="en-US" sz="2000" dirty="0">
+                  <a:latin typeface="Cambria Math" panose="02040503050406030204" pitchFamily="18" charset="0"/>
+                  <a:ea typeface="Cambria Math" panose="02040503050406030204" pitchFamily="18" charset="0"/>
+                </a:rPr>
+                <a:t>スループット</a:t>
+              </a:r>
+              <a:r>
+                <a:rPr kumimoji="1" lang="en-US" altLang="ja-JP" sz="2000" dirty="0">
+                  <a:latin typeface="Cambria Math" panose="02040503050406030204" pitchFamily="18" charset="0"/>
+                  <a:ea typeface="Cambria Math" panose="02040503050406030204" pitchFamily="18" charset="0"/>
+                </a:rPr>
+                <a:t> [</a:t>
+              </a:r>
+              <a:r>
+                <a:rPr kumimoji="1" lang="en-US" altLang="ja-JP" sz="2000" dirty="0" err="1">
+                  <a:latin typeface="Cambria Math" panose="02040503050406030204" pitchFamily="18" charset="0"/>
+                  <a:ea typeface="Cambria Math" panose="02040503050406030204" pitchFamily="18" charset="0"/>
+                </a:rPr>
+                <a:t>MRec</a:t>
+              </a:r>
+              <a:r>
+                <a:rPr kumimoji="1" lang="en-US" altLang="ja-JP" sz="2000" dirty="0">
+                  <a:latin typeface="Cambria Math" panose="02040503050406030204" pitchFamily="18" charset="0"/>
+                  <a:ea typeface="Cambria Math" panose="02040503050406030204" pitchFamily="18" charset="0"/>
+                </a:rPr>
+                <a:t>/s]</a:t>
+              </a:r>
+              <a:endParaRPr kumimoji="1" lang="ja-JP" altLang="en-US" sz="2000" dirty="0">
+                <a:latin typeface="Cambria Math" panose="02040503050406030204" pitchFamily="18" charset="0"/>
+              </a:endParaRPr>
+            </a:p>
+          </p:txBody>
+        </p:sp>
+      </p:grpSp>
+      <p:sp>
+        <p:nvSpPr>
+          <p:cNvPr id="2" name="テキスト ボックス 1">
+            <a:extLst>
+              <a:ext uri="{FF2B5EF4-FFF2-40B4-BE49-F238E27FC236}">
+                <a16:creationId xmlns:a16="http://schemas.microsoft.com/office/drawing/2014/main" id="{CBBDD3C7-8D3E-3999-0269-934F47D9AF32}"/>
+              </a:ext>
+            </a:extLst>
+          </p:cNvPr>
+          <p:cNvSpPr txBox="1"/>
+          <p:nvPr/>
+        </p:nvSpPr>
+        <p:spPr>
+          <a:xfrm>
+            <a:off x="559821" y="5092898"/>
+            <a:ext cx="4281033" cy="307777"/>
+          </a:xfrm>
+          <a:prstGeom prst="rect">
+            <a:avLst/>
+          </a:prstGeom>
+          <a:noFill/>
+        </p:spPr>
+        <p:txBody>
+          <a:bodyPr wrap="square" lIns="0" tIns="0" rIns="0" bIns="0" rtlCol="0">
+            <a:spAutoFit/>
+          </a:bodyPr>
+          <a:lstStyle/>
+          <a:p>
+            <a:pPr algn="ctr"/>
+            <a:r>
+              <a:rPr kumimoji="1" lang="ja-JP" altLang="en-US" sz="2000" dirty="0">
+                <a:latin typeface="Cambria Math" panose="02040503050406030204" pitchFamily="18" charset="0"/>
+              </a:rPr>
+              <a:t>操作</a:t>
+            </a:r>
+          </a:p>
+        </p:txBody>
+      </p:sp>
+    </p:spTree>
+    <p:extLst>
+      <p:ext uri="{BB962C8B-B14F-4D97-AF65-F5344CB8AC3E}">
+        <p14:creationId xmlns:p14="http://schemas.microsoft.com/office/powerpoint/2010/main" val="704429621"/>
+      </p:ext>
+    </p:extLst>
+  </p:cSld>
+  <p:clrMapOvr>
+    <a:masterClrMapping/>
+  </p:clrMapOvr>
+</p:sld>
+</file>
+
+<file path=ppt/slides/slide4.xml><?xml version="1.0" encoding="utf-8"?>
+<p:sld xmlns:a="http://schemas.openxmlformats.org/drawingml/2006/main" xmlns:r="http://schemas.openxmlformats.org/officeDocument/2006/relationships" xmlns:p="http://schemas.openxmlformats.org/presentationml/2006/main" show="0">
+  <p:cSld>
+    <p:spTree>
+      <p:nvGrpSpPr>
+        <p:cNvPr id="1" name="">
+          <a:extLst>
+            <a:ext uri="{FF2B5EF4-FFF2-40B4-BE49-F238E27FC236}">
+              <a16:creationId xmlns:a16="http://schemas.microsoft.com/office/drawing/2014/main" id="{5E99F9B7-F7A5-C9DE-2FA5-26EC511FD365}"/>
+            </a:ext>
+          </a:extLst>
+        </p:cNvPr>
+        <p:cNvGrpSpPr/>
+        <p:nvPr/>
+      </p:nvGrpSpPr>
+      <p:grpSpPr>
+        <a:xfrm>
+          <a:off x="0" y="0"/>
+          <a:ext cx="0" cy="0"/>
+          <a:chOff x="0" y="0"/>
+          <a:chExt cx="0" cy="0"/>
+        </a:xfrm>
+      </p:grpSpPr>
+      <p:grpSp>
+        <p:nvGrpSpPr>
+          <p:cNvPr id="12" name="グループ化 11">
+            <a:extLst>
+              <a:ext uri="{FF2B5EF4-FFF2-40B4-BE49-F238E27FC236}">
+                <a16:creationId xmlns:a16="http://schemas.microsoft.com/office/drawing/2014/main" id="{1F6BCDC4-5456-8C19-048D-CFC95A48D269}"/>
+              </a:ext>
+            </a:extLst>
+          </p:cNvPr>
+          <p:cNvGrpSpPr/>
+          <p:nvPr/>
+        </p:nvGrpSpPr>
+        <p:grpSpPr>
+          <a:xfrm>
+            <a:off x="-21439" y="0"/>
+            <a:ext cx="5422114" cy="5092900"/>
+            <a:chOff x="-27664" y="5764"/>
+            <a:chExt cx="2797587" cy="1307449"/>
+          </a:xfrm>
+        </p:grpSpPr>
+        <p:graphicFrame>
+          <p:nvGraphicFramePr>
+            <p:cNvPr id="13" name="グラフ 12">
+              <a:extLst>
+                <a:ext uri="{FF2B5EF4-FFF2-40B4-BE49-F238E27FC236}">
+                  <a16:creationId xmlns:a16="http://schemas.microsoft.com/office/drawing/2014/main" id="{D95307D2-B07F-B8C5-B379-A3C1DB34E2FD}"/>
+                </a:ext>
+              </a:extLst>
+            </p:cNvPr>
+            <p:cNvGraphicFramePr/>
+            <p:nvPr>
+              <p:extLst>
+                <p:ext uri="{D42A27DB-BD31-4B8C-83A1-F6EECF244321}">
+                  <p14:modId xmlns:p14="http://schemas.microsoft.com/office/powerpoint/2010/main" val="636295953"/>
+                </p:ext>
+              </p:extLst>
+            </p:nvPr>
+          </p:nvGraphicFramePr>
+          <p:xfrm>
+            <a:off x="134416" y="5764"/>
+            <a:ext cx="2635507" cy="1307449"/>
+          </p:xfrm>
+          <a:graphic>
+            <a:graphicData uri="http://schemas.openxmlformats.org/drawingml/2006/chart">
+              <c:chart xmlns:c="http://schemas.openxmlformats.org/drawingml/2006/chart" xmlns:r="http://schemas.openxmlformats.org/officeDocument/2006/relationships" r:id="rId3"/>
+            </a:graphicData>
+          </a:graphic>
+        </p:graphicFrame>
+        <p:sp>
+          <p:nvSpPr>
+            <p:cNvPr id="15" name="テキスト ボックス 14">
+              <a:extLst>
+                <a:ext uri="{FF2B5EF4-FFF2-40B4-BE49-F238E27FC236}">
+                  <a16:creationId xmlns:a16="http://schemas.microsoft.com/office/drawing/2014/main" id="{9797BC1D-0975-962C-FCF1-38134E204433}"/>
+                </a:ext>
+              </a:extLst>
+            </p:cNvPr>
+            <p:cNvSpPr txBox="1"/>
+            <p:nvPr/>
+          </p:nvSpPr>
+          <p:spPr>
+            <a:xfrm rot="16200000">
+              <a:off x="-297500" y="607182"/>
+              <a:ext cx="701752" cy="162080"/>
+            </a:xfrm>
+            <a:prstGeom prst="rect">
+              <a:avLst/>
+            </a:prstGeom>
+            <a:noFill/>
+          </p:spPr>
+          <p:txBody>
+            <a:bodyPr wrap="square" lIns="0" tIns="0" rIns="0" bIns="0" rtlCol="0">
+              <a:spAutoFit/>
+            </a:bodyPr>
+            <a:lstStyle/>
+            <a:p>
+              <a:pPr algn="ctr"/>
+              <a:r>
+                <a:rPr kumimoji="1" lang="ja-JP" altLang="en-US" sz="2000" dirty="0">
+                  <a:latin typeface="Cambria Math" panose="02040503050406030204" pitchFamily="18" charset="0"/>
+                  <a:ea typeface="Cambria Math" panose="02040503050406030204" pitchFamily="18" charset="0"/>
+                </a:rPr>
+                <a:t>スループット</a:t>
+              </a:r>
+              <a:r>
+                <a:rPr kumimoji="1" lang="en-US" altLang="ja-JP" sz="2000" dirty="0">
+                  <a:latin typeface="Cambria Math" panose="02040503050406030204" pitchFamily="18" charset="0"/>
+                  <a:ea typeface="Cambria Math" panose="02040503050406030204" pitchFamily="18" charset="0"/>
+                </a:rPr>
+                <a:t> [</a:t>
+              </a:r>
+              <a:r>
+                <a:rPr kumimoji="1" lang="en-US" altLang="ja-JP" sz="2000" dirty="0" err="1">
+                  <a:latin typeface="Cambria Math" panose="02040503050406030204" pitchFamily="18" charset="0"/>
+                  <a:ea typeface="Cambria Math" panose="02040503050406030204" pitchFamily="18" charset="0"/>
+                </a:rPr>
+                <a:t>MRec</a:t>
+              </a:r>
+              <a:r>
+                <a:rPr kumimoji="1" lang="en-US" altLang="ja-JP" sz="2000" dirty="0">
+                  <a:latin typeface="Cambria Math" panose="02040503050406030204" pitchFamily="18" charset="0"/>
+                  <a:ea typeface="Cambria Math" panose="02040503050406030204" pitchFamily="18" charset="0"/>
+                </a:rPr>
+                <a:t>/s]</a:t>
+              </a:r>
+              <a:endParaRPr kumimoji="1" lang="ja-JP" altLang="en-US" sz="2000" dirty="0">
+                <a:latin typeface="Cambria Math" panose="02040503050406030204" pitchFamily="18" charset="0"/>
+              </a:endParaRPr>
+            </a:p>
+          </p:txBody>
+        </p:sp>
+      </p:grpSp>
+      <p:sp>
+        <p:nvSpPr>
+          <p:cNvPr id="2" name="テキスト ボックス 1">
+            <a:extLst>
+              <a:ext uri="{FF2B5EF4-FFF2-40B4-BE49-F238E27FC236}">
+                <a16:creationId xmlns:a16="http://schemas.microsoft.com/office/drawing/2014/main" id="{BA523DC4-0D2B-7C47-3FDB-29F6E73EF91B}"/>
+              </a:ext>
+            </a:extLst>
+          </p:cNvPr>
+          <p:cNvSpPr txBox="1"/>
+          <p:nvPr/>
+        </p:nvSpPr>
+        <p:spPr>
+          <a:xfrm>
+            <a:off x="559821" y="5092898"/>
+            <a:ext cx="4281033" cy="307777"/>
+          </a:xfrm>
+          <a:prstGeom prst="rect">
+            <a:avLst/>
+          </a:prstGeom>
+          <a:noFill/>
+        </p:spPr>
+        <p:txBody>
+          <a:bodyPr wrap="square" lIns="0" tIns="0" rIns="0" bIns="0" rtlCol="0">
+            <a:spAutoFit/>
+          </a:bodyPr>
+          <a:lstStyle/>
+          <a:p>
+            <a:pPr algn="ctr"/>
+            <a:r>
+              <a:rPr kumimoji="1" lang="ja-JP" altLang="en-US" sz="2000" dirty="0">
+                <a:latin typeface="Cambria Math" panose="02040503050406030204" pitchFamily="18" charset="0"/>
+              </a:rPr>
+              <a:t>操作</a:t>
+            </a:r>
+          </a:p>
+        </p:txBody>
+      </p:sp>
+    </p:spTree>
+    <p:extLst>
+      <p:ext uri="{BB962C8B-B14F-4D97-AF65-F5344CB8AC3E}">
+        <p14:creationId xmlns:p14="http://schemas.microsoft.com/office/powerpoint/2010/main" val="1188694499"/>
+      </p:ext>
+    </p:extLst>
+  </p:cSld>
+  <p:clrMapOvr>
+    <a:masterClrMapping/>
+  </p:clrMapOvr>
+</p:sld>
+</file>
+
+<file path=ppt/slides/slide5.xml><?xml version="1.0" encoding="utf-8"?>
+<p:sld xmlns:a="http://schemas.openxmlformats.org/drawingml/2006/main" xmlns:r="http://schemas.openxmlformats.org/officeDocument/2006/relationships" xmlns:p="http://schemas.openxmlformats.org/presentationml/2006/main" show="0">
+  <p:cSld>
+    <p:spTree>
+      <p:nvGrpSpPr>
+        <p:cNvPr id="1" name="">
+          <a:extLst>
+            <a:ext uri="{FF2B5EF4-FFF2-40B4-BE49-F238E27FC236}">
+              <a16:creationId xmlns:a16="http://schemas.microsoft.com/office/drawing/2014/main" id="{60BD36B0-74C7-8FCD-9F86-60308B8EF36B}"/>
+            </a:ext>
+          </a:extLst>
+        </p:cNvPr>
+        <p:cNvGrpSpPr/>
+        <p:nvPr/>
+      </p:nvGrpSpPr>
+      <p:grpSpPr>
+        <a:xfrm>
+          <a:off x="0" y="0"/>
+          <a:ext cx="0" cy="0"/>
+          <a:chOff x="0" y="0"/>
+          <a:chExt cx="0" cy="0"/>
+        </a:xfrm>
+      </p:grpSpPr>
+      <p:grpSp>
+        <p:nvGrpSpPr>
+          <p:cNvPr id="12" name="グループ化 11">
+            <a:extLst>
+              <a:ext uri="{FF2B5EF4-FFF2-40B4-BE49-F238E27FC236}">
+                <a16:creationId xmlns:a16="http://schemas.microsoft.com/office/drawing/2014/main" id="{42991EE3-B1B9-BEBB-0EBB-D457C33FC4B5}"/>
+              </a:ext>
+            </a:extLst>
+          </p:cNvPr>
+          <p:cNvGrpSpPr/>
+          <p:nvPr/>
+        </p:nvGrpSpPr>
+        <p:grpSpPr>
+          <a:xfrm>
+            <a:off x="-21439" y="0"/>
+            <a:ext cx="5422114" cy="5092900"/>
+            <a:chOff x="-27664" y="5764"/>
+            <a:chExt cx="2797587" cy="1307449"/>
+          </a:xfrm>
+        </p:grpSpPr>
+        <p:graphicFrame>
+          <p:nvGraphicFramePr>
+            <p:cNvPr id="13" name="グラフ 12">
+              <a:extLst>
+                <a:ext uri="{FF2B5EF4-FFF2-40B4-BE49-F238E27FC236}">
+                  <a16:creationId xmlns:a16="http://schemas.microsoft.com/office/drawing/2014/main" id="{3ABED98F-9BE7-9D45-5109-24BB0D5A3A73}"/>
+                </a:ext>
+              </a:extLst>
+            </p:cNvPr>
+            <p:cNvGraphicFramePr/>
+            <p:nvPr>
+              <p:extLst>
+                <p:ext uri="{D42A27DB-BD31-4B8C-83A1-F6EECF244321}">
+                  <p14:modId xmlns:p14="http://schemas.microsoft.com/office/powerpoint/2010/main" val="3163879065"/>
+                </p:ext>
+              </p:extLst>
+            </p:nvPr>
+          </p:nvGraphicFramePr>
+          <p:xfrm>
+            <a:off x="134416" y="5764"/>
+            <a:ext cx="2635507" cy="1307449"/>
+          </p:xfrm>
+          <a:graphic>
+            <a:graphicData uri="http://schemas.openxmlformats.org/drawingml/2006/chart">
+              <c:chart xmlns:c="http://schemas.openxmlformats.org/drawingml/2006/chart" xmlns:r="http://schemas.openxmlformats.org/officeDocument/2006/relationships" r:id="rId3"/>
+            </a:graphicData>
+          </a:graphic>
+        </p:graphicFrame>
+        <p:sp>
+          <p:nvSpPr>
+            <p:cNvPr id="15" name="テキスト ボックス 14">
+              <a:extLst>
+                <a:ext uri="{FF2B5EF4-FFF2-40B4-BE49-F238E27FC236}">
+                  <a16:creationId xmlns:a16="http://schemas.microsoft.com/office/drawing/2014/main" id="{8D105716-19E1-E1B4-71B8-EA3A34FC092D}"/>
+                </a:ext>
+              </a:extLst>
+            </p:cNvPr>
+            <p:cNvSpPr txBox="1"/>
+            <p:nvPr/>
+          </p:nvSpPr>
+          <p:spPr>
+            <a:xfrm rot="16200000">
+              <a:off x="-297500" y="607182"/>
+              <a:ext cx="701752" cy="162080"/>
+            </a:xfrm>
+            <a:prstGeom prst="rect">
+              <a:avLst/>
+            </a:prstGeom>
+            <a:noFill/>
+          </p:spPr>
+          <p:txBody>
+            <a:bodyPr wrap="square" lIns="0" tIns="0" rIns="0" bIns="0" rtlCol="0">
+              <a:spAutoFit/>
+            </a:bodyPr>
+            <a:lstStyle/>
+            <a:p>
+              <a:pPr algn="ctr"/>
+              <a:r>
+                <a:rPr kumimoji="1" lang="ja-JP" altLang="en-US" sz="2000" dirty="0">
+                  <a:latin typeface="Cambria Math" panose="02040503050406030204" pitchFamily="18" charset="0"/>
+                  <a:ea typeface="Cambria Math" panose="02040503050406030204" pitchFamily="18" charset="0"/>
+                </a:rPr>
+                <a:t>スループット</a:t>
+              </a:r>
+              <a:r>
+                <a:rPr kumimoji="1" lang="en-US" altLang="ja-JP" sz="2000" dirty="0">
+                  <a:latin typeface="Cambria Math" panose="02040503050406030204" pitchFamily="18" charset="0"/>
+                  <a:ea typeface="Cambria Math" panose="02040503050406030204" pitchFamily="18" charset="0"/>
+                </a:rPr>
+                <a:t> [</a:t>
+              </a:r>
+              <a:r>
+                <a:rPr kumimoji="1" lang="en-US" altLang="ja-JP" sz="2000" dirty="0" err="1">
+                  <a:latin typeface="Cambria Math" panose="02040503050406030204" pitchFamily="18" charset="0"/>
+                  <a:ea typeface="Cambria Math" panose="02040503050406030204" pitchFamily="18" charset="0"/>
+                </a:rPr>
+                <a:t>MRec</a:t>
+              </a:r>
+              <a:r>
+                <a:rPr kumimoji="1" lang="en-US" altLang="ja-JP" sz="2000" dirty="0">
+                  <a:latin typeface="Cambria Math" panose="02040503050406030204" pitchFamily="18" charset="0"/>
+                  <a:ea typeface="Cambria Math" panose="02040503050406030204" pitchFamily="18" charset="0"/>
+                </a:rPr>
+                <a:t>/s]</a:t>
+              </a:r>
+              <a:endParaRPr kumimoji="1" lang="ja-JP" altLang="en-US" sz="2000" dirty="0">
+                <a:latin typeface="Cambria Math" panose="02040503050406030204" pitchFamily="18" charset="0"/>
+              </a:endParaRPr>
+            </a:p>
+          </p:txBody>
+        </p:sp>
+      </p:grpSp>
+      <p:sp>
+        <p:nvSpPr>
+          <p:cNvPr id="2" name="テキスト ボックス 1">
+            <a:extLst>
+              <a:ext uri="{FF2B5EF4-FFF2-40B4-BE49-F238E27FC236}">
+                <a16:creationId xmlns:a16="http://schemas.microsoft.com/office/drawing/2014/main" id="{C80D450C-6E58-C67F-DBB8-3CA85C431CE2}"/>
+              </a:ext>
+            </a:extLst>
+          </p:cNvPr>
+          <p:cNvSpPr txBox="1"/>
+          <p:nvPr/>
+        </p:nvSpPr>
+        <p:spPr>
+          <a:xfrm>
+            <a:off x="559821" y="5092898"/>
+            <a:ext cx="4281033" cy="307777"/>
+          </a:xfrm>
+          <a:prstGeom prst="rect">
+            <a:avLst/>
+          </a:prstGeom>
+          <a:noFill/>
+        </p:spPr>
+        <p:txBody>
+          <a:bodyPr wrap="square" lIns="0" tIns="0" rIns="0" bIns="0" rtlCol="0">
+            <a:spAutoFit/>
+          </a:bodyPr>
+          <a:lstStyle/>
+          <a:p>
+            <a:pPr algn="ctr"/>
+            <a:r>
+              <a:rPr kumimoji="1" lang="ja-JP" altLang="en-US" sz="2000" dirty="0">
+                <a:latin typeface="Cambria Math" panose="02040503050406030204" pitchFamily="18" charset="0"/>
+              </a:rPr>
+              <a:t>操作</a:t>
+            </a:r>
+          </a:p>
+        </p:txBody>
+      </p:sp>
+    </p:spTree>
+    <p:extLst>
+      <p:ext uri="{BB962C8B-B14F-4D97-AF65-F5344CB8AC3E}">
+        <p14:creationId xmlns:p14="http://schemas.microsoft.com/office/powerpoint/2010/main" val="3683266067"/>
       </p:ext>
     </p:extLst>
   </p:cSld>
@@ -5359,4 +11342,319 @@
     </a:ext>
   </a:extLst>
 </a:theme>
+</file>
+
+<file path=ppt/theme/theme2.xml><?xml version="1.0" encoding="utf-8"?>
+<a:theme xmlns:a="http://schemas.openxmlformats.org/drawingml/2006/main" name="Office テーマ">
+  <a:themeElements>
+    <a:clrScheme name="Office">
+      <a:dk1>
+        <a:sysClr val="windowText" lastClr="000000"/>
+      </a:dk1>
+      <a:lt1>
+        <a:sysClr val="window" lastClr="FFFFFF"/>
+      </a:lt1>
+      <a:dk2>
+        <a:srgbClr val="0E2841"/>
+      </a:dk2>
+      <a:lt2>
+        <a:srgbClr val="E8E8E8"/>
+      </a:lt2>
+      <a:accent1>
+        <a:srgbClr val="156082"/>
+      </a:accent1>
+      <a:accent2>
+        <a:srgbClr val="E97132"/>
+      </a:accent2>
+      <a:accent3>
+        <a:srgbClr val="196B24"/>
+      </a:accent3>
+      <a:accent4>
+        <a:srgbClr val="0F9ED5"/>
+      </a:accent4>
+      <a:accent5>
+        <a:srgbClr val="A02B93"/>
+      </a:accent5>
+      <a:accent6>
+        <a:srgbClr val="4EA72E"/>
+      </a:accent6>
+      <a:hlink>
+        <a:srgbClr val="467886"/>
+      </a:hlink>
+      <a:folHlink>
+        <a:srgbClr val="96607D"/>
+      </a:folHlink>
+    </a:clrScheme>
+    <a:fontScheme name="Office">
+      <a:majorFont>
+        <a:latin typeface="游ゴシック Light" panose="02110004020202020204"/>
+        <a:ea typeface=""/>
+        <a:cs typeface=""/>
+        <a:font script="Jpan" typeface="游ゴシック Light"/>
+        <a:font script="Hang" typeface="맑은 고딕"/>
+        <a:font script="Hans" typeface="等线 Light"/>
+        <a:font script="Hant" typeface="新細明體"/>
+        <a:font script="Arab" typeface="Times New Roman"/>
+        <a:font script="Hebr" typeface="Times New Roman"/>
+        <a:font script="Thai" typeface="Angsana New"/>
+        <a:font script="Ethi" typeface="Nyala"/>
+        <a:font script="Beng" typeface="Vrinda"/>
+        <a:font script="Gujr" typeface="Shruti"/>
+        <a:font script="Khmr" typeface="MoolBoran"/>
+        <a:font script="Knda" typeface="Tunga"/>
+        <a:font script="Guru" typeface="Raavi"/>
+        <a:font script="Cans" typeface="Euphemia"/>
+        <a:font script="Cher" typeface="Plantagenet Cherokee"/>
+        <a:font script="Yiii" typeface="Microsoft Yi Baiti"/>
+        <a:font script="Tibt" typeface="Microsoft Himalaya"/>
+        <a:font script="Thaa" typeface="MV Boli"/>
+        <a:font script="Deva" typeface="Mangal"/>
+        <a:font script="Telu" typeface="Gautami"/>
+        <a:font script="Taml" typeface="Latha"/>
+        <a:font script="Syrc" typeface="Estrangelo Edessa"/>
+        <a:font script="Orya" typeface="Kalinga"/>
+        <a:font script="Mlym" typeface="Kartika"/>
+        <a:font script="Laoo" typeface="DokChampa"/>
+        <a:font script="Sinh" typeface="Iskoola Pota"/>
+        <a:font script="Mong" typeface="Mongolian Baiti"/>
+        <a:font script="Viet" typeface="Times New Roman"/>
+        <a:font script="Uigh" typeface="Microsoft Uighur"/>
+        <a:font script="Geor" typeface="Sylfaen"/>
+        <a:font script="Armn" typeface="Arial"/>
+        <a:font script="Bugi" typeface="Leelawadee UI"/>
+        <a:font script="Bopo" typeface="Microsoft JhengHei"/>
+        <a:font script="Java" typeface="Javanese Text"/>
+        <a:font script="Lisu" typeface="Segoe UI"/>
+        <a:font script="Mymr" typeface="Myanmar Text"/>
+        <a:font script="Nkoo" typeface="Ebrima"/>
+        <a:font script="Olck" typeface="Nirmala UI"/>
+        <a:font script="Osma" typeface="Ebrima"/>
+        <a:font script="Phag" typeface="Phagspa"/>
+        <a:font script="Syrn" typeface="Estrangelo Edessa"/>
+        <a:font script="Syrj" typeface="Estrangelo Edessa"/>
+        <a:font script="Syre" typeface="Estrangelo Edessa"/>
+        <a:font script="Sora" typeface="Nirmala UI"/>
+        <a:font script="Tale" typeface="Microsoft Tai Le"/>
+        <a:font script="Talu" typeface="Microsoft New Tai Lue"/>
+        <a:font script="Tfng" typeface="Ebrima"/>
+      </a:majorFont>
+      <a:minorFont>
+        <a:latin typeface="游ゴシック" panose="02110004020202020204"/>
+        <a:ea typeface=""/>
+        <a:cs typeface=""/>
+        <a:font script="Jpan" typeface="游ゴシック"/>
+        <a:font script="Hang" typeface="맑은 고딕"/>
+        <a:font script="Hans" typeface="等线"/>
+        <a:font script="Hant" typeface="新細明體"/>
+        <a:font script="Arab" typeface="Arial"/>
+        <a:font script="Hebr" typeface="Arial"/>
+        <a:font script="Thai" typeface="Cordia New"/>
+        <a:font script="Ethi" typeface="Nyala"/>
+        <a:font script="Beng" typeface="Vrinda"/>
+        <a:font script="Gujr" typeface="Shruti"/>
+        <a:font script="Khmr" typeface="DaunPenh"/>
+        <a:font script="Knda" typeface="Tunga"/>
+        <a:font script="Guru" typeface="Raavi"/>
+        <a:font script="Cans" typeface="Euphemia"/>
+        <a:font script="Cher" typeface="Plantagenet Cherokee"/>
+        <a:font script="Yiii" typeface="Microsoft Yi Baiti"/>
+        <a:font script="Tibt" typeface="Microsoft Himalaya"/>
+        <a:font script="Thaa" typeface="MV Boli"/>
+        <a:font script="Deva" typeface="Mangal"/>
+        <a:font script="Telu" typeface="Gautami"/>
+        <a:font script="Taml" typeface="Latha"/>
+        <a:font script="Syrc" typeface="Estrangelo Edessa"/>
+        <a:font script="Orya" typeface="Kalinga"/>
+        <a:font script="Mlym" typeface="Kartika"/>
+        <a:font script="Laoo" typeface="DokChampa"/>
+        <a:font script="Sinh" typeface="Iskoola Pota"/>
+        <a:font script="Mong" typeface="Mongolian Baiti"/>
+        <a:font script="Viet" typeface="Arial"/>
+        <a:font script="Uigh" typeface="Microsoft Uighur"/>
+        <a:font script="Geor" typeface="Sylfaen"/>
+        <a:font script="Armn" typeface="Arial"/>
+        <a:font script="Bugi" typeface="Leelawadee UI"/>
+        <a:font script="Bopo" typeface="Microsoft JhengHei"/>
+        <a:font script="Java" typeface="Javanese Text"/>
+        <a:font script="Lisu" typeface="Segoe UI"/>
+        <a:font script="Mymr" typeface="Myanmar Text"/>
+        <a:font script="Nkoo" typeface="Ebrima"/>
+        <a:font script="Olck" typeface="Nirmala UI"/>
+        <a:font script="Osma" typeface="Ebrima"/>
+        <a:font script="Phag" typeface="Phagspa"/>
+        <a:font script="Syrn" typeface="Estrangelo Edessa"/>
+        <a:font script="Syrj" typeface="Estrangelo Edessa"/>
+        <a:font script="Syre" typeface="Estrangelo Edessa"/>
+        <a:font script="Sora" typeface="Nirmala UI"/>
+        <a:font script="Tale" typeface="Microsoft Tai Le"/>
+        <a:font script="Talu" typeface="Microsoft New Tai Lue"/>
+        <a:font script="Tfng" typeface="Ebrima"/>
+      </a:minorFont>
+    </a:fontScheme>
+    <a:fmtScheme name="Office">
+      <a:fillStyleLst>
+        <a:solidFill>
+          <a:schemeClr val="phClr"/>
+        </a:solidFill>
+        <a:gradFill rotWithShape="1">
+          <a:gsLst>
+            <a:gs pos="0">
+              <a:schemeClr val="phClr">
+                <a:lumMod val="110000"/>
+                <a:satMod val="105000"/>
+                <a:tint val="67000"/>
+              </a:schemeClr>
+            </a:gs>
+            <a:gs pos="50000">
+              <a:schemeClr val="phClr">
+                <a:lumMod val="105000"/>
+                <a:satMod val="103000"/>
+                <a:tint val="73000"/>
+              </a:schemeClr>
+            </a:gs>
+            <a:gs pos="100000">
+              <a:schemeClr val="phClr">
+                <a:lumMod val="105000"/>
+                <a:satMod val="109000"/>
+                <a:tint val="81000"/>
+              </a:schemeClr>
+            </a:gs>
+          </a:gsLst>
+          <a:lin ang="5400000" scaled="0"/>
+        </a:gradFill>
+        <a:gradFill rotWithShape="1">
+          <a:gsLst>
+            <a:gs pos="0">
+              <a:schemeClr val="phClr">
+                <a:satMod val="103000"/>
+                <a:lumMod val="102000"/>
+                <a:tint val="94000"/>
+              </a:schemeClr>
+            </a:gs>
+            <a:gs pos="50000">
+              <a:schemeClr val="phClr">
+                <a:satMod val="110000"/>
+                <a:lumMod val="100000"/>
+                <a:shade val="100000"/>
+              </a:schemeClr>
+            </a:gs>
+            <a:gs pos="100000">
+              <a:schemeClr val="phClr">
+                <a:lumMod val="99000"/>
+                <a:satMod val="120000"/>
+                <a:shade val="78000"/>
+              </a:schemeClr>
+            </a:gs>
+          </a:gsLst>
+          <a:lin ang="5400000" scaled="0"/>
+        </a:gradFill>
+      </a:fillStyleLst>
+      <a:lnStyleLst>
+        <a:ln w="12700" cap="flat" cmpd="sng" algn="ctr">
+          <a:solidFill>
+            <a:schemeClr val="phClr"/>
+          </a:solidFill>
+          <a:prstDash val="solid"/>
+          <a:miter lim="800000"/>
+        </a:ln>
+        <a:ln w="19050" cap="flat" cmpd="sng" algn="ctr">
+          <a:solidFill>
+            <a:schemeClr val="phClr"/>
+          </a:solidFill>
+          <a:prstDash val="solid"/>
+          <a:miter lim="800000"/>
+        </a:ln>
+        <a:ln w="25400" cap="flat" cmpd="sng" algn="ctr">
+          <a:solidFill>
+            <a:schemeClr val="phClr"/>
+          </a:solidFill>
+          <a:prstDash val="solid"/>
+          <a:miter lim="800000"/>
+        </a:ln>
+      </a:lnStyleLst>
+      <a:effectStyleLst>
+        <a:effectStyle>
+          <a:effectLst/>
+        </a:effectStyle>
+        <a:effectStyle>
+          <a:effectLst/>
+        </a:effectStyle>
+        <a:effectStyle>
+          <a:effectLst>
+            <a:outerShdw blurRad="57150" dist="19050" dir="5400000" algn="ctr" rotWithShape="0">
+              <a:srgbClr val="000000">
+                <a:alpha val="63000"/>
+              </a:srgbClr>
+            </a:outerShdw>
+          </a:effectLst>
+        </a:effectStyle>
+      </a:effectStyleLst>
+      <a:bgFillStyleLst>
+        <a:solidFill>
+          <a:schemeClr val="phClr"/>
+        </a:solidFill>
+        <a:solidFill>
+          <a:schemeClr val="phClr">
+            <a:tint val="95000"/>
+            <a:satMod val="170000"/>
+          </a:schemeClr>
+        </a:solidFill>
+        <a:gradFill rotWithShape="1">
+          <a:gsLst>
+            <a:gs pos="0">
+              <a:schemeClr val="phClr">
+                <a:tint val="93000"/>
+                <a:satMod val="150000"/>
+                <a:shade val="98000"/>
+                <a:lumMod val="102000"/>
+              </a:schemeClr>
+            </a:gs>
+            <a:gs pos="50000">
+              <a:schemeClr val="phClr">
+                <a:tint val="98000"/>
+                <a:satMod val="130000"/>
+                <a:shade val="90000"/>
+                <a:lumMod val="103000"/>
+              </a:schemeClr>
+            </a:gs>
+            <a:gs pos="100000">
+              <a:schemeClr val="phClr">
+                <a:shade val="63000"/>
+                <a:satMod val="120000"/>
+              </a:schemeClr>
+            </a:gs>
+          </a:gsLst>
+          <a:lin ang="5400000" scaled="0"/>
+        </a:gradFill>
+      </a:bgFillStyleLst>
+    </a:fmtScheme>
+  </a:themeElements>
+  <a:objectDefaults>
+    <a:lnDef>
+      <a:spPr/>
+      <a:bodyPr/>
+      <a:lstStyle/>
+      <a:style>
+        <a:lnRef idx="2">
+          <a:schemeClr val="accent1"/>
+        </a:lnRef>
+        <a:fillRef idx="0">
+          <a:schemeClr val="accent1"/>
+        </a:fillRef>
+        <a:effectRef idx="1">
+          <a:schemeClr val="accent1"/>
+        </a:effectRef>
+        <a:fontRef idx="minor">
+          <a:schemeClr val="tx1"/>
+        </a:fontRef>
+      </a:style>
+    </a:lnDef>
+  </a:objectDefaults>
+  <a:extraClrSchemeLst/>
+  <a:extLst>
+    <a:ext uri="{05A4C25C-085E-4340-85A3-A5531E510DB2}">
+      <thm15:themeFamily xmlns:thm15="http://schemas.microsoft.com/office/thememl/2012/main" name="Office Theme" id="{2E142A2C-CD16-42D6-873A-C26D2A0506FA}" vid="{1BDDFF52-6CD6-40A5-AB3C-68EB2F1E4D0A}"/>
+    </a:ext>
+  </a:extLst>
+</a:theme>
 </file>